--- a/b609/lec04.pptx
+++ b/b609/lec04.pptx
@@ -26,6 +26,13 @@
     <p:sldId id="276" r:id="rId20"/>
     <p:sldId id="277" r:id="rId21"/>
     <p:sldId id="278" r:id="rId22"/>
+    <p:sldId id="279" r:id="rId23"/>
+    <p:sldId id="280" r:id="rId24"/>
+    <p:sldId id="281" r:id="rId25"/>
+    <p:sldId id="282" r:id="rId26"/>
+    <p:sldId id="284" r:id="rId27"/>
+    <p:sldId id="285" r:id="rId28"/>
+    <p:sldId id="283" r:id="rId29"/>
   </p:sldIdLst>
   <p:sldSz cx="9144000" cy="6858000" type="screen4x3"/>
   <p:notesSz cx="6858000" cy="9144000"/>
@@ -23364,6 +23371,8926 @@
 </p:sld>
 </file>
 
+<file path=ppt/slides/slide22.xml><?xml version="1.0" encoding="utf-8"?>
+<p:sld xmlns:a="http://schemas.openxmlformats.org/drawingml/2006/main" xmlns:r="http://schemas.openxmlformats.org/officeDocument/2006/relationships" xmlns:p="http://schemas.openxmlformats.org/presentationml/2006/main">
+  <p:cSld>
+    <p:spTree>
+      <p:nvGrpSpPr>
+        <p:cNvPr id="1" name=""/>
+        <p:cNvGrpSpPr/>
+        <p:nvPr/>
+      </p:nvGrpSpPr>
+      <p:grpSpPr>
+        <a:xfrm>
+          <a:off x="0" y="0"/>
+          <a:ext cx="0" cy="0"/>
+          <a:chOff x="0" y="0"/>
+          <a:chExt cx="0" cy="0"/>
+        </a:xfrm>
+      </p:grpSpPr>
+      <p:sp>
+        <p:nvSpPr>
+          <p:cNvPr id="2" name="Title 1"/>
+          <p:cNvSpPr>
+            <a:spLocks noGrp="1"/>
+          </p:cNvSpPr>
+          <p:nvPr>
+            <p:ph type="title"/>
+          </p:nvPr>
+        </p:nvSpPr>
+        <p:spPr/>
+        <p:txBody>
+          <a:bodyPr>
+            <a:normAutofit/>
+          </a:bodyPr>
+          <a:lstStyle/>
+          <a:p>
+            <a:r>
+              <a:rPr lang="en-US" dirty="0" smtClean="0">
+                <a:solidFill>
+                  <a:srgbClr val="0070C0"/>
+                </a:solidFill>
+              </a:rPr>
+              <a:t>Application of SVD: Centering Data</a:t>
+            </a:r>
+            <a:endParaRPr lang="en-US" dirty="0">
+              <a:solidFill>
+                <a:srgbClr val="0070C0"/>
+              </a:solidFill>
+            </a:endParaRPr>
+          </a:p>
+        </p:txBody>
+      </p:sp>
+      <mc:AlternateContent xmlns:mc="http://schemas.openxmlformats.org/markup-compatibility/2006">
+        <mc:Choice xmlns:a14="http://schemas.microsoft.com/office/drawing/2010/main" Requires="a14">
+          <p:sp>
+            <p:nvSpPr>
+              <p:cNvPr id="3" name="Content Placeholder 2"/>
+              <p:cNvSpPr>
+                <a:spLocks noGrp="1"/>
+              </p:cNvSpPr>
+              <p:nvPr>
+                <p:ph idx="1"/>
+              </p:nvPr>
+            </p:nvSpPr>
+            <p:spPr>
+              <a:xfrm>
+                <a:off x="304800" y="1676400"/>
+                <a:ext cx="8686800" cy="4953000"/>
+              </a:xfrm>
+            </p:spPr>
+            <p:txBody>
+              <a:bodyPr>
+                <a:normAutofit/>
+              </a:bodyPr>
+              <a:lstStyle/>
+              <a:p>
+                <a:r>
+                  <a:rPr lang="en-US" dirty="0" smtClean="0"/>
+                  <a:t>Minimize sum of squared distances from </a:t>
+                </a:r>
+                <a14:m>
+                  <m:oMath xmlns:m="http://schemas.openxmlformats.org/officeDocument/2006/math">
+                    <m:sSub>
+                      <m:sSubPr>
+                        <m:ctrlPr>
+                          <a:rPr lang="en-US" b="1" i="1">
+                            <a:latin typeface="Cambria Math"/>
+                          </a:rPr>
+                        </m:ctrlPr>
+                      </m:sSubPr>
+                      <m:e>
+                        <m:r>
+                          <a:rPr lang="en-US" b="1" i="1">
+                            <a:latin typeface="Cambria Math"/>
+                          </a:rPr>
+                          <m:t>𝑨</m:t>
+                        </m:r>
+                      </m:e>
+                      <m:sub>
+                        <m:r>
+                          <a:rPr lang="en-US" b="1" i="1">
+                            <a:latin typeface="Cambria Math"/>
+                          </a:rPr>
+                          <m:t>𝒊</m:t>
+                        </m:r>
+                      </m:sub>
+                    </m:sSub>
+                  </m:oMath>
+                </a14:m>
+                <a:r>
+                  <a:rPr lang="en-US" dirty="0"/>
+                  <a:t> to </a:t>
+                </a:r>
+                <a14:m>
+                  <m:oMath xmlns:m="http://schemas.openxmlformats.org/officeDocument/2006/math">
+                    <m:sSub>
+                      <m:sSubPr>
+                        <m:ctrlPr>
+                          <a:rPr lang="en-US" i="1">
+                            <a:latin typeface="Cambria Math"/>
+                          </a:rPr>
+                        </m:ctrlPr>
+                      </m:sSubPr>
+                      <m:e>
+                        <m:r>
+                          <a:rPr lang="en-US" i="1">
+                            <a:latin typeface="Cambria Math"/>
+                          </a:rPr>
+                          <m:t>𝑆</m:t>
+                        </m:r>
+                      </m:e>
+                      <m:sub>
+                        <m:r>
+                          <a:rPr lang="en-US" i="1">
+                            <a:solidFill>
+                              <a:srgbClr val="FF0000"/>
+                            </a:solidFill>
+                            <a:latin typeface="Cambria Math"/>
+                          </a:rPr>
+                          <m:t>𝑘</m:t>
+                        </m:r>
+                      </m:sub>
+                    </m:sSub>
+                  </m:oMath>
+                </a14:m>
+                <a:r>
+                  <a:rPr lang="en-US" dirty="0"/>
+                  <a:t> </a:t>
+                </a:r>
+                <a:endParaRPr lang="en-US" dirty="0" smtClean="0"/>
+              </a:p>
+              <a:p>
+                <a:r>
+                  <a:rPr lang="en-US" b="1" dirty="0" smtClean="0"/>
+                  <a:t>SVD</a:t>
+                </a:r>
+                <a:r>
+                  <a:rPr lang="en-US" dirty="0" smtClean="0"/>
+                  <a:t>: best fitting </a:t>
+                </a:r>
+                <a14:m>
+                  <m:oMath xmlns:m="http://schemas.openxmlformats.org/officeDocument/2006/math">
+                    <m:sSub>
+                      <m:sSubPr>
+                        <m:ctrlPr>
+                          <a:rPr lang="en-US" i="1">
+                            <a:latin typeface="Cambria Math"/>
+                          </a:rPr>
+                        </m:ctrlPr>
+                      </m:sSubPr>
+                      <m:e>
+                        <m:r>
+                          <a:rPr lang="en-US" i="1">
+                            <a:latin typeface="Cambria Math"/>
+                          </a:rPr>
+                          <m:t>𝑆</m:t>
+                        </m:r>
+                      </m:e>
+                      <m:sub>
+                        <m:r>
+                          <a:rPr lang="en-US" i="1">
+                            <a:solidFill>
+                              <a:srgbClr val="FF0000"/>
+                            </a:solidFill>
+                            <a:latin typeface="Cambria Math"/>
+                          </a:rPr>
+                          <m:t>𝑘</m:t>
+                        </m:r>
+                      </m:sub>
+                    </m:sSub>
+                  </m:oMath>
+                </a14:m>
+                <a:r>
+                  <a:rPr lang="en-US" dirty="0" smtClean="0"/>
+                  <a:t> if data is centered</a:t>
+                </a:r>
+              </a:p>
+              <a:p>
+                <a:r>
+                  <a:rPr lang="en-US" dirty="0" smtClean="0"/>
+                  <a:t>What if not?</a:t>
+                </a:r>
+              </a:p>
+              <a:p>
+                <a:r>
+                  <a:rPr lang="en-US" b="1" dirty="0"/>
+                  <a:t>Thm. </a:t>
+                </a:r>
+                <a14:m>
+                  <m:oMath xmlns:m="http://schemas.openxmlformats.org/officeDocument/2006/math">
+                    <m:sSub>
+                      <m:sSubPr>
+                        <m:ctrlPr>
+                          <a:rPr lang="en-US" i="1">
+                            <a:latin typeface="Cambria Math"/>
+                          </a:rPr>
+                        </m:ctrlPr>
+                      </m:sSubPr>
+                      <m:e>
+                        <m:r>
+                          <a:rPr lang="en-US" i="1">
+                            <a:latin typeface="Cambria Math"/>
+                          </a:rPr>
+                          <m:t>𝑆</m:t>
+                        </m:r>
+                      </m:e>
+                      <m:sub>
+                        <m:r>
+                          <a:rPr lang="en-US" i="1">
+                            <a:solidFill>
+                              <a:srgbClr val="FF0000"/>
+                            </a:solidFill>
+                            <a:latin typeface="Cambria Math"/>
+                          </a:rPr>
+                          <m:t>𝑘</m:t>
+                        </m:r>
+                      </m:sub>
+                    </m:sSub>
+                  </m:oMath>
+                </a14:m>
+                <a:r>
+                  <a:rPr lang="en-US" dirty="0"/>
+                  <a:t> that minimizes squared distance goes through centroid of the point set:</a:t>
+                </a:r>
+              </a:p>
+              <a:p>
+                <a:pPr marL="0" indent="0">
+                  <a:buNone/>
+                </a:pPr>
+                <a14:m>
+                  <m:oMathPara xmlns:m="http://schemas.openxmlformats.org/officeDocument/2006/math">
+                    <m:oMathParaPr>
+                      <m:jc m:val="centerGroup"/>
+                    </m:oMathParaPr>
+                    <m:oMath xmlns:m="http://schemas.openxmlformats.org/officeDocument/2006/math">
+                      <m:f>
+                        <m:fPr>
+                          <m:ctrlPr>
+                            <a:rPr lang="en-US" i="1">
+                              <a:latin typeface="Cambria Math"/>
+                            </a:rPr>
+                          </m:ctrlPr>
+                        </m:fPr>
+                        <m:num>
+                          <m:r>
+                            <a:rPr lang="en-US" i="1">
+                              <a:latin typeface="Cambria Math"/>
+                            </a:rPr>
+                            <m:t>1</m:t>
+                          </m:r>
+                        </m:num>
+                        <m:den>
+                          <m:r>
+                            <a:rPr lang="en-US" i="1">
+                              <a:latin typeface="Cambria Math"/>
+                            </a:rPr>
+                            <m:t>𝑛</m:t>
+                          </m:r>
+                        </m:den>
+                      </m:f>
+                      <m:r>
+                        <a:rPr lang="en-US" i="1">
+                          <a:latin typeface="Cambria Math"/>
+                        </a:rPr>
+                        <m:t>∑</m:t>
+                      </m:r>
+                      <m:sSub>
+                        <m:sSubPr>
+                          <m:ctrlPr>
+                            <a:rPr lang="en-US" b="1" i="1">
+                              <a:latin typeface="Cambria Math"/>
+                            </a:rPr>
+                          </m:ctrlPr>
+                        </m:sSubPr>
+                        <m:e>
+                          <m:r>
+                            <a:rPr lang="en-US" b="1" i="1">
+                              <a:latin typeface="Cambria Math"/>
+                            </a:rPr>
+                            <m:t>𝑨</m:t>
+                          </m:r>
+                        </m:e>
+                        <m:sub>
+                          <m:r>
+                            <a:rPr lang="en-US" b="1" i="1">
+                              <a:latin typeface="Cambria Math"/>
+                            </a:rPr>
+                            <m:t>𝒊</m:t>
+                          </m:r>
+                        </m:sub>
+                      </m:sSub>
+                    </m:oMath>
+                  </m:oMathPara>
+                </a14:m>
+                <a:endParaRPr lang="en-US" b="1" dirty="0" smtClean="0"/>
+              </a:p>
+              <a:p>
+                <a:r>
+                  <a:rPr lang="en-US" dirty="0" smtClean="0"/>
+                  <a:t>Will only prove for</a:t>
+                </a:r>
+                <a:r>
+                  <a:rPr lang="en-US" b="1" dirty="0" smtClean="0"/>
+                  <a:t> </a:t>
+                </a:r>
+                <a14:m>
+                  <m:oMath xmlns:m="http://schemas.openxmlformats.org/officeDocument/2006/math">
+                    <m:r>
+                      <a:rPr lang="en-US" i="1">
+                        <a:solidFill>
+                          <a:srgbClr val="FF0000"/>
+                        </a:solidFill>
+                        <a:latin typeface="Cambria Math"/>
+                      </a:rPr>
+                      <m:t>𝑘</m:t>
+                    </m:r>
+                    <m:r>
+                      <a:rPr lang="en-US" b="1" i="1" dirty="0" smtClean="0">
+                        <a:latin typeface="Cambria Math"/>
+                      </a:rPr>
+                      <m:t>=</m:t>
+                    </m:r>
+                    <m:r>
+                      <a:rPr lang="en-US" b="0" i="1" dirty="0" smtClean="0">
+                        <a:latin typeface="Cambria Math"/>
+                      </a:rPr>
+                      <m:t>1</m:t>
+                    </m:r>
+                  </m:oMath>
+                </a14:m>
+                <a:r>
+                  <a:rPr lang="en-US" dirty="0" smtClean="0"/>
+                  <a:t>, analogous proof for arbitrary </a:t>
+                </a:r>
+                <a14:m>
+                  <m:oMath xmlns:m="http://schemas.openxmlformats.org/officeDocument/2006/math">
+                    <m:r>
+                      <a:rPr lang="en-US" i="1">
+                        <a:solidFill>
+                          <a:srgbClr val="FF0000"/>
+                        </a:solidFill>
+                        <a:latin typeface="Cambria Math"/>
+                      </a:rPr>
+                      <m:t>𝑘</m:t>
+                    </m:r>
+                  </m:oMath>
+                </a14:m>
+                <a:r>
+                  <a:rPr lang="en-US" dirty="0" smtClean="0"/>
+                  <a:t> (see textbook)</a:t>
+                </a:r>
+                <a:endParaRPr lang="en-US" dirty="0"/>
+              </a:p>
+              <a:p>
+                <a:endParaRPr lang="en-US" dirty="0" smtClean="0"/>
+              </a:p>
+            </p:txBody>
+          </p:sp>
+        </mc:Choice>
+        <mc:Fallback>
+          <p:sp>
+            <p:nvSpPr>
+              <p:cNvPr id="3" name="Content Placeholder 2"/>
+              <p:cNvSpPr>
+                <a:spLocks noGrp="1" noRot="1" noChangeAspect="1" noMove="1" noResize="1" noEditPoints="1" noAdjustHandles="1" noChangeArrowheads="1" noChangeShapeType="1" noTextEdit="1"/>
+              </p:cNvSpPr>
+              <p:nvPr>
+                <p:ph idx="1"/>
+              </p:nvPr>
+            </p:nvSpPr>
+            <p:spPr>
+              <a:xfrm>
+                <a:off x="304800" y="1676400"/>
+                <a:ext cx="8686800" cy="4953000"/>
+              </a:xfrm>
+              <a:blipFill rotWithShape="1">
+                <a:blip r:embed="rId2"/>
+                <a:stretch>
+                  <a:fillRect l="-1544" t="-1476" b="-1230"/>
+                </a:stretch>
+              </a:blipFill>
+            </p:spPr>
+            <p:txBody>
+              <a:bodyPr/>
+              <a:lstStyle/>
+              <a:p>
+                <a:r>
+                  <a:rPr lang="en-US">
+                    <a:noFill/>
+                  </a:rPr>
+                  <a:t> </a:t>
+                </a:r>
+              </a:p>
+            </p:txBody>
+          </p:sp>
+        </mc:Fallback>
+      </mc:AlternateContent>
+    </p:spTree>
+    <p:extLst>
+      <p:ext uri="{BB962C8B-B14F-4D97-AF65-F5344CB8AC3E}">
+        <p14:creationId xmlns:p14="http://schemas.microsoft.com/office/powerpoint/2010/main" val="1030645444"/>
+      </p:ext>
+    </p:extLst>
+  </p:cSld>
+  <p:clrMapOvr>
+    <a:masterClrMapping/>
+  </p:clrMapOvr>
+  <p:timing>
+    <p:tnLst>
+      <p:par>
+        <p:cTn id="1" dur="indefinite" restart="never" nodeType="tmRoot">
+          <p:childTnLst>
+            <p:seq concurrent="1" nextAc="seek">
+              <p:cTn id="2" dur="indefinite" nodeType="mainSeq">
+                <p:childTnLst>
+                  <p:par>
+                    <p:cTn id="3" fill="hold">
+                      <p:stCondLst>
+                        <p:cond delay="indefinite"/>
+                      </p:stCondLst>
+                      <p:childTnLst>
+                        <p:par>
+                          <p:cTn id="4" fill="hold">
+                            <p:stCondLst>
+                              <p:cond delay="0"/>
+                            </p:stCondLst>
+                            <p:childTnLst>
+                              <p:par>
+                                <p:cTn id="5" presetID="1" presetClass="entr" presetSubtype="0" fill="hold" grpId="0" nodeType="clickEffect">
+                                  <p:stCondLst>
+                                    <p:cond delay="0"/>
+                                  </p:stCondLst>
+                                  <p:childTnLst>
+                                    <p:set>
+                                      <p:cBhvr>
+                                        <p:cTn id="6" dur="1" fill="hold">
+                                          <p:stCondLst>
+                                            <p:cond delay="0"/>
+                                          </p:stCondLst>
+                                        </p:cTn>
+                                        <p:tgtEl>
+                                          <p:spTgt spid="3">
+                                            <p:txEl>
+                                              <p:pRg st="0" end="0"/>
+                                            </p:txEl>
+                                          </p:spTgt>
+                                        </p:tgtEl>
+                                        <p:attrNameLst>
+                                          <p:attrName>style.visibility</p:attrName>
+                                        </p:attrNameLst>
+                                      </p:cBhvr>
+                                      <p:to>
+                                        <p:strVal val="visible"/>
+                                      </p:to>
+                                    </p:set>
+                                  </p:childTnLst>
+                                </p:cTn>
+                              </p:par>
+                            </p:childTnLst>
+                          </p:cTn>
+                        </p:par>
+                      </p:childTnLst>
+                    </p:cTn>
+                  </p:par>
+                  <p:par>
+                    <p:cTn id="7" fill="hold">
+                      <p:stCondLst>
+                        <p:cond delay="indefinite"/>
+                      </p:stCondLst>
+                      <p:childTnLst>
+                        <p:par>
+                          <p:cTn id="8" fill="hold">
+                            <p:stCondLst>
+                              <p:cond delay="0"/>
+                            </p:stCondLst>
+                            <p:childTnLst>
+                              <p:par>
+                                <p:cTn id="9" presetID="1" presetClass="entr" presetSubtype="0" fill="hold" grpId="0" nodeType="clickEffect">
+                                  <p:stCondLst>
+                                    <p:cond delay="0"/>
+                                  </p:stCondLst>
+                                  <p:childTnLst>
+                                    <p:set>
+                                      <p:cBhvr>
+                                        <p:cTn id="10" dur="1" fill="hold">
+                                          <p:stCondLst>
+                                            <p:cond delay="0"/>
+                                          </p:stCondLst>
+                                        </p:cTn>
+                                        <p:tgtEl>
+                                          <p:spTgt spid="3">
+                                            <p:txEl>
+                                              <p:pRg st="1" end="1"/>
+                                            </p:txEl>
+                                          </p:spTgt>
+                                        </p:tgtEl>
+                                        <p:attrNameLst>
+                                          <p:attrName>style.visibility</p:attrName>
+                                        </p:attrNameLst>
+                                      </p:cBhvr>
+                                      <p:to>
+                                        <p:strVal val="visible"/>
+                                      </p:to>
+                                    </p:set>
+                                  </p:childTnLst>
+                                </p:cTn>
+                              </p:par>
+                            </p:childTnLst>
+                          </p:cTn>
+                        </p:par>
+                      </p:childTnLst>
+                    </p:cTn>
+                  </p:par>
+                  <p:par>
+                    <p:cTn id="11" fill="hold">
+                      <p:stCondLst>
+                        <p:cond delay="indefinite"/>
+                      </p:stCondLst>
+                      <p:childTnLst>
+                        <p:par>
+                          <p:cTn id="12" fill="hold">
+                            <p:stCondLst>
+                              <p:cond delay="0"/>
+                            </p:stCondLst>
+                            <p:childTnLst>
+                              <p:par>
+                                <p:cTn id="13" presetID="1" presetClass="entr" presetSubtype="0" fill="hold" grpId="0" nodeType="clickEffect">
+                                  <p:stCondLst>
+                                    <p:cond delay="0"/>
+                                  </p:stCondLst>
+                                  <p:childTnLst>
+                                    <p:set>
+                                      <p:cBhvr>
+                                        <p:cTn id="14" dur="1" fill="hold">
+                                          <p:stCondLst>
+                                            <p:cond delay="0"/>
+                                          </p:stCondLst>
+                                        </p:cTn>
+                                        <p:tgtEl>
+                                          <p:spTgt spid="3">
+                                            <p:txEl>
+                                              <p:pRg st="2" end="2"/>
+                                            </p:txEl>
+                                          </p:spTgt>
+                                        </p:tgtEl>
+                                        <p:attrNameLst>
+                                          <p:attrName>style.visibility</p:attrName>
+                                        </p:attrNameLst>
+                                      </p:cBhvr>
+                                      <p:to>
+                                        <p:strVal val="visible"/>
+                                      </p:to>
+                                    </p:set>
+                                  </p:childTnLst>
+                                </p:cTn>
+                              </p:par>
+                            </p:childTnLst>
+                          </p:cTn>
+                        </p:par>
+                      </p:childTnLst>
+                    </p:cTn>
+                  </p:par>
+                  <p:par>
+                    <p:cTn id="15" fill="hold">
+                      <p:stCondLst>
+                        <p:cond delay="indefinite"/>
+                      </p:stCondLst>
+                      <p:childTnLst>
+                        <p:par>
+                          <p:cTn id="16" fill="hold">
+                            <p:stCondLst>
+                              <p:cond delay="0"/>
+                            </p:stCondLst>
+                            <p:childTnLst>
+                              <p:par>
+                                <p:cTn id="17" presetID="1" presetClass="entr" presetSubtype="0" fill="hold" grpId="0" nodeType="clickEffect">
+                                  <p:stCondLst>
+                                    <p:cond delay="0"/>
+                                  </p:stCondLst>
+                                  <p:childTnLst>
+                                    <p:set>
+                                      <p:cBhvr>
+                                        <p:cTn id="18" dur="1" fill="hold">
+                                          <p:stCondLst>
+                                            <p:cond delay="0"/>
+                                          </p:stCondLst>
+                                        </p:cTn>
+                                        <p:tgtEl>
+                                          <p:spTgt spid="3">
+                                            <p:txEl>
+                                              <p:pRg st="3" end="3"/>
+                                            </p:txEl>
+                                          </p:spTgt>
+                                        </p:tgtEl>
+                                        <p:attrNameLst>
+                                          <p:attrName>style.visibility</p:attrName>
+                                        </p:attrNameLst>
+                                      </p:cBhvr>
+                                      <p:to>
+                                        <p:strVal val="visible"/>
+                                      </p:to>
+                                    </p:set>
+                                  </p:childTnLst>
+                                </p:cTn>
+                              </p:par>
+                            </p:childTnLst>
+                          </p:cTn>
+                        </p:par>
+                      </p:childTnLst>
+                    </p:cTn>
+                  </p:par>
+                  <p:par>
+                    <p:cTn id="19" fill="hold">
+                      <p:stCondLst>
+                        <p:cond delay="indefinite"/>
+                      </p:stCondLst>
+                      <p:childTnLst>
+                        <p:par>
+                          <p:cTn id="20" fill="hold">
+                            <p:stCondLst>
+                              <p:cond delay="0"/>
+                            </p:stCondLst>
+                            <p:childTnLst>
+                              <p:par>
+                                <p:cTn id="21" presetID="1" presetClass="entr" presetSubtype="0" fill="hold" grpId="0" nodeType="clickEffect">
+                                  <p:stCondLst>
+                                    <p:cond delay="0"/>
+                                  </p:stCondLst>
+                                  <p:childTnLst>
+                                    <p:set>
+                                      <p:cBhvr>
+                                        <p:cTn id="22" dur="1" fill="hold">
+                                          <p:stCondLst>
+                                            <p:cond delay="0"/>
+                                          </p:stCondLst>
+                                        </p:cTn>
+                                        <p:tgtEl>
+                                          <p:spTgt spid="3">
+                                            <p:txEl>
+                                              <p:pRg st="4" end="4"/>
+                                            </p:txEl>
+                                          </p:spTgt>
+                                        </p:tgtEl>
+                                        <p:attrNameLst>
+                                          <p:attrName>style.visibility</p:attrName>
+                                        </p:attrNameLst>
+                                      </p:cBhvr>
+                                      <p:to>
+                                        <p:strVal val="visible"/>
+                                      </p:to>
+                                    </p:set>
+                                  </p:childTnLst>
+                                </p:cTn>
+                              </p:par>
+                            </p:childTnLst>
+                          </p:cTn>
+                        </p:par>
+                      </p:childTnLst>
+                    </p:cTn>
+                  </p:par>
+                  <p:par>
+                    <p:cTn id="23" fill="hold">
+                      <p:stCondLst>
+                        <p:cond delay="indefinite"/>
+                      </p:stCondLst>
+                      <p:childTnLst>
+                        <p:par>
+                          <p:cTn id="24" fill="hold">
+                            <p:stCondLst>
+                              <p:cond delay="0"/>
+                            </p:stCondLst>
+                            <p:childTnLst>
+                              <p:par>
+                                <p:cTn id="25" presetID="1" presetClass="entr" presetSubtype="0" fill="hold" grpId="0" nodeType="clickEffect">
+                                  <p:stCondLst>
+                                    <p:cond delay="0"/>
+                                  </p:stCondLst>
+                                  <p:childTnLst>
+                                    <p:set>
+                                      <p:cBhvr>
+                                        <p:cTn id="26" dur="1" fill="hold">
+                                          <p:stCondLst>
+                                            <p:cond delay="0"/>
+                                          </p:stCondLst>
+                                        </p:cTn>
+                                        <p:tgtEl>
+                                          <p:spTgt spid="3">
+                                            <p:txEl>
+                                              <p:pRg st="5" end="5"/>
+                                            </p:txEl>
+                                          </p:spTgt>
+                                        </p:tgtEl>
+                                        <p:attrNameLst>
+                                          <p:attrName>style.visibility</p:attrName>
+                                        </p:attrNameLst>
+                                      </p:cBhvr>
+                                      <p:to>
+                                        <p:strVal val="visible"/>
+                                      </p:to>
+                                    </p:set>
+                                  </p:childTnLst>
+                                </p:cTn>
+                              </p:par>
+                            </p:childTnLst>
+                          </p:cTn>
+                        </p:par>
+                      </p:childTnLst>
+                    </p:cTn>
+                  </p:par>
+                </p:childTnLst>
+              </p:cTn>
+              <p:prevCondLst>
+                <p:cond evt="onPrev" delay="0">
+                  <p:tgtEl>
+                    <p:sldTgt/>
+                  </p:tgtEl>
+                </p:cond>
+              </p:prevCondLst>
+              <p:nextCondLst>
+                <p:cond evt="onNext" delay="0">
+                  <p:tgtEl>
+                    <p:sldTgt/>
+                  </p:tgtEl>
+                </p:cond>
+              </p:nextCondLst>
+            </p:seq>
+          </p:childTnLst>
+        </p:cTn>
+      </p:par>
+    </p:tnLst>
+    <p:bldLst>
+      <p:bldP spid="3" grpId="0" build="p"/>
+    </p:bldLst>
+  </p:timing>
+</p:sld>
+</file>
+
+<file path=ppt/slides/slide23.xml><?xml version="1.0" encoding="utf-8"?>
+<p:sld xmlns:a="http://schemas.openxmlformats.org/drawingml/2006/main" xmlns:r="http://schemas.openxmlformats.org/officeDocument/2006/relationships" xmlns:p="http://schemas.openxmlformats.org/presentationml/2006/main">
+  <p:cSld>
+    <p:spTree>
+      <p:nvGrpSpPr>
+        <p:cNvPr id="1" name=""/>
+        <p:cNvGrpSpPr/>
+        <p:nvPr/>
+      </p:nvGrpSpPr>
+      <p:grpSpPr>
+        <a:xfrm>
+          <a:off x="0" y="0"/>
+          <a:ext cx="0" cy="0"/>
+          <a:chOff x="0" y="0"/>
+          <a:chExt cx="0" cy="0"/>
+        </a:xfrm>
+      </p:grpSpPr>
+      <p:sp>
+        <p:nvSpPr>
+          <p:cNvPr id="2" name="Title 1"/>
+          <p:cNvSpPr>
+            <a:spLocks noGrp="1"/>
+          </p:cNvSpPr>
+          <p:nvPr>
+            <p:ph type="title"/>
+          </p:nvPr>
+        </p:nvSpPr>
+        <p:spPr/>
+        <p:txBody>
+          <a:bodyPr>
+            <a:normAutofit/>
+          </a:bodyPr>
+          <a:lstStyle/>
+          <a:p>
+            <a:r>
+              <a:rPr lang="en-US" dirty="0" smtClean="0">
+                <a:solidFill>
+                  <a:srgbClr val="0070C0"/>
+                </a:solidFill>
+              </a:rPr>
+              <a:t>Application </a:t>
+            </a:r>
+            <a:r>
+              <a:rPr lang="en-US" dirty="0">
+                <a:solidFill>
+                  <a:srgbClr val="0070C0"/>
+                </a:solidFill>
+              </a:rPr>
+              <a:t>of SVD: Centering Data</a:t>
+            </a:r>
+            <a:endParaRPr lang="en-US" dirty="0"/>
+          </a:p>
+        </p:txBody>
+      </p:sp>
+      <mc:AlternateContent xmlns:mc="http://schemas.openxmlformats.org/markup-compatibility/2006">
+        <mc:Choice xmlns:a14="http://schemas.microsoft.com/office/drawing/2010/main" Requires="a14">
+          <p:sp>
+            <p:nvSpPr>
+              <p:cNvPr id="3" name="Content Placeholder 2"/>
+              <p:cNvSpPr>
+                <a:spLocks noGrp="1"/>
+              </p:cNvSpPr>
+              <p:nvPr>
+                <p:ph idx="1"/>
+              </p:nvPr>
+            </p:nvSpPr>
+            <p:spPr>
+              <a:xfrm>
+                <a:off x="457200" y="1371600"/>
+                <a:ext cx="8686800" cy="5410200"/>
+              </a:xfrm>
+            </p:spPr>
+            <p:txBody>
+              <a:bodyPr>
+                <a:normAutofit fontScale="70000" lnSpcReduction="20000"/>
+              </a:bodyPr>
+              <a:lstStyle/>
+              <a:p>
+                <a:r>
+                  <a:rPr lang="en-US" b="1" dirty="0" smtClean="0"/>
+                  <a:t>Thm. </a:t>
+                </a:r>
+                <a:r>
+                  <a:rPr lang="en-US" dirty="0"/>
+                  <a:t>Line that minimizes squared distance goes </a:t>
+                </a:r>
+                <a:r>
+                  <a:rPr lang="en-US" dirty="0" smtClean="0"/>
+                  <a:t>through the centroid</a:t>
+                </a:r>
+                <a:endParaRPr lang="en-US" b="1" dirty="0"/>
+              </a:p>
+              <a:p>
+                <a:r>
+                  <a:rPr lang="en-US" dirty="0"/>
+                  <a:t>Line: </a:t>
+                </a:r>
+                <a14:m>
+                  <m:oMath xmlns:m="http://schemas.openxmlformats.org/officeDocument/2006/math">
+                    <m:r>
+                      <a:rPr lang="en-US" i="1">
+                        <a:latin typeface="Cambria Math"/>
+                      </a:rPr>
+                      <m:t>ℓ=</m:t>
+                    </m:r>
+                    <m:r>
+                      <a:rPr lang="en-US" b="1" i="1">
+                        <a:latin typeface="Cambria Math"/>
+                      </a:rPr>
+                      <m:t>𝒂</m:t>
+                    </m:r>
+                    <m:r>
+                      <a:rPr lang="en-US" i="1">
+                        <a:latin typeface="Cambria Math"/>
+                      </a:rPr>
+                      <m:t>+</m:t>
+                    </m:r>
+                    <m:r>
+                      <a:rPr lang="en-US" i="1">
+                        <a:latin typeface="Cambria Math"/>
+                      </a:rPr>
+                      <m:t>𝜆</m:t>
+                    </m:r>
+                    <m:r>
+                      <a:rPr lang="en-US" b="1" i="1">
+                        <a:latin typeface="Cambria Math"/>
+                      </a:rPr>
+                      <m:t>𝒗</m:t>
+                    </m:r>
+                    <m:r>
+                      <a:rPr lang="en-US" b="1">
+                        <a:latin typeface="Cambria Math"/>
+                      </a:rPr>
+                      <m:t>;</m:t>
+                    </m:r>
+                  </m:oMath>
+                </a14:m>
+                <a:r>
+                  <a:rPr lang="en-US" dirty="0"/>
+                  <a:t> distance </a:t>
+                </a:r>
+                <a14:m>
+                  <m:oMath xmlns:m="http://schemas.openxmlformats.org/officeDocument/2006/math">
+                    <m:r>
+                      <a:rPr lang="en-US" i="1" dirty="0">
+                        <a:latin typeface="Cambria Math"/>
+                      </a:rPr>
+                      <m:t>𝑑𝑖𝑠𝑡</m:t>
+                    </m:r>
+                    <m:r>
+                      <a:rPr lang="en-US" i="1" dirty="0">
+                        <a:latin typeface="Cambria Math"/>
+                      </a:rPr>
+                      <m:t>(</m:t>
+                    </m:r>
+                    <m:sSub>
+                      <m:sSubPr>
+                        <m:ctrlPr>
+                          <a:rPr lang="en-US" b="1" i="1" dirty="0">
+                            <a:latin typeface="Cambria Math"/>
+                          </a:rPr>
+                        </m:ctrlPr>
+                      </m:sSubPr>
+                      <m:e>
+                        <m:r>
+                          <a:rPr lang="en-US" b="1" i="1" dirty="0">
+                            <a:latin typeface="Cambria Math"/>
+                          </a:rPr>
+                          <m:t>𝑨</m:t>
+                        </m:r>
+                      </m:e>
+                      <m:sub>
+                        <m:r>
+                          <a:rPr lang="en-US" b="1" i="1" dirty="0">
+                            <a:latin typeface="Cambria Math"/>
+                          </a:rPr>
+                          <m:t>𝒊</m:t>
+                        </m:r>
+                      </m:sub>
+                    </m:sSub>
+                    <m:r>
+                      <a:rPr lang="en-US" i="1" dirty="0">
+                        <a:latin typeface="Cambria Math"/>
+                      </a:rPr>
+                      <m:t>,ℓ)</m:t>
+                    </m:r>
+                  </m:oMath>
+                </a14:m>
+                <a:endParaRPr lang="en-US" dirty="0"/>
+              </a:p>
+              <a:p>
+                <a14:m>
+                  <m:oMath xmlns:m="http://schemas.openxmlformats.org/officeDocument/2006/math">
+                    <m:sSubSup>
+                      <m:sSubSupPr>
+                        <m:ctrlPr>
+                          <a:rPr lang="en-US" i="1" dirty="0">
+                            <a:latin typeface="Cambria Math"/>
+                          </a:rPr>
+                        </m:ctrlPr>
+                      </m:sSubSupPr>
+                      <m:e>
+                        <m:d>
+                          <m:dPr>
+                            <m:begChr m:val="|"/>
+                            <m:endChr m:val="|"/>
+                            <m:ctrlPr>
+                              <a:rPr lang="en-US" i="1" dirty="0">
+                                <a:latin typeface="Cambria Math"/>
+                              </a:rPr>
+                            </m:ctrlPr>
+                          </m:dPr>
+                          <m:e>
+                            <m:d>
+                              <m:dPr>
+                                <m:begChr m:val="|"/>
+                                <m:endChr m:val="|"/>
+                                <m:ctrlPr>
+                                  <a:rPr lang="en-US" i="1" dirty="0">
+                                    <a:latin typeface="Cambria Math"/>
+                                  </a:rPr>
+                                </m:ctrlPr>
+                              </m:dPr>
+                              <m:e>
+                                <m:sSub>
+                                  <m:sSubPr>
+                                    <m:ctrlPr>
+                                      <a:rPr lang="en-US" b="1" i="1" dirty="0">
+                                        <a:latin typeface="Cambria Math"/>
+                                      </a:rPr>
+                                    </m:ctrlPr>
+                                  </m:sSubPr>
+                                  <m:e>
+                                    <m:r>
+                                      <a:rPr lang="en-US" b="1" i="1" dirty="0">
+                                        <a:latin typeface="Cambria Math"/>
+                                      </a:rPr>
+                                      <m:t>𝑨</m:t>
+                                    </m:r>
+                                  </m:e>
+                                  <m:sub>
+                                    <m:r>
+                                      <a:rPr lang="en-US" b="1" i="1" dirty="0">
+                                        <a:latin typeface="Cambria Math"/>
+                                      </a:rPr>
+                                      <m:t>𝒊</m:t>
+                                    </m:r>
+                                  </m:sub>
+                                </m:sSub>
+                                <m:r>
+                                  <a:rPr lang="en-US" b="1" i="1" dirty="0">
+                                    <a:latin typeface="Cambria Math"/>
+                                  </a:rPr>
+                                  <m:t>−</m:t>
+                                </m:r>
+                                <m:r>
+                                  <a:rPr lang="en-US" b="1" i="1" dirty="0">
+                                    <a:latin typeface="Cambria Math"/>
+                                  </a:rPr>
+                                  <m:t>𝒂</m:t>
+                                </m:r>
+                              </m:e>
+                            </m:d>
+                          </m:e>
+                        </m:d>
+                      </m:e>
+                      <m:sub>
+                        <m:r>
+                          <a:rPr lang="en-US" i="1" dirty="0">
+                            <a:latin typeface="Cambria Math"/>
+                          </a:rPr>
+                          <m:t>2</m:t>
+                        </m:r>
+                      </m:sub>
+                      <m:sup>
+                        <m:r>
+                          <a:rPr lang="en-US" i="1" dirty="0">
+                            <a:latin typeface="Cambria Math"/>
+                          </a:rPr>
+                          <m:t>2</m:t>
+                        </m:r>
+                      </m:sup>
+                    </m:sSubSup>
+                    <m:r>
+                      <a:rPr lang="en-US" i="1" dirty="0">
+                        <a:latin typeface="Cambria Math"/>
+                      </a:rPr>
+                      <m:t>=</m:t>
+                    </m:r>
+                    <m:r>
+                      <a:rPr lang="en-US" i="1" dirty="0">
+                        <a:latin typeface="Cambria Math"/>
+                      </a:rPr>
+                      <m:t>𝑑𝑖𝑠𝑡</m:t>
+                    </m:r>
+                    <m:sSup>
+                      <m:sSupPr>
+                        <m:ctrlPr>
+                          <a:rPr lang="en-US" i="1" dirty="0">
+                            <a:latin typeface="Cambria Math"/>
+                          </a:rPr>
+                        </m:ctrlPr>
+                      </m:sSupPr>
+                      <m:e>
+                        <m:d>
+                          <m:dPr>
+                            <m:ctrlPr>
+                              <a:rPr lang="en-US" i="1" dirty="0">
+                                <a:latin typeface="Cambria Math"/>
+                              </a:rPr>
+                            </m:ctrlPr>
+                          </m:dPr>
+                          <m:e>
+                            <m:sSub>
+                              <m:sSubPr>
+                                <m:ctrlPr>
+                                  <a:rPr lang="en-US" b="1" i="1" dirty="0">
+                                    <a:latin typeface="Cambria Math"/>
+                                  </a:rPr>
+                                </m:ctrlPr>
+                              </m:sSubPr>
+                              <m:e>
+                                <m:r>
+                                  <a:rPr lang="en-US" b="1" i="1" dirty="0">
+                                    <a:latin typeface="Cambria Math"/>
+                                  </a:rPr>
+                                  <m:t>𝑨</m:t>
+                                </m:r>
+                              </m:e>
+                              <m:sub>
+                                <m:r>
+                                  <a:rPr lang="en-US" b="1" i="1" dirty="0">
+                                    <a:latin typeface="Cambria Math"/>
+                                  </a:rPr>
+                                  <m:t>𝒊</m:t>
+                                </m:r>
+                              </m:sub>
+                            </m:sSub>
+                            <m:r>
+                              <a:rPr lang="en-US" i="1" dirty="0">
+                                <a:latin typeface="Cambria Math"/>
+                              </a:rPr>
+                              <m:t>,ℓ</m:t>
+                            </m:r>
+                          </m:e>
+                        </m:d>
+                      </m:e>
+                      <m:sup>
+                        <m:r>
+                          <a:rPr lang="en-US" i="1" dirty="0">
+                            <a:latin typeface="Cambria Math"/>
+                          </a:rPr>
+                          <m:t>2</m:t>
+                        </m:r>
+                      </m:sup>
+                    </m:sSup>
+                    <m:r>
+                      <a:rPr lang="en-US" i="1" dirty="0">
+                        <a:latin typeface="Cambria Math"/>
+                      </a:rPr>
+                      <m:t>+</m:t>
+                    </m:r>
+                    <m:sSup>
+                      <m:sSupPr>
+                        <m:ctrlPr>
+                          <a:rPr lang="en-US" i="1" dirty="0">
+                            <a:latin typeface="Cambria Math"/>
+                          </a:rPr>
+                        </m:ctrlPr>
+                      </m:sSupPr>
+                      <m:e>
+                        <m:d>
+                          <m:dPr>
+                            <m:begChr m:val="〈"/>
+                            <m:endChr m:val="〉"/>
+                            <m:ctrlPr>
+                              <a:rPr lang="en-US" i="1" dirty="0">
+                                <a:latin typeface="Cambria Math"/>
+                              </a:rPr>
+                            </m:ctrlPr>
+                          </m:dPr>
+                          <m:e>
+                            <m:r>
+                              <a:rPr lang="en-US" b="1" i="1" dirty="0">
+                                <a:latin typeface="Cambria Math"/>
+                              </a:rPr>
+                              <m:t>𝒗</m:t>
+                            </m:r>
+                            <m:r>
+                              <a:rPr lang="en-US" i="1" dirty="0">
+                                <a:latin typeface="Cambria Math"/>
+                              </a:rPr>
+                              <m:t>,</m:t>
+                            </m:r>
+                            <m:sSub>
+                              <m:sSubPr>
+                                <m:ctrlPr>
+                                  <a:rPr lang="en-US" b="1" i="1" dirty="0">
+                                    <a:latin typeface="Cambria Math"/>
+                                  </a:rPr>
+                                </m:ctrlPr>
+                              </m:sSubPr>
+                              <m:e>
+                                <m:r>
+                                  <a:rPr lang="en-US" b="1" i="1" dirty="0">
+                                    <a:latin typeface="Cambria Math"/>
+                                  </a:rPr>
+                                  <m:t>𝑨</m:t>
+                                </m:r>
+                              </m:e>
+                              <m:sub>
+                                <m:r>
+                                  <a:rPr lang="en-US" b="1" i="1" dirty="0">
+                                    <a:latin typeface="Cambria Math"/>
+                                  </a:rPr>
+                                  <m:t>𝒊</m:t>
+                                </m:r>
+                              </m:sub>
+                            </m:sSub>
+                          </m:e>
+                        </m:d>
+                      </m:e>
+                      <m:sup>
+                        <m:r>
+                          <a:rPr lang="en-US" i="1" dirty="0">
+                            <a:latin typeface="Cambria Math"/>
+                          </a:rPr>
+                          <m:t>2</m:t>
+                        </m:r>
+                      </m:sup>
+                    </m:sSup>
+                  </m:oMath>
+                </a14:m>
+                <a:endParaRPr lang="en-US" b="1" dirty="0" smtClean="0"/>
+              </a:p>
+              <a:p>
+                <a:r>
+                  <a:rPr lang="en-US" dirty="0" smtClean="0"/>
+                  <a:t>Center so that</a:t>
+                </a:r>
+                <a:r>
+                  <a:rPr lang="en-US" b="1" dirty="0" smtClean="0"/>
+                  <a:t> </a:t>
+                </a:r>
+                <a14:m>
+                  <m:oMath xmlns:m="http://schemas.openxmlformats.org/officeDocument/2006/math">
+                    <m:nary>
+                      <m:naryPr>
+                        <m:chr m:val="∑"/>
+                        <m:ctrlPr>
+                          <a:rPr lang="en-US" b="1" i="1" dirty="0">
+                            <a:latin typeface="Cambria Math"/>
+                          </a:rPr>
+                        </m:ctrlPr>
+                      </m:naryPr>
+                      <m:sub>
+                        <m:r>
+                          <a:rPr lang="en-US" i="1" dirty="0">
+                            <a:latin typeface="Cambria Math"/>
+                          </a:rPr>
+                          <m:t>𝑖</m:t>
+                        </m:r>
+                        <m:r>
+                          <a:rPr lang="en-US" i="1" dirty="0">
+                            <a:latin typeface="Cambria Math"/>
+                          </a:rPr>
+                          <m:t>=1</m:t>
+                        </m:r>
+                      </m:sub>
+                      <m:sup>
+                        <m:r>
+                          <a:rPr lang="en-US" i="1" dirty="0">
+                            <a:latin typeface="Cambria Math"/>
+                          </a:rPr>
+                          <m:t>𝑛</m:t>
+                        </m:r>
+                      </m:sup>
+                      <m:e>
+                        <m:sSub>
+                          <m:sSubPr>
+                            <m:ctrlPr>
+                              <a:rPr lang="en-US" b="1" i="1" dirty="0">
+                                <a:latin typeface="Cambria Math"/>
+                              </a:rPr>
+                            </m:ctrlPr>
+                          </m:sSubPr>
+                          <m:e>
+                            <m:r>
+                              <a:rPr lang="en-US" b="1" i="1" dirty="0">
+                                <a:latin typeface="Cambria Math"/>
+                              </a:rPr>
+                              <m:t>𝑨</m:t>
+                            </m:r>
+                          </m:e>
+                          <m:sub>
+                            <m:r>
+                              <a:rPr lang="en-US" b="1" i="1" dirty="0">
+                                <a:latin typeface="Cambria Math"/>
+                              </a:rPr>
+                              <m:t>𝒊</m:t>
+                            </m:r>
+                          </m:sub>
+                        </m:sSub>
+                      </m:e>
+                    </m:nary>
+                    <m:r>
+                      <a:rPr lang="en-US" b="1" i="1" dirty="0" smtClean="0">
+                        <a:latin typeface="Cambria Math"/>
+                      </a:rPr>
+                      <m:t>=</m:t>
+                    </m:r>
+                    <m:r>
+                      <a:rPr lang="en-US" b="1" i="1" dirty="0" smtClean="0">
+                        <a:latin typeface="Cambria Math"/>
+                      </a:rPr>
+                      <m:t>𝟎</m:t>
+                    </m:r>
+                  </m:oMath>
+                </a14:m>
+                <a:r>
+                  <a:rPr lang="en-US" b="1" dirty="0" smtClean="0"/>
+                  <a:t> </a:t>
+                </a:r>
+                <a:r>
+                  <a:rPr lang="en-US" dirty="0" smtClean="0"/>
+                  <a:t>by subtracting the centroid</a:t>
+                </a:r>
+                <a:endParaRPr lang="en-US" b="0" i="1" dirty="0" smtClean="0">
+                  <a:latin typeface="Cambria Math"/>
+                </a:endParaRPr>
+              </a:p>
+              <a:p>
+                <a14:m>
+                  <m:oMath xmlns:m="http://schemas.openxmlformats.org/officeDocument/2006/math">
+                    <m:nary>
+                      <m:naryPr>
+                        <m:chr m:val="∑"/>
+                        <m:ctrlPr>
+                          <a:rPr lang="en-US" b="0" i="1" dirty="0" smtClean="0">
+                            <a:latin typeface="Cambria Math"/>
+                          </a:rPr>
+                        </m:ctrlPr>
+                      </m:naryPr>
+                      <m:sub>
+                        <m:r>
+                          <a:rPr lang="en-US" b="0" i="1" dirty="0" smtClean="0">
+                            <a:latin typeface="Cambria Math"/>
+                          </a:rPr>
+                          <m:t>𝑖</m:t>
+                        </m:r>
+                      </m:sub>
+                      <m:sup>
+                        <m:r>
+                          <a:rPr lang="en-US" b="0" i="1" dirty="0" smtClean="0">
+                            <a:latin typeface="Cambria Math"/>
+                          </a:rPr>
+                          <m:t>𝑛</m:t>
+                        </m:r>
+                      </m:sup>
+                      <m:e>
+                        <m:r>
+                          <a:rPr lang="en-US" i="1" dirty="0">
+                            <a:latin typeface="Cambria Math"/>
+                          </a:rPr>
+                          <m:t>𝑑𝑖𝑠𝑡</m:t>
+                        </m:r>
+                        <m:sSup>
+                          <m:sSupPr>
+                            <m:ctrlPr>
+                              <a:rPr lang="en-US" i="1" dirty="0">
+                                <a:latin typeface="Cambria Math"/>
+                              </a:rPr>
+                            </m:ctrlPr>
+                          </m:sSupPr>
+                          <m:e>
+                            <m:d>
+                              <m:dPr>
+                                <m:ctrlPr>
+                                  <a:rPr lang="en-US" i="1" dirty="0">
+                                    <a:latin typeface="Cambria Math"/>
+                                  </a:rPr>
+                                </m:ctrlPr>
+                              </m:dPr>
+                              <m:e>
+                                <m:sSub>
+                                  <m:sSubPr>
+                                    <m:ctrlPr>
+                                      <a:rPr lang="en-US" b="1" i="1" dirty="0">
+                                        <a:latin typeface="Cambria Math"/>
+                                      </a:rPr>
+                                    </m:ctrlPr>
+                                  </m:sSubPr>
+                                  <m:e>
+                                    <m:r>
+                                      <a:rPr lang="en-US" b="1" i="1" dirty="0">
+                                        <a:latin typeface="Cambria Math"/>
+                                      </a:rPr>
+                                      <m:t>𝑨</m:t>
+                                    </m:r>
+                                  </m:e>
+                                  <m:sub>
+                                    <m:r>
+                                      <a:rPr lang="en-US" b="1" i="1" dirty="0">
+                                        <a:latin typeface="Cambria Math"/>
+                                      </a:rPr>
+                                      <m:t>𝒊</m:t>
+                                    </m:r>
+                                  </m:sub>
+                                </m:sSub>
+                                <m:r>
+                                  <a:rPr lang="en-US" i="1" dirty="0">
+                                    <a:latin typeface="Cambria Math"/>
+                                  </a:rPr>
+                                  <m:t>,ℓ</m:t>
+                                </m:r>
+                              </m:e>
+                            </m:d>
+                          </m:e>
+                          <m:sup>
+                            <m:r>
+                              <a:rPr lang="en-US" i="1" dirty="0">
+                                <a:latin typeface="Cambria Math"/>
+                              </a:rPr>
+                              <m:t>2</m:t>
+                            </m:r>
+                          </m:sup>
+                        </m:sSup>
+                      </m:e>
+                    </m:nary>
+                    <m:r>
+                      <a:rPr lang="en-US" b="0" i="1" dirty="0" smtClean="0">
+                        <a:latin typeface="Cambria Math"/>
+                      </a:rPr>
+                      <m:t>=</m:t>
+                    </m:r>
+                    <m:nary>
+                      <m:naryPr>
+                        <m:chr m:val="∑"/>
+                        <m:ctrlPr>
+                          <a:rPr lang="en-US" b="0" i="1" dirty="0" smtClean="0">
+                            <a:latin typeface="Cambria Math"/>
+                          </a:rPr>
+                        </m:ctrlPr>
+                      </m:naryPr>
+                      <m:sub>
+                        <m:r>
+                          <a:rPr lang="en-US" b="0" i="1" dirty="0" smtClean="0">
+                            <a:latin typeface="Cambria Math"/>
+                          </a:rPr>
+                          <m:t>𝑖</m:t>
+                        </m:r>
+                        <m:r>
+                          <a:rPr lang="en-US" b="0" i="1" dirty="0" smtClean="0">
+                            <a:latin typeface="Cambria Math"/>
+                          </a:rPr>
+                          <m:t>=1</m:t>
+                        </m:r>
+                      </m:sub>
+                      <m:sup>
+                        <m:r>
+                          <a:rPr lang="en-US" b="0" i="1" dirty="0" smtClean="0">
+                            <a:latin typeface="Cambria Math"/>
+                          </a:rPr>
+                          <m:t>𝑛</m:t>
+                        </m:r>
+                      </m:sup>
+                      <m:e>
+                        <m:r>
+                          <a:rPr lang="en-US" b="0" i="1" dirty="0" smtClean="0">
+                            <a:latin typeface="Cambria Math"/>
+                          </a:rPr>
+                          <m:t>(</m:t>
+                        </m:r>
+                        <m:sSubSup>
+                          <m:sSubSupPr>
+                            <m:ctrlPr>
+                              <a:rPr lang="en-US" i="1" dirty="0">
+                                <a:latin typeface="Cambria Math"/>
+                              </a:rPr>
+                            </m:ctrlPr>
+                          </m:sSubSupPr>
+                          <m:e>
+                            <m:d>
+                              <m:dPr>
+                                <m:begChr m:val="|"/>
+                                <m:endChr m:val="|"/>
+                                <m:ctrlPr>
+                                  <a:rPr lang="en-US" i="1" dirty="0">
+                                    <a:latin typeface="Cambria Math"/>
+                                  </a:rPr>
+                                </m:ctrlPr>
+                              </m:dPr>
+                              <m:e>
+                                <m:d>
+                                  <m:dPr>
+                                    <m:begChr m:val="|"/>
+                                    <m:endChr m:val="|"/>
+                                    <m:ctrlPr>
+                                      <a:rPr lang="en-US" i="1" dirty="0">
+                                        <a:latin typeface="Cambria Math"/>
+                                      </a:rPr>
+                                    </m:ctrlPr>
+                                  </m:dPr>
+                                  <m:e>
+                                    <m:sSub>
+                                      <m:sSubPr>
+                                        <m:ctrlPr>
+                                          <a:rPr lang="en-US" b="1" i="1" dirty="0">
+                                            <a:latin typeface="Cambria Math"/>
+                                          </a:rPr>
+                                        </m:ctrlPr>
+                                      </m:sSubPr>
+                                      <m:e>
+                                        <m:r>
+                                          <a:rPr lang="en-US" b="1" i="1" dirty="0">
+                                            <a:latin typeface="Cambria Math"/>
+                                          </a:rPr>
+                                          <m:t>𝑨</m:t>
+                                        </m:r>
+                                      </m:e>
+                                      <m:sub>
+                                        <m:r>
+                                          <a:rPr lang="en-US" b="1" i="1" dirty="0">
+                                            <a:latin typeface="Cambria Math"/>
+                                          </a:rPr>
+                                          <m:t>𝒊</m:t>
+                                        </m:r>
+                                      </m:sub>
+                                    </m:sSub>
+                                    <m:r>
+                                      <a:rPr lang="en-US" b="1" i="1" dirty="0">
+                                        <a:latin typeface="Cambria Math"/>
+                                      </a:rPr>
+                                      <m:t>−</m:t>
+                                    </m:r>
+                                    <m:r>
+                                      <a:rPr lang="en-US" b="1" i="1" dirty="0">
+                                        <a:latin typeface="Cambria Math"/>
+                                      </a:rPr>
+                                      <m:t>𝒂</m:t>
+                                    </m:r>
+                                  </m:e>
+                                </m:d>
+                              </m:e>
+                            </m:d>
+                          </m:e>
+                          <m:sub>
+                            <m:r>
+                              <a:rPr lang="en-US" i="1" dirty="0">
+                                <a:latin typeface="Cambria Math"/>
+                              </a:rPr>
+                              <m:t>2</m:t>
+                            </m:r>
+                          </m:sub>
+                          <m:sup>
+                            <m:r>
+                              <a:rPr lang="en-US" i="1" dirty="0">
+                                <a:latin typeface="Cambria Math"/>
+                              </a:rPr>
+                              <m:t>2</m:t>
+                            </m:r>
+                          </m:sup>
+                        </m:sSubSup>
+                        <m:r>
+                          <a:rPr lang="en-US" i="1" dirty="0" smtClean="0">
+                            <a:latin typeface="Cambria Math"/>
+                          </a:rPr>
+                          <m:t>−</m:t>
+                        </m:r>
+                        <m:sSup>
+                          <m:sSupPr>
+                            <m:ctrlPr>
+                              <a:rPr lang="en-US" i="1" dirty="0">
+                                <a:latin typeface="Cambria Math"/>
+                              </a:rPr>
+                            </m:ctrlPr>
+                          </m:sSupPr>
+                          <m:e>
+                            <m:d>
+                              <m:dPr>
+                                <m:begChr m:val="〈"/>
+                                <m:endChr m:val="〉"/>
+                                <m:ctrlPr>
+                                  <a:rPr lang="en-US" i="1" dirty="0">
+                                    <a:latin typeface="Cambria Math"/>
+                                  </a:rPr>
+                                </m:ctrlPr>
+                              </m:dPr>
+                              <m:e>
+                                <m:r>
+                                  <a:rPr lang="en-US" b="1" i="1" dirty="0">
+                                    <a:latin typeface="Cambria Math"/>
+                                  </a:rPr>
+                                  <m:t>𝒗</m:t>
+                                </m:r>
+                                <m:r>
+                                  <a:rPr lang="en-US" i="1" dirty="0">
+                                    <a:latin typeface="Cambria Math"/>
+                                  </a:rPr>
+                                  <m:t>,</m:t>
+                                </m:r>
+                                <m:sSub>
+                                  <m:sSubPr>
+                                    <m:ctrlPr>
+                                      <a:rPr lang="en-US" b="1" i="1" dirty="0">
+                                        <a:latin typeface="Cambria Math"/>
+                                      </a:rPr>
+                                    </m:ctrlPr>
+                                  </m:sSubPr>
+                                  <m:e>
+                                    <m:r>
+                                      <a:rPr lang="en-US" b="1" i="1" dirty="0">
+                                        <a:latin typeface="Cambria Math"/>
+                                      </a:rPr>
+                                      <m:t>𝑨</m:t>
+                                    </m:r>
+                                  </m:e>
+                                  <m:sub>
+                                    <m:r>
+                                      <a:rPr lang="en-US" b="1" i="1" dirty="0">
+                                        <a:latin typeface="Cambria Math"/>
+                                      </a:rPr>
+                                      <m:t>𝒊</m:t>
+                                    </m:r>
+                                  </m:sub>
+                                </m:sSub>
+                              </m:e>
+                            </m:d>
+                          </m:e>
+                          <m:sup>
+                            <m:r>
+                              <a:rPr lang="en-US" i="1" dirty="0">
+                                <a:latin typeface="Cambria Math"/>
+                              </a:rPr>
+                              <m:t>2</m:t>
+                            </m:r>
+                          </m:sup>
+                        </m:sSup>
+                        <m:r>
+                          <a:rPr lang="en-US" b="0" i="1" dirty="0" smtClean="0">
+                            <a:latin typeface="Cambria Math"/>
+                          </a:rPr>
+                          <m:t>)</m:t>
+                        </m:r>
+                      </m:e>
+                    </m:nary>
+                  </m:oMath>
+                </a14:m>
+                <a:endParaRPr lang="en-US" b="0" dirty="0" smtClean="0"/>
+              </a:p>
+              <a:p>
+                <a:pPr marL="0" indent="0">
+                  <a:buNone/>
+                </a:pPr>
+                <a14:m>
+                  <m:oMathPara xmlns:m="http://schemas.openxmlformats.org/officeDocument/2006/math">
+                    <m:oMathParaPr>
+                      <m:jc m:val="centerGroup"/>
+                    </m:oMathParaPr>
+                    <m:oMath xmlns:m="http://schemas.openxmlformats.org/officeDocument/2006/math">
+                      <m:r>
+                        <a:rPr lang="en-US" b="0" i="1" dirty="0" smtClean="0">
+                          <a:latin typeface="Cambria Math"/>
+                        </a:rPr>
+                        <m:t>=</m:t>
+                      </m:r>
+                      <m:nary>
+                        <m:naryPr>
+                          <m:chr m:val="∑"/>
+                          <m:ctrlPr>
+                            <a:rPr lang="en-US" i="1" dirty="0">
+                              <a:latin typeface="Cambria Math"/>
+                            </a:rPr>
+                          </m:ctrlPr>
+                        </m:naryPr>
+                        <m:sub>
+                          <m:r>
+                            <a:rPr lang="en-US" i="1" dirty="0">
+                              <a:latin typeface="Cambria Math"/>
+                            </a:rPr>
+                            <m:t>𝑖</m:t>
+                          </m:r>
+                          <m:r>
+                            <a:rPr lang="en-US" b="0" i="1" dirty="0" smtClean="0">
+                              <a:latin typeface="Cambria Math"/>
+                            </a:rPr>
+                            <m:t>=1</m:t>
+                          </m:r>
+                        </m:sub>
+                        <m:sup>
+                          <m:r>
+                            <a:rPr lang="en-US" i="1" dirty="0">
+                              <a:latin typeface="Cambria Math"/>
+                            </a:rPr>
+                            <m:t>𝑛</m:t>
+                          </m:r>
+                        </m:sup>
+                        <m:e>
+                          <m:r>
+                            <a:rPr lang="en-US" i="1" dirty="0">
+                              <a:latin typeface="Cambria Math"/>
+                            </a:rPr>
+                            <m:t>(</m:t>
+                          </m:r>
+                          <m:sSubSup>
+                            <m:sSubSupPr>
+                              <m:ctrlPr>
+                                <a:rPr lang="en-US" i="1" dirty="0">
+                                  <a:latin typeface="Cambria Math"/>
+                                </a:rPr>
+                              </m:ctrlPr>
+                            </m:sSubSupPr>
+                            <m:e>
+                              <m:d>
+                                <m:dPr>
+                                  <m:begChr m:val="|"/>
+                                  <m:endChr m:val="|"/>
+                                  <m:ctrlPr>
+                                    <a:rPr lang="en-US" i="1" dirty="0">
+                                      <a:latin typeface="Cambria Math"/>
+                                    </a:rPr>
+                                  </m:ctrlPr>
+                                </m:dPr>
+                                <m:e>
+                                  <m:d>
+                                    <m:dPr>
+                                      <m:begChr m:val="|"/>
+                                      <m:endChr m:val="|"/>
+                                      <m:ctrlPr>
+                                        <a:rPr lang="en-US" i="1" dirty="0">
+                                          <a:latin typeface="Cambria Math"/>
+                                        </a:rPr>
+                                      </m:ctrlPr>
+                                    </m:dPr>
+                                    <m:e>
+                                      <m:sSub>
+                                        <m:sSubPr>
+                                          <m:ctrlPr>
+                                            <a:rPr lang="en-US" b="1" i="1" dirty="0">
+                                              <a:latin typeface="Cambria Math"/>
+                                            </a:rPr>
+                                          </m:ctrlPr>
+                                        </m:sSubPr>
+                                        <m:e>
+                                          <m:r>
+                                            <a:rPr lang="en-US" b="1" i="1" dirty="0">
+                                              <a:latin typeface="Cambria Math"/>
+                                            </a:rPr>
+                                            <m:t>𝑨</m:t>
+                                          </m:r>
+                                        </m:e>
+                                        <m:sub>
+                                          <m:r>
+                                            <a:rPr lang="en-US" b="1" i="1" dirty="0">
+                                              <a:latin typeface="Cambria Math"/>
+                                            </a:rPr>
+                                            <m:t>𝒊</m:t>
+                                          </m:r>
+                                        </m:sub>
+                                      </m:sSub>
+                                    </m:e>
+                                  </m:d>
+                                </m:e>
+                              </m:d>
+                            </m:e>
+                            <m:sub>
+                              <m:r>
+                                <a:rPr lang="en-US" i="1" dirty="0">
+                                  <a:latin typeface="Cambria Math"/>
+                                </a:rPr>
+                                <m:t>2</m:t>
+                              </m:r>
+                            </m:sub>
+                            <m:sup>
+                              <m:r>
+                                <a:rPr lang="en-US" i="1" dirty="0">
+                                  <a:latin typeface="Cambria Math"/>
+                                </a:rPr>
+                                <m:t>2</m:t>
+                              </m:r>
+                            </m:sup>
+                          </m:sSubSup>
+                          <m:r>
+                            <a:rPr lang="en-US" b="0" i="1" dirty="0" smtClean="0">
+                              <a:latin typeface="Cambria Math"/>
+                            </a:rPr>
+                            <m:t>+</m:t>
+                          </m:r>
+                          <m:sSubSup>
+                            <m:sSubSupPr>
+                              <m:ctrlPr>
+                                <a:rPr lang="en-US" i="1" dirty="0">
+                                  <a:latin typeface="Cambria Math"/>
+                                </a:rPr>
+                              </m:ctrlPr>
+                            </m:sSubSupPr>
+                            <m:e>
+                              <m:d>
+                                <m:dPr>
+                                  <m:begChr m:val="|"/>
+                                  <m:endChr m:val="|"/>
+                                  <m:ctrlPr>
+                                    <a:rPr lang="en-US" i="1" dirty="0">
+                                      <a:latin typeface="Cambria Math"/>
+                                    </a:rPr>
+                                  </m:ctrlPr>
+                                </m:dPr>
+                                <m:e>
+                                  <m:d>
+                                    <m:dPr>
+                                      <m:begChr m:val="|"/>
+                                      <m:endChr m:val="|"/>
+                                      <m:ctrlPr>
+                                        <a:rPr lang="en-US" i="1" dirty="0">
+                                          <a:latin typeface="Cambria Math"/>
+                                        </a:rPr>
+                                      </m:ctrlPr>
+                                    </m:dPr>
+                                    <m:e>
+                                      <m:r>
+                                        <a:rPr lang="en-US" b="1" i="1" dirty="0" smtClean="0">
+                                          <a:latin typeface="Cambria Math"/>
+                                        </a:rPr>
+                                        <m:t>𝒂</m:t>
+                                      </m:r>
+                                    </m:e>
+                                  </m:d>
+                                </m:e>
+                              </m:d>
+                            </m:e>
+                            <m:sub>
+                              <m:r>
+                                <a:rPr lang="en-US" i="1" dirty="0">
+                                  <a:latin typeface="Cambria Math"/>
+                                </a:rPr>
+                                <m:t>2</m:t>
+                              </m:r>
+                            </m:sub>
+                            <m:sup>
+                              <m:r>
+                                <a:rPr lang="en-US" i="1" dirty="0">
+                                  <a:latin typeface="Cambria Math"/>
+                                </a:rPr>
+                                <m:t>2</m:t>
+                              </m:r>
+                            </m:sup>
+                          </m:sSubSup>
+                          <m:r>
+                            <a:rPr lang="en-US" b="0" i="1" dirty="0" smtClean="0">
+                              <a:latin typeface="Cambria Math"/>
+                            </a:rPr>
+                            <m:t>−2〈</m:t>
+                          </m:r>
+                          <m:sSub>
+                            <m:sSubPr>
+                              <m:ctrlPr>
+                                <a:rPr lang="en-US" b="1" i="1" dirty="0" smtClean="0">
+                                  <a:latin typeface="Cambria Math"/>
+                                </a:rPr>
+                              </m:ctrlPr>
+                            </m:sSubPr>
+                            <m:e>
+                              <m:r>
+                                <a:rPr lang="en-US" b="1" i="1" dirty="0" smtClean="0">
+                                  <a:latin typeface="Cambria Math"/>
+                                </a:rPr>
+                                <m:t>𝑨</m:t>
+                              </m:r>
+                            </m:e>
+                            <m:sub>
+                              <m:r>
+                                <a:rPr lang="en-US" b="1" i="1" dirty="0" smtClean="0">
+                                  <a:latin typeface="Cambria Math"/>
+                                </a:rPr>
+                                <m:t>𝒊</m:t>
+                              </m:r>
+                            </m:sub>
+                          </m:sSub>
+                          <m:r>
+                            <a:rPr lang="en-US" b="0" i="1" dirty="0" smtClean="0">
+                              <a:latin typeface="Cambria Math"/>
+                            </a:rPr>
+                            <m:t>,</m:t>
+                          </m:r>
+                          <m:r>
+                            <a:rPr lang="en-US" b="1" i="1" dirty="0" smtClean="0">
+                              <a:latin typeface="Cambria Math"/>
+                            </a:rPr>
+                            <m:t>𝒂</m:t>
+                          </m:r>
+                          <m:r>
+                            <a:rPr lang="en-US" b="0" i="1" dirty="0" smtClean="0">
+                              <a:latin typeface="Cambria Math"/>
+                            </a:rPr>
+                            <m:t>〉</m:t>
+                          </m:r>
+                          <m:r>
+                            <a:rPr lang="en-US" i="1" dirty="0">
+                              <a:latin typeface="Cambria Math"/>
+                            </a:rPr>
+                            <m:t>−</m:t>
+                          </m:r>
+                          <m:sSup>
+                            <m:sSupPr>
+                              <m:ctrlPr>
+                                <a:rPr lang="en-US" i="1" dirty="0">
+                                  <a:latin typeface="Cambria Math"/>
+                                </a:rPr>
+                              </m:ctrlPr>
+                            </m:sSupPr>
+                            <m:e>
+                              <m:d>
+                                <m:dPr>
+                                  <m:begChr m:val="〈"/>
+                                  <m:endChr m:val="〉"/>
+                                  <m:ctrlPr>
+                                    <a:rPr lang="en-US" i="1" dirty="0">
+                                      <a:latin typeface="Cambria Math"/>
+                                    </a:rPr>
+                                  </m:ctrlPr>
+                                </m:dPr>
+                                <m:e>
+                                  <m:r>
+                                    <a:rPr lang="en-US" b="1" i="1" dirty="0">
+                                      <a:latin typeface="Cambria Math"/>
+                                    </a:rPr>
+                                    <m:t>𝒗</m:t>
+                                  </m:r>
+                                  <m:r>
+                                    <a:rPr lang="en-US" i="1" dirty="0">
+                                      <a:latin typeface="Cambria Math"/>
+                                    </a:rPr>
+                                    <m:t>,</m:t>
+                                  </m:r>
+                                  <m:sSub>
+                                    <m:sSubPr>
+                                      <m:ctrlPr>
+                                        <a:rPr lang="en-US" b="1" i="1" dirty="0">
+                                          <a:latin typeface="Cambria Math"/>
+                                        </a:rPr>
+                                      </m:ctrlPr>
+                                    </m:sSubPr>
+                                    <m:e>
+                                      <m:r>
+                                        <a:rPr lang="en-US" b="1" i="1" dirty="0">
+                                          <a:latin typeface="Cambria Math"/>
+                                        </a:rPr>
+                                        <m:t>𝑨</m:t>
+                                      </m:r>
+                                    </m:e>
+                                    <m:sub>
+                                      <m:r>
+                                        <a:rPr lang="en-US" b="1" i="1" dirty="0">
+                                          <a:latin typeface="Cambria Math"/>
+                                        </a:rPr>
+                                        <m:t>𝒊</m:t>
+                                      </m:r>
+                                    </m:sub>
+                                  </m:sSub>
+                                </m:e>
+                              </m:d>
+                            </m:e>
+                            <m:sup>
+                              <m:r>
+                                <a:rPr lang="en-US" i="1" dirty="0">
+                                  <a:latin typeface="Cambria Math"/>
+                                </a:rPr>
+                                <m:t>2</m:t>
+                              </m:r>
+                            </m:sup>
+                          </m:sSup>
+                          <m:r>
+                            <a:rPr lang="en-US" i="1" dirty="0">
+                              <a:latin typeface="Cambria Math"/>
+                            </a:rPr>
+                            <m:t>)</m:t>
+                          </m:r>
+                        </m:e>
+                      </m:nary>
+                    </m:oMath>
+                  </m:oMathPara>
+                </a14:m>
+                <a:endParaRPr lang="en-US" dirty="0" smtClean="0"/>
+              </a:p>
+              <a:p>
+                <a:pPr marL="0" indent="0">
+                  <a:buNone/>
+                </a:pPr>
+                <a14:m>
+                  <m:oMathPara xmlns:m="http://schemas.openxmlformats.org/officeDocument/2006/math">
+                    <m:oMathParaPr>
+                      <m:jc m:val="centerGroup"/>
+                    </m:oMathParaPr>
+                    <m:oMath xmlns:m="http://schemas.openxmlformats.org/officeDocument/2006/math">
+                      <m:r>
+                        <a:rPr lang="en-US" b="0" i="1" dirty="0" smtClean="0">
+                          <a:latin typeface="Cambria Math"/>
+                        </a:rPr>
+                        <m:t>=</m:t>
+                      </m:r>
+                      <m:nary>
+                        <m:naryPr>
+                          <m:chr m:val="∑"/>
+                          <m:ctrlPr>
+                            <a:rPr lang="en-US" i="1" dirty="0">
+                              <a:latin typeface="Cambria Math"/>
+                            </a:rPr>
+                          </m:ctrlPr>
+                        </m:naryPr>
+                        <m:sub>
+                          <m:r>
+                            <a:rPr lang="en-US" i="1" dirty="0">
+                              <a:latin typeface="Cambria Math"/>
+                            </a:rPr>
+                            <m:t>𝑖</m:t>
+                          </m:r>
+                          <m:r>
+                            <a:rPr lang="en-US" i="1" dirty="0">
+                              <a:latin typeface="Cambria Math"/>
+                            </a:rPr>
+                            <m:t>=1</m:t>
+                          </m:r>
+                        </m:sub>
+                        <m:sup>
+                          <m:r>
+                            <a:rPr lang="en-US" i="1" dirty="0">
+                              <a:latin typeface="Cambria Math"/>
+                            </a:rPr>
+                            <m:t>𝑛</m:t>
+                          </m:r>
+                        </m:sup>
+                        <m:e>
+                          <m:sSubSup>
+                            <m:sSubSupPr>
+                              <m:ctrlPr>
+                                <a:rPr lang="en-US" i="1" dirty="0">
+                                  <a:latin typeface="Cambria Math"/>
+                                </a:rPr>
+                              </m:ctrlPr>
+                            </m:sSubSupPr>
+                            <m:e>
+                              <m:d>
+                                <m:dPr>
+                                  <m:begChr m:val="|"/>
+                                  <m:endChr m:val="|"/>
+                                  <m:ctrlPr>
+                                    <a:rPr lang="en-US" i="1" dirty="0">
+                                      <a:latin typeface="Cambria Math"/>
+                                    </a:rPr>
+                                  </m:ctrlPr>
+                                </m:dPr>
+                                <m:e>
+                                  <m:d>
+                                    <m:dPr>
+                                      <m:begChr m:val="|"/>
+                                      <m:endChr m:val="|"/>
+                                      <m:ctrlPr>
+                                        <a:rPr lang="en-US" i="1" dirty="0">
+                                          <a:latin typeface="Cambria Math"/>
+                                        </a:rPr>
+                                      </m:ctrlPr>
+                                    </m:dPr>
+                                    <m:e>
+                                      <m:sSub>
+                                        <m:sSubPr>
+                                          <m:ctrlPr>
+                                            <a:rPr lang="en-US" b="1" i="1" dirty="0">
+                                              <a:latin typeface="Cambria Math"/>
+                                            </a:rPr>
+                                          </m:ctrlPr>
+                                        </m:sSubPr>
+                                        <m:e>
+                                          <m:r>
+                                            <a:rPr lang="en-US" b="1" i="1" dirty="0">
+                                              <a:latin typeface="Cambria Math"/>
+                                            </a:rPr>
+                                            <m:t>𝑨</m:t>
+                                          </m:r>
+                                        </m:e>
+                                        <m:sub>
+                                          <m:r>
+                                            <a:rPr lang="en-US" b="1" i="1" dirty="0">
+                                              <a:latin typeface="Cambria Math"/>
+                                            </a:rPr>
+                                            <m:t>𝒊</m:t>
+                                          </m:r>
+                                        </m:sub>
+                                      </m:sSub>
+                                    </m:e>
+                                  </m:d>
+                                </m:e>
+                              </m:d>
+                            </m:e>
+                            <m:sub>
+                              <m:r>
+                                <a:rPr lang="en-US" i="1" dirty="0">
+                                  <a:latin typeface="Cambria Math"/>
+                                </a:rPr>
+                                <m:t>2</m:t>
+                              </m:r>
+                            </m:sub>
+                            <m:sup>
+                              <m:r>
+                                <a:rPr lang="en-US" i="1" dirty="0">
+                                  <a:latin typeface="Cambria Math"/>
+                                </a:rPr>
+                                <m:t>2</m:t>
+                              </m:r>
+                            </m:sup>
+                          </m:sSubSup>
+                          <m:r>
+                            <a:rPr lang="en-US" i="1" dirty="0">
+                              <a:latin typeface="Cambria Math"/>
+                            </a:rPr>
+                            <m:t>+</m:t>
+                          </m:r>
+                          <m:sSubSup>
+                            <m:sSubSupPr>
+                              <m:ctrlPr>
+                                <a:rPr lang="en-US" i="1" dirty="0">
+                                  <a:latin typeface="Cambria Math"/>
+                                </a:rPr>
+                              </m:ctrlPr>
+                            </m:sSubSupPr>
+                            <m:e>
+                              <m:r>
+                                <a:rPr lang="en-US" b="0" i="1" dirty="0" smtClean="0">
+                                  <a:latin typeface="Cambria Math"/>
+                                </a:rPr>
+                                <m:t>𝑛</m:t>
+                              </m:r>
+                              <m:d>
+                                <m:dPr>
+                                  <m:begChr m:val="|"/>
+                                  <m:endChr m:val="|"/>
+                                  <m:ctrlPr>
+                                    <a:rPr lang="en-US" i="1" dirty="0">
+                                      <a:latin typeface="Cambria Math"/>
+                                    </a:rPr>
+                                  </m:ctrlPr>
+                                </m:dPr>
+                                <m:e>
+                                  <m:d>
+                                    <m:dPr>
+                                      <m:begChr m:val="|"/>
+                                      <m:endChr m:val="|"/>
+                                      <m:ctrlPr>
+                                        <a:rPr lang="en-US" i="1" dirty="0">
+                                          <a:latin typeface="Cambria Math"/>
+                                        </a:rPr>
+                                      </m:ctrlPr>
+                                    </m:dPr>
+                                    <m:e>
+                                      <m:r>
+                                        <a:rPr lang="en-US" b="1" i="1" dirty="0">
+                                          <a:latin typeface="Cambria Math"/>
+                                        </a:rPr>
+                                        <m:t>𝒂</m:t>
+                                      </m:r>
+                                    </m:e>
+                                  </m:d>
+                                </m:e>
+                              </m:d>
+                            </m:e>
+                            <m:sub>
+                              <m:r>
+                                <a:rPr lang="en-US" i="1" dirty="0">
+                                  <a:latin typeface="Cambria Math"/>
+                                </a:rPr>
+                                <m:t>2</m:t>
+                              </m:r>
+                            </m:sub>
+                            <m:sup>
+                              <m:r>
+                                <a:rPr lang="en-US" i="1" dirty="0">
+                                  <a:latin typeface="Cambria Math"/>
+                                </a:rPr>
+                                <m:t>2</m:t>
+                              </m:r>
+                            </m:sup>
+                          </m:sSubSup>
+                          <m:r>
+                            <a:rPr lang="en-US" i="1" dirty="0">
+                              <a:latin typeface="Cambria Math"/>
+                            </a:rPr>
+                            <m:t>−2〈</m:t>
+                          </m:r>
+                          <m:nary>
+                            <m:naryPr>
+                              <m:chr m:val="∑"/>
+                              <m:ctrlPr>
+                                <a:rPr lang="en-US" b="1" i="1" dirty="0">
+                                  <a:latin typeface="Cambria Math"/>
+                                </a:rPr>
+                              </m:ctrlPr>
+                            </m:naryPr>
+                            <m:sub>
+                              <m:r>
+                                <a:rPr lang="en-US" i="1" dirty="0">
+                                  <a:latin typeface="Cambria Math"/>
+                                </a:rPr>
+                                <m:t>𝑖</m:t>
+                              </m:r>
+                              <m:r>
+                                <a:rPr lang="en-US" i="1" dirty="0">
+                                  <a:latin typeface="Cambria Math"/>
+                                </a:rPr>
+                                <m:t>=1</m:t>
+                              </m:r>
+                            </m:sub>
+                            <m:sup>
+                              <m:r>
+                                <a:rPr lang="en-US" i="1" dirty="0">
+                                  <a:latin typeface="Cambria Math"/>
+                                </a:rPr>
+                                <m:t>𝑛</m:t>
+                              </m:r>
+                            </m:sup>
+                            <m:e>
+                              <m:sSub>
+                                <m:sSubPr>
+                                  <m:ctrlPr>
+                                    <a:rPr lang="en-US" b="1" i="1" dirty="0">
+                                      <a:latin typeface="Cambria Math"/>
+                                    </a:rPr>
+                                  </m:ctrlPr>
+                                </m:sSubPr>
+                                <m:e>
+                                  <m:r>
+                                    <a:rPr lang="en-US" b="1" i="1" dirty="0">
+                                      <a:latin typeface="Cambria Math"/>
+                                    </a:rPr>
+                                    <m:t>𝑨</m:t>
+                                  </m:r>
+                                </m:e>
+                                <m:sub>
+                                  <m:r>
+                                    <a:rPr lang="en-US" b="1" i="1" dirty="0">
+                                      <a:latin typeface="Cambria Math"/>
+                                    </a:rPr>
+                                    <m:t>𝒊</m:t>
+                                  </m:r>
+                                </m:sub>
+                              </m:sSub>
+                            </m:e>
+                          </m:nary>
+                          <m:r>
+                            <a:rPr lang="en-US" i="1" dirty="0">
+                              <a:latin typeface="Cambria Math"/>
+                            </a:rPr>
+                            <m:t>,</m:t>
+                          </m:r>
+                          <m:r>
+                            <a:rPr lang="en-US" b="1" i="1" dirty="0">
+                              <a:latin typeface="Cambria Math"/>
+                            </a:rPr>
+                            <m:t>𝒂</m:t>
+                          </m:r>
+                          <m:r>
+                            <a:rPr lang="en-US" i="1" dirty="0">
+                              <a:latin typeface="Cambria Math"/>
+                            </a:rPr>
+                            <m:t>〉</m:t>
+                          </m:r>
+                          <m:r>
+                            <a:rPr lang="en-US" i="1" dirty="0">
+                              <a:latin typeface="Cambria Math"/>
+                            </a:rPr>
+                            <m:t>−</m:t>
+                          </m:r>
+                          <m:nary>
+                            <m:naryPr>
+                              <m:chr m:val="∑"/>
+                              <m:ctrlPr>
+                                <a:rPr lang="en-US" i="1" dirty="0">
+                                  <a:latin typeface="Cambria Math"/>
+                                </a:rPr>
+                              </m:ctrlPr>
+                            </m:naryPr>
+                            <m:sub>
+                              <m:r>
+                                <a:rPr lang="en-US" i="1" dirty="0">
+                                  <a:latin typeface="Cambria Math"/>
+                                </a:rPr>
+                                <m:t>𝑖</m:t>
+                              </m:r>
+                              <m:r>
+                                <a:rPr lang="en-US" i="1" dirty="0">
+                                  <a:latin typeface="Cambria Math"/>
+                                </a:rPr>
+                                <m:t>=1</m:t>
+                              </m:r>
+                            </m:sub>
+                            <m:sup>
+                              <m:r>
+                                <a:rPr lang="en-US" i="1" dirty="0">
+                                  <a:latin typeface="Cambria Math"/>
+                                </a:rPr>
+                                <m:t>𝑛</m:t>
+                              </m:r>
+                            </m:sup>
+                            <m:e>
+                              <m:sSup>
+                                <m:sSupPr>
+                                  <m:ctrlPr>
+                                    <a:rPr lang="en-US" b="1" i="1" dirty="0" smtClean="0">
+                                      <a:latin typeface="Cambria Math"/>
+                                    </a:rPr>
+                                  </m:ctrlPr>
+                                </m:sSupPr>
+                                <m:e>
+                                  <m:d>
+                                    <m:dPr>
+                                      <m:begChr m:val="〈"/>
+                                      <m:endChr m:val="〉"/>
+                                      <m:ctrlPr>
+                                        <a:rPr lang="en-US" i="1" dirty="0">
+                                          <a:latin typeface="Cambria Math"/>
+                                        </a:rPr>
+                                      </m:ctrlPr>
+                                    </m:dPr>
+                                    <m:e>
+                                      <m:r>
+                                        <a:rPr lang="en-US" b="1" i="1" dirty="0">
+                                          <a:latin typeface="Cambria Math"/>
+                                        </a:rPr>
+                                        <m:t>𝒗</m:t>
+                                      </m:r>
+                                      <m:r>
+                                        <a:rPr lang="en-US" i="1" dirty="0">
+                                          <a:latin typeface="Cambria Math"/>
+                                        </a:rPr>
+                                        <m:t>,</m:t>
+                                      </m:r>
+                                      <m:sSub>
+                                        <m:sSubPr>
+                                          <m:ctrlPr>
+                                            <a:rPr lang="en-US" b="1" i="1" dirty="0">
+                                              <a:latin typeface="Cambria Math"/>
+                                            </a:rPr>
+                                          </m:ctrlPr>
+                                        </m:sSubPr>
+                                        <m:e>
+                                          <m:r>
+                                            <a:rPr lang="en-US" b="1" i="1" dirty="0">
+                                              <a:latin typeface="Cambria Math"/>
+                                            </a:rPr>
+                                            <m:t>𝑨</m:t>
+                                          </m:r>
+                                        </m:e>
+                                        <m:sub>
+                                          <m:r>
+                                            <a:rPr lang="en-US" b="1" i="1" dirty="0">
+                                              <a:latin typeface="Cambria Math"/>
+                                            </a:rPr>
+                                            <m:t>𝒊</m:t>
+                                          </m:r>
+                                        </m:sub>
+                                      </m:sSub>
+                                    </m:e>
+                                  </m:d>
+                                </m:e>
+                                <m:sup>
+                                  <m:r>
+                                    <a:rPr lang="en-US" b="0" i="1" dirty="0" smtClean="0">
+                                      <a:latin typeface="Cambria Math"/>
+                                    </a:rPr>
+                                    <m:t>2</m:t>
+                                  </m:r>
+                                </m:sup>
+                              </m:sSup>
+                            </m:e>
+                          </m:nary>
+                        </m:e>
+                      </m:nary>
+                    </m:oMath>
+                  </m:oMathPara>
+                </a14:m>
+                <a:endParaRPr lang="en-US" b="1" dirty="0" smtClean="0"/>
+              </a:p>
+              <a:p>
+                <a:pPr marL="0" indent="0">
+                  <a:buNone/>
+                </a:pPr>
+                <a14:m>
+                  <m:oMathPara xmlns:m="http://schemas.openxmlformats.org/officeDocument/2006/math">
+                    <m:oMathParaPr>
+                      <m:jc m:val="centerGroup"/>
+                    </m:oMathParaPr>
+                    <m:oMath xmlns:m="http://schemas.openxmlformats.org/officeDocument/2006/math">
+                      <m:r>
+                        <a:rPr lang="en-US" i="1" dirty="0">
+                          <a:latin typeface="Cambria Math"/>
+                        </a:rPr>
+                        <m:t>=</m:t>
+                      </m:r>
+                      <m:nary>
+                        <m:naryPr>
+                          <m:chr m:val="∑"/>
+                          <m:ctrlPr>
+                            <a:rPr lang="en-US" i="1" dirty="0">
+                              <a:latin typeface="Cambria Math"/>
+                            </a:rPr>
+                          </m:ctrlPr>
+                        </m:naryPr>
+                        <m:sub>
+                          <m:r>
+                            <a:rPr lang="en-US" i="1" dirty="0">
+                              <a:latin typeface="Cambria Math"/>
+                            </a:rPr>
+                            <m:t>𝑖</m:t>
+                          </m:r>
+                          <m:r>
+                            <a:rPr lang="en-US" i="1" dirty="0">
+                              <a:latin typeface="Cambria Math"/>
+                            </a:rPr>
+                            <m:t>=1</m:t>
+                          </m:r>
+                        </m:sub>
+                        <m:sup>
+                          <m:r>
+                            <a:rPr lang="en-US" i="1" dirty="0">
+                              <a:latin typeface="Cambria Math"/>
+                            </a:rPr>
+                            <m:t>𝑛</m:t>
+                          </m:r>
+                        </m:sup>
+                        <m:e>
+                          <m:sSubSup>
+                            <m:sSubSupPr>
+                              <m:ctrlPr>
+                                <a:rPr lang="en-US" i="1" dirty="0">
+                                  <a:latin typeface="Cambria Math"/>
+                                </a:rPr>
+                              </m:ctrlPr>
+                            </m:sSubSupPr>
+                            <m:e>
+                              <m:d>
+                                <m:dPr>
+                                  <m:begChr m:val="|"/>
+                                  <m:endChr m:val="|"/>
+                                  <m:ctrlPr>
+                                    <a:rPr lang="en-US" i="1" dirty="0">
+                                      <a:latin typeface="Cambria Math"/>
+                                    </a:rPr>
+                                  </m:ctrlPr>
+                                </m:dPr>
+                                <m:e>
+                                  <m:d>
+                                    <m:dPr>
+                                      <m:begChr m:val="|"/>
+                                      <m:endChr m:val="|"/>
+                                      <m:ctrlPr>
+                                        <a:rPr lang="en-US" i="1" dirty="0">
+                                          <a:latin typeface="Cambria Math"/>
+                                        </a:rPr>
+                                      </m:ctrlPr>
+                                    </m:dPr>
+                                    <m:e>
+                                      <m:sSub>
+                                        <m:sSubPr>
+                                          <m:ctrlPr>
+                                            <a:rPr lang="en-US" b="1" i="1" dirty="0">
+                                              <a:latin typeface="Cambria Math"/>
+                                            </a:rPr>
+                                          </m:ctrlPr>
+                                        </m:sSubPr>
+                                        <m:e>
+                                          <m:r>
+                                            <a:rPr lang="en-US" b="1" i="1" dirty="0">
+                                              <a:latin typeface="Cambria Math"/>
+                                            </a:rPr>
+                                            <m:t>𝑨</m:t>
+                                          </m:r>
+                                        </m:e>
+                                        <m:sub>
+                                          <m:r>
+                                            <a:rPr lang="en-US" b="1" i="1" dirty="0">
+                                              <a:latin typeface="Cambria Math"/>
+                                            </a:rPr>
+                                            <m:t>𝒊</m:t>
+                                          </m:r>
+                                        </m:sub>
+                                      </m:sSub>
+                                    </m:e>
+                                  </m:d>
+                                </m:e>
+                              </m:d>
+                            </m:e>
+                            <m:sub>
+                              <m:r>
+                                <a:rPr lang="en-US" i="1" dirty="0">
+                                  <a:latin typeface="Cambria Math"/>
+                                </a:rPr>
+                                <m:t>2</m:t>
+                              </m:r>
+                            </m:sub>
+                            <m:sup>
+                              <m:r>
+                                <a:rPr lang="en-US" i="1" dirty="0">
+                                  <a:latin typeface="Cambria Math"/>
+                                </a:rPr>
+                                <m:t>2</m:t>
+                              </m:r>
+                            </m:sup>
+                          </m:sSubSup>
+                          <m:r>
+                            <a:rPr lang="en-US" i="1" dirty="0">
+                              <a:latin typeface="Cambria Math"/>
+                            </a:rPr>
+                            <m:t>+</m:t>
+                          </m:r>
+                          <m:sSubSup>
+                            <m:sSubSupPr>
+                              <m:ctrlPr>
+                                <a:rPr lang="en-US" i="1" dirty="0">
+                                  <a:latin typeface="Cambria Math"/>
+                                </a:rPr>
+                              </m:ctrlPr>
+                            </m:sSubSupPr>
+                            <m:e>
+                              <m:r>
+                                <a:rPr lang="en-US" i="1" dirty="0">
+                                  <a:latin typeface="Cambria Math"/>
+                                </a:rPr>
+                                <m:t>𝑛</m:t>
+                              </m:r>
+                              <m:d>
+                                <m:dPr>
+                                  <m:begChr m:val="|"/>
+                                  <m:endChr m:val="|"/>
+                                  <m:ctrlPr>
+                                    <a:rPr lang="en-US" i="1" dirty="0">
+                                      <a:latin typeface="Cambria Math"/>
+                                    </a:rPr>
+                                  </m:ctrlPr>
+                                </m:dPr>
+                                <m:e>
+                                  <m:d>
+                                    <m:dPr>
+                                      <m:begChr m:val="|"/>
+                                      <m:endChr m:val="|"/>
+                                      <m:ctrlPr>
+                                        <a:rPr lang="en-US" i="1" dirty="0">
+                                          <a:latin typeface="Cambria Math"/>
+                                        </a:rPr>
+                                      </m:ctrlPr>
+                                    </m:dPr>
+                                    <m:e>
+                                      <m:r>
+                                        <a:rPr lang="en-US" b="1" i="1" dirty="0">
+                                          <a:latin typeface="Cambria Math"/>
+                                        </a:rPr>
+                                        <m:t>𝒂</m:t>
+                                      </m:r>
+                                    </m:e>
+                                  </m:d>
+                                </m:e>
+                              </m:d>
+                            </m:e>
+                            <m:sub>
+                              <m:r>
+                                <a:rPr lang="en-US" i="1" dirty="0">
+                                  <a:latin typeface="Cambria Math"/>
+                                </a:rPr>
+                                <m:t>2</m:t>
+                              </m:r>
+                            </m:sub>
+                            <m:sup>
+                              <m:r>
+                                <a:rPr lang="en-US" i="1" dirty="0">
+                                  <a:latin typeface="Cambria Math"/>
+                                </a:rPr>
+                                <m:t>2</m:t>
+                              </m:r>
+                            </m:sup>
+                          </m:sSubSup>
+                          <m:r>
+                            <a:rPr lang="en-US" i="1" dirty="0">
+                              <a:latin typeface="Cambria Math"/>
+                            </a:rPr>
+                            <m:t>−</m:t>
+                          </m:r>
+                          <m:nary>
+                            <m:naryPr>
+                              <m:chr m:val="∑"/>
+                              <m:ctrlPr>
+                                <a:rPr lang="en-US" i="1" dirty="0">
+                                  <a:latin typeface="Cambria Math"/>
+                                </a:rPr>
+                              </m:ctrlPr>
+                            </m:naryPr>
+                            <m:sub>
+                              <m:r>
+                                <a:rPr lang="en-US" i="1" dirty="0">
+                                  <a:latin typeface="Cambria Math"/>
+                                </a:rPr>
+                                <m:t>𝑖</m:t>
+                              </m:r>
+                              <m:r>
+                                <a:rPr lang="en-US" i="1" dirty="0">
+                                  <a:latin typeface="Cambria Math"/>
+                                </a:rPr>
+                                <m:t>=1</m:t>
+                              </m:r>
+                            </m:sub>
+                            <m:sup>
+                              <m:r>
+                                <a:rPr lang="en-US" i="1" dirty="0">
+                                  <a:latin typeface="Cambria Math"/>
+                                </a:rPr>
+                                <m:t>𝑛</m:t>
+                              </m:r>
+                            </m:sup>
+                            <m:e>
+                              <m:sSup>
+                                <m:sSupPr>
+                                  <m:ctrlPr>
+                                    <a:rPr lang="en-US" b="1" i="1" dirty="0">
+                                      <a:latin typeface="Cambria Math"/>
+                                    </a:rPr>
+                                  </m:ctrlPr>
+                                </m:sSupPr>
+                                <m:e>
+                                  <m:d>
+                                    <m:dPr>
+                                      <m:begChr m:val="〈"/>
+                                      <m:endChr m:val="〉"/>
+                                      <m:ctrlPr>
+                                        <a:rPr lang="en-US" i="1" dirty="0">
+                                          <a:latin typeface="Cambria Math"/>
+                                        </a:rPr>
+                                      </m:ctrlPr>
+                                    </m:dPr>
+                                    <m:e>
+                                      <m:r>
+                                        <a:rPr lang="en-US" b="1" i="1" dirty="0">
+                                          <a:latin typeface="Cambria Math"/>
+                                        </a:rPr>
+                                        <m:t>𝒗</m:t>
+                                      </m:r>
+                                      <m:r>
+                                        <a:rPr lang="en-US" i="1" dirty="0">
+                                          <a:latin typeface="Cambria Math"/>
+                                        </a:rPr>
+                                        <m:t>,</m:t>
+                                      </m:r>
+                                      <m:sSub>
+                                        <m:sSubPr>
+                                          <m:ctrlPr>
+                                            <a:rPr lang="en-US" b="1" i="1" dirty="0">
+                                              <a:latin typeface="Cambria Math"/>
+                                            </a:rPr>
+                                          </m:ctrlPr>
+                                        </m:sSubPr>
+                                        <m:e>
+                                          <m:r>
+                                            <a:rPr lang="en-US" b="1" i="1" dirty="0">
+                                              <a:latin typeface="Cambria Math"/>
+                                            </a:rPr>
+                                            <m:t>𝑨</m:t>
+                                          </m:r>
+                                        </m:e>
+                                        <m:sub>
+                                          <m:r>
+                                            <a:rPr lang="en-US" b="1" i="1" dirty="0">
+                                              <a:latin typeface="Cambria Math"/>
+                                            </a:rPr>
+                                            <m:t>𝒊</m:t>
+                                          </m:r>
+                                        </m:sub>
+                                      </m:sSub>
+                                    </m:e>
+                                  </m:d>
+                                </m:e>
+                                <m:sup>
+                                  <m:r>
+                                    <a:rPr lang="en-US" i="1" dirty="0">
+                                      <a:latin typeface="Cambria Math"/>
+                                    </a:rPr>
+                                    <m:t>2</m:t>
+                                  </m:r>
+                                </m:sup>
+                              </m:sSup>
+                            </m:e>
+                          </m:nary>
+                        </m:e>
+                      </m:nary>
+                    </m:oMath>
+                  </m:oMathPara>
+                </a14:m>
+                <a:endParaRPr lang="en-US" b="1" dirty="0" smtClean="0"/>
+              </a:p>
+              <a:p>
+                <a:r>
+                  <a:rPr lang="en-US" dirty="0" smtClean="0"/>
+                  <a:t>Minimized when</a:t>
+                </a:r>
+                <a:r>
+                  <a:rPr lang="en-US" b="1" dirty="0" smtClean="0"/>
+                  <a:t> </a:t>
+                </a:r>
+                <a14:m>
+                  <m:oMath xmlns:m="http://schemas.openxmlformats.org/officeDocument/2006/math">
+                    <m:r>
+                      <a:rPr lang="en-US" b="1" i="1" dirty="0" smtClean="0">
+                        <a:latin typeface="Cambria Math"/>
+                      </a:rPr>
+                      <m:t>𝒂</m:t>
+                    </m:r>
+                    <m:r>
+                      <a:rPr lang="en-US" b="1" i="1" dirty="0" smtClean="0">
+                        <a:latin typeface="Cambria Math"/>
+                      </a:rPr>
+                      <m:t>=</m:t>
+                    </m:r>
+                    <m:r>
+                      <a:rPr lang="en-US" b="1" i="1" dirty="0" smtClean="0">
+                        <a:latin typeface="Cambria Math"/>
+                      </a:rPr>
+                      <m:t>𝟎</m:t>
+                    </m:r>
+                  </m:oMath>
+                </a14:m>
+                <a:endParaRPr lang="en-US" b="1" dirty="0"/>
+              </a:p>
+              <a:p>
+                <a:pPr marL="0" indent="0">
+                  <a:buNone/>
+                </a:pPr>
+                <a:endParaRPr lang="en-US" b="1" dirty="0" smtClean="0"/>
+              </a:p>
+              <a:p>
+                <a:pPr marL="0" indent="0">
+                  <a:buNone/>
+                </a:pPr>
+                <a:endParaRPr lang="en-US" b="1" dirty="0"/>
+              </a:p>
+              <a:p>
+                <a:endParaRPr lang="en-US" dirty="0"/>
+              </a:p>
+            </p:txBody>
+          </p:sp>
+        </mc:Choice>
+        <mc:Fallback>
+          <p:sp>
+            <p:nvSpPr>
+              <p:cNvPr id="3" name="Content Placeholder 2"/>
+              <p:cNvSpPr>
+                <a:spLocks noGrp="1" noRot="1" noChangeAspect="1" noMove="1" noResize="1" noEditPoints="1" noAdjustHandles="1" noChangeArrowheads="1" noChangeShapeType="1" noTextEdit="1"/>
+              </p:cNvSpPr>
+              <p:nvPr>
+                <p:ph idx="1"/>
+              </p:nvPr>
+            </p:nvSpPr>
+            <p:spPr>
+              <a:xfrm>
+                <a:off x="457200" y="1371600"/>
+                <a:ext cx="8686800" cy="5410200"/>
+              </a:xfrm>
+              <a:blipFill rotWithShape="1">
+                <a:blip r:embed="rId2"/>
+                <a:stretch>
+                  <a:fillRect l="-772" t="-1802"/>
+                </a:stretch>
+              </a:blipFill>
+            </p:spPr>
+            <p:txBody>
+              <a:bodyPr/>
+              <a:lstStyle/>
+              <a:p>
+                <a:r>
+                  <a:rPr lang="en-US">
+                    <a:noFill/>
+                  </a:rPr>
+                  <a:t> </a:t>
+                </a:r>
+              </a:p>
+            </p:txBody>
+          </p:sp>
+        </mc:Fallback>
+      </mc:AlternateContent>
+    </p:spTree>
+    <p:extLst>
+      <p:ext uri="{BB962C8B-B14F-4D97-AF65-F5344CB8AC3E}">
+        <p14:creationId xmlns:p14="http://schemas.microsoft.com/office/powerpoint/2010/main" val="3366304203"/>
+      </p:ext>
+    </p:extLst>
+  </p:cSld>
+  <p:clrMapOvr>
+    <a:masterClrMapping/>
+  </p:clrMapOvr>
+  <p:timing>
+    <p:tnLst>
+      <p:par>
+        <p:cTn id="1" dur="indefinite" restart="never" nodeType="tmRoot">
+          <p:childTnLst>
+            <p:seq concurrent="1" nextAc="seek">
+              <p:cTn id="2" dur="indefinite" nodeType="mainSeq">
+                <p:childTnLst>
+                  <p:par>
+                    <p:cTn id="3" fill="hold">
+                      <p:stCondLst>
+                        <p:cond delay="indefinite"/>
+                      </p:stCondLst>
+                      <p:childTnLst>
+                        <p:par>
+                          <p:cTn id="4" fill="hold">
+                            <p:stCondLst>
+                              <p:cond delay="0"/>
+                            </p:stCondLst>
+                            <p:childTnLst>
+                              <p:par>
+                                <p:cTn id="5" presetID="1" presetClass="entr" presetSubtype="0" fill="hold" grpId="0" nodeType="clickEffect">
+                                  <p:stCondLst>
+                                    <p:cond delay="0"/>
+                                  </p:stCondLst>
+                                  <p:childTnLst>
+                                    <p:set>
+                                      <p:cBhvr>
+                                        <p:cTn id="6" dur="1" fill="hold">
+                                          <p:stCondLst>
+                                            <p:cond delay="0"/>
+                                          </p:stCondLst>
+                                        </p:cTn>
+                                        <p:tgtEl>
+                                          <p:spTgt spid="3">
+                                            <p:txEl>
+                                              <p:pRg st="0" end="0"/>
+                                            </p:txEl>
+                                          </p:spTgt>
+                                        </p:tgtEl>
+                                        <p:attrNameLst>
+                                          <p:attrName>style.visibility</p:attrName>
+                                        </p:attrNameLst>
+                                      </p:cBhvr>
+                                      <p:to>
+                                        <p:strVal val="visible"/>
+                                      </p:to>
+                                    </p:set>
+                                  </p:childTnLst>
+                                </p:cTn>
+                              </p:par>
+                            </p:childTnLst>
+                          </p:cTn>
+                        </p:par>
+                      </p:childTnLst>
+                    </p:cTn>
+                  </p:par>
+                  <p:par>
+                    <p:cTn id="7" fill="hold">
+                      <p:stCondLst>
+                        <p:cond delay="indefinite"/>
+                      </p:stCondLst>
+                      <p:childTnLst>
+                        <p:par>
+                          <p:cTn id="8" fill="hold">
+                            <p:stCondLst>
+                              <p:cond delay="0"/>
+                            </p:stCondLst>
+                            <p:childTnLst>
+                              <p:par>
+                                <p:cTn id="9" presetID="1" presetClass="entr" presetSubtype="0" fill="hold" grpId="0" nodeType="clickEffect">
+                                  <p:stCondLst>
+                                    <p:cond delay="0"/>
+                                  </p:stCondLst>
+                                  <p:childTnLst>
+                                    <p:set>
+                                      <p:cBhvr>
+                                        <p:cTn id="10" dur="1" fill="hold">
+                                          <p:stCondLst>
+                                            <p:cond delay="0"/>
+                                          </p:stCondLst>
+                                        </p:cTn>
+                                        <p:tgtEl>
+                                          <p:spTgt spid="3">
+                                            <p:txEl>
+                                              <p:pRg st="1" end="1"/>
+                                            </p:txEl>
+                                          </p:spTgt>
+                                        </p:tgtEl>
+                                        <p:attrNameLst>
+                                          <p:attrName>style.visibility</p:attrName>
+                                        </p:attrNameLst>
+                                      </p:cBhvr>
+                                      <p:to>
+                                        <p:strVal val="visible"/>
+                                      </p:to>
+                                    </p:set>
+                                  </p:childTnLst>
+                                </p:cTn>
+                              </p:par>
+                            </p:childTnLst>
+                          </p:cTn>
+                        </p:par>
+                      </p:childTnLst>
+                    </p:cTn>
+                  </p:par>
+                  <p:par>
+                    <p:cTn id="11" fill="hold">
+                      <p:stCondLst>
+                        <p:cond delay="indefinite"/>
+                      </p:stCondLst>
+                      <p:childTnLst>
+                        <p:par>
+                          <p:cTn id="12" fill="hold">
+                            <p:stCondLst>
+                              <p:cond delay="0"/>
+                            </p:stCondLst>
+                            <p:childTnLst>
+                              <p:par>
+                                <p:cTn id="13" presetID="1" presetClass="entr" presetSubtype="0" fill="hold" grpId="0" nodeType="clickEffect">
+                                  <p:stCondLst>
+                                    <p:cond delay="0"/>
+                                  </p:stCondLst>
+                                  <p:childTnLst>
+                                    <p:set>
+                                      <p:cBhvr>
+                                        <p:cTn id="14" dur="1" fill="hold">
+                                          <p:stCondLst>
+                                            <p:cond delay="0"/>
+                                          </p:stCondLst>
+                                        </p:cTn>
+                                        <p:tgtEl>
+                                          <p:spTgt spid="3">
+                                            <p:txEl>
+                                              <p:pRg st="2" end="2"/>
+                                            </p:txEl>
+                                          </p:spTgt>
+                                        </p:tgtEl>
+                                        <p:attrNameLst>
+                                          <p:attrName>style.visibility</p:attrName>
+                                        </p:attrNameLst>
+                                      </p:cBhvr>
+                                      <p:to>
+                                        <p:strVal val="visible"/>
+                                      </p:to>
+                                    </p:set>
+                                  </p:childTnLst>
+                                </p:cTn>
+                              </p:par>
+                            </p:childTnLst>
+                          </p:cTn>
+                        </p:par>
+                      </p:childTnLst>
+                    </p:cTn>
+                  </p:par>
+                  <p:par>
+                    <p:cTn id="15" fill="hold">
+                      <p:stCondLst>
+                        <p:cond delay="indefinite"/>
+                      </p:stCondLst>
+                      <p:childTnLst>
+                        <p:par>
+                          <p:cTn id="16" fill="hold">
+                            <p:stCondLst>
+                              <p:cond delay="0"/>
+                            </p:stCondLst>
+                            <p:childTnLst>
+                              <p:par>
+                                <p:cTn id="17" presetID="1" presetClass="entr" presetSubtype="0" fill="hold" grpId="0" nodeType="clickEffect">
+                                  <p:stCondLst>
+                                    <p:cond delay="0"/>
+                                  </p:stCondLst>
+                                  <p:childTnLst>
+                                    <p:set>
+                                      <p:cBhvr>
+                                        <p:cTn id="18" dur="1" fill="hold">
+                                          <p:stCondLst>
+                                            <p:cond delay="0"/>
+                                          </p:stCondLst>
+                                        </p:cTn>
+                                        <p:tgtEl>
+                                          <p:spTgt spid="3">
+                                            <p:txEl>
+                                              <p:pRg st="3" end="3"/>
+                                            </p:txEl>
+                                          </p:spTgt>
+                                        </p:tgtEl>
+                                        <p:attrNameLst>
+                                          <p:attrName>style.visibility</p:attrName>
+                                        </p:attrNameLst>
+                                      </p:cBhvr>
+                                      <p:to>
+                                        <p:strVal val="visible"/>
+                                      </p:to>
+                                    </p:set>
+                                  </p:childTnLst>
+                                </p:cTn>
+                              </p:par>
+                            </p:childTnLst>
+                          </p:cTn>
+                        </p:par>
+                      </p:childTnLst>
+                    </p:cTn>
+                  </p:par>
+                  <p:par>
+                    <p:cTn id="19" fill="hold">
+                      <p:stCondLst>
+                        <p:cond delay="indefinite"/>
+                      </p:stCondLst>
+                      <p:childTnLst>
+                        <p:par>
+                          <p:cTn id="20" fill="hold">
+                            <p:stCondLst>
+                              <p:cond delay="0"/>
+                            </p:stCondLst>
+                            <p:childTnLst>
+                              <p:par>
+                                <p:cTn id="21" presetID="1" presetClass="entr" presetSubtype="0" fill="hold" grpId="0" nodeType="clickEffect">
+                                  <p:stCondLst>
+                                    <p:cond delay="0"/>
+                                  </p:stCondLst>
+                                  <p:childTnLst>
+                                    <p:set>
+                                      <p:cBhvr>
+                                        <p:cTn id="22" dur="1" fill="hold">
+                                          <p:stCondLst>
+                                            <p:cond delay="0"/>
+                                          </p:stCondLst>
+                                        </p:cTn>
+                                        <p:tgtEl>
+                                          <p:spTgt spid="3">
+                                            <p:txEl>
+                                              <p:pRg st="4" end="4"/>
+                                            </p:txEl>
+                                          </p:spTgt>
+                                        </p:tgtEl>
+                                        <p:attrNameLst>
+                                          <p:attrName>style.visibility</p:attrName>
+                                        </p:attrNameLst>
+                                      </p:cBhvr>
+                                      <p:to>
+                                        <p:strVal val="visible"/>
+                                      </p:to>
+                                    </p:set>
+                                  </p:childTnLst>
+                                </p:cTn>
+                              </p:par>
+                            </p:childTnLst>
+                          </p:cTn>
+                        </p:par>
+                      </p:childTnLst>
+                    </p:cTn>
+                  </p:par>
+                  <p:par>
+                    <p:cTn id="23" fill="hold">
+                      <p:stCondLst>
+                        <p:cond delay="indefinite"/>
+                      </p:stCondLst>
+                      <p:childTnLst>
+                        <p:par>
+                          <p:cTn id="24" fill="hold">
+                            <p:stCondLst>
+                              <p:cond delay="0"/>
+                            </p:stCondLst>
+                            <p:childTnLst>
+                              <p:par>
+                                <p:cTn id="25" presetID="1" presetClass="entr" presetSubtype="0" fill="hold" grpId="0" nodeType="clickEffect">
+                                  <p:stCondLst>
+                                    <p:cond delay="0"/>
+                                  </p:stCondLst>
+                                  <p:childTnLst>
+                                    <p:set>
+                                      <p:cBhvr>
+                                        <p:cTn id="26" dur="1" fill="hold">
+                                          <p:stCondLst>
+                                            <p:cond delay="0"/>
+                                          </p:stCondLst>
+                                        </p:cTn>
+                                        <p:tgtEl>
+                                          <p:spTgt spid="3">
+                                            <p:txEl>
+                                              <p:pRg st="5" end="5"/>
+                                            </p:txEl>
+                                          </p:spTgt>
+                                        </p:tgtEl>
+                                        <p:attrNameLst>
+                                          <p:attrName>style.visibility</p:attrName>
+                                        </p:attrNameLst>
+                                      </p:cBhvr>
+                                      <p:to>
+                                        <p:strVal val="visible"/>
+                                      </p:to>
+                                    </p:set>
+                                  </p:childTnLst>
+                                </p:cTn>
+                              </p:par>
+                            </p:childTnLst>
+                          </p:cTn>
+                        </p:par>
+                      </p:childTnLst>
+                    </p:cTn>
+                  </p:par>
+                  <p:par>
+                    <p:cTn id="27" fill="hold">
+                      <p:stCondLst>
+                        <p:cond delay="indefinite"/>
+                      </p:stCondLst>
+                      <p:childTnLst>
+                        <p:par>
+                          <p:cTn id="28" fill="hold">
+                            <p:stCondLst>
+                              <p:cond delay="0"/>
+                            </p:stCondLst>
+                            <p:childTnLst>
+                              <p:par>
+                                <p:cTn id="29" presetID="1" presetClass="entr" presetSubtype="0" fill="hold" grpId="0" nodeType="clickEffect">
+                                  <p:stCondLst>
+                                    <p:cond delay="0"/>
+                                  </p:stCondLst>
+                                  <p:childTnLst>
+                                    <p:set>
+                                      <p:cBhvr>
+                                        <p:cTn id="30" dur="1" fill="hold">
+                                          <p:stCondLst>
+                                            <p:cond delay="0"/>
+                                          </p:stCondLst>
+                                        </p:cTn>
+                                        <p:tgtEl>
+                                          <p:spTgt spid="3">
+                                            <p:txEl>
+                                              <p:pRg st="6" end="6"/>
+                                            </p:txEl>
+                                          </p:spTgt>
+                                        </p:tgtEl>
+                                        <p:attrNameLst>
+                                          <p:attrName>style.visibility</p:attrName>
+                                        </p:attrNameLst>
+                                      </p:cBhvr>
+                                      <p:to>
+                                        <p:strVal val="visible"/>
+                                      </p:to>
+                                    </p:set>
+                                  </p:childTnLst>
+                                </p:cTn>
+                              </p:par>
+                            </p:childTnLst>
+                          </p:cTn>
+                        </p:par>
+                      </p:childTnLst>
+                    </p:cTn>
+                  </p:par>
+                  <p:par>
+                    <p:cTn id="31" fill="hold">
+                      <p:stCondLst>
+                        <p:cond delay="indefinite"/>
+                      </p:stCondLst>
+                      <p:childTnLst>
+                        <p:par>
+                          <p:cTn id="32" fill="hold">
+                            <p:stCondLst>
+                              <p:cond delay="0"/>
+                            </p:stCondLst>
+                            <p:childTnLst>
+                              <p:par>
+                                <p:cTn id="33" presetID="1" presetClass="entr" presetSubtype="0" fill="hold" grpId="0" nodeType="clickEffect">
+                                  <p:stCondLst>
+                                    <p:cond delay="0"/>
+                                  </p:stCondLst>
+                                  <p:childTnLst>
+                                    <p:set>
+                                      <p:cBhvr>
+                                        <p:cTn id="34" dur="1" fill="hold">
+                                          <p:stCondLst>
+                                            <p:cond delay="0"/>
+                                          </p:stCondLst>
+                                        </p:cTn>
+                                        <p:tgtEl>
+                                          <p:spTgt spid="3">
+                                            <p:txEl>
+                                              <p:pRg st="7" end="7"/>
+                                            </p:txEl>
+                                          </p:spTgt>
+                                        </p:tgtEl>
+                                        <p:attrNameLst>
+                                          <p:attrName>style.visibility</p:attrName>
+                                        </p:attrNameLst>
+                                      </p:cBhvr>
+                                      <p:to>
+                                        <p:strVal val="visible"/>
+                                      </p:to>
+                                    </p:set>
+                                  </p:childTnLst>
+                                </p:cTn>
+                              </p:par>
+                            </p:childTnLst>
+                          </p:cTn>
+                        </p:par>
+                      </p:childTnLst>
+                    </p:cTn>
+                  </p:par>
+                  <p:par>
+                    <p:cTn id="35" fill="hold">
+                      <p:stCondLst>
+                        <p:cond delay="indefinite"/>
+                      </p:stCondLst>
+                      <p:childTnLst>
+                        <p:par>
+                          <p:cTn id="36" fill="hold">
+                            <p:stCondLst>
+                              <p:cond delay="0"/>
+                            </p:stCondLst>
+                            <p:childTnLst>
+                              <p:par>
+                                <p:cTn id="37" presetID="1" presetClass="entr" presetSubtype="0" fill="hold" grpId="0" nodeType="clickEffect">
+                                  <p:stCondLst>
+                                    <p:cond delay="0"/>
+                                  </p:stCondLst>
+                                  <p:childTnLst>
+                                    <p:set>
+                                      <p:cBhvr>
+                                        <p:cTn id="38" dur="1" fill="hold">
+                                          <p:stCondLst>
+                                            <p:cond delay="0"/>
+                                          </p:stCondLst>
+                                        </p:cTn>
+                                        <p:tgtEl>
+                                          <p:spTgt spid="3">
+                                            <p:txEl>
+                                              <p:pRg st="8" end="8"/>
+                                            </p:txEl>
+                                          </p:spTgt>
+                                        </p:tgtEl>
+                                        <p:attrNameLst>
+                                          <p:attrName>style.visibility</p:attrName>
+                                        </p:attrNameLst>
+                                      </p:cBhvr>
+                                      <p:to>
+                                        <p:strVal val="visible"/>
+                                      </p:to>
+                                    </p:set>
+                                  </p:childTnLst>
+                                </p:cTn>
+                              </p:par>
+                            </p:childTnLst>
+                          </p:cTn>
+                        </p:par>
+                      </p:childTnLst>
+                    </p:cTn>
+                  </p:par>
+                </p:childTnLst>
+              </p:cTn>
+              <p:prevCondLst>
+                <p:cond evt="onPrev" delay="0">
+                  <p:tgtEl>
+                    <p:sldTgt/>
+                  </p:tgtEl>
+                </p:cond>
+              </p:prevCondLst>
+              <p:nextCondLst>
+                <p:cond evt="onNext" delay="0">
+                  <p:tgtEl>
+                    <p:sldTgt/>
+                  </p:tgtEl>
+                </p:cond>
+              </p:nextCondLst>
+            </p:seq>
+          </p:childTnLst>
+        </p:cTn>
+      </p:par>
+    </p:tnLst>
+    <p:bldLst>
+      <p:bldP spid="3" grpId="0" build="p"/>
+    </p:bldLst>
+  </p:timing>
+</p:sld>
+</file>
+
+<file path=ppt/slides/slide24.xml><?xml version="1.0" encoding="utf-8"?>
+<p:sld xmlns:a="http://schemas.openxmlformats.org/drawingml/2006/main" xmlns:r="http://schemas.openxmlformats.org/officeDocument/2006/relationships" xmlns:p="http://schemas.openxmlformats.org/presentationml/2006/main">
+  <p:cSld>
+    <p:spTree>
+      <p:nvGrpSpPr>
+        <p:cNvPr id="1" name=""/>
+        <p:cNvGrpSpPr/>
+        <p:nvPr/>
+      </p:nvGrpSpPr>
+      <p:grpSpPr>
+        <a:xfrm>
+          <a:off x="0" y="0"/>
+          <a:ext cx="0" cy="0"/>
+          <a:chOff x="0" y="0"/>
+          <a:chExt cx="0" cy="0"/>
+        </a:xfrm>
+      </p:grpSpPr>
+      <p:pic>
+        <p:nvPicPr>
+          <p:cNvPr id="4" name="Picture 3"/>
+          <p:cNvPicPr>
+            <a:picLocks noChangeAspect="1"/>
+          </p:cNvPicPr>
+          <p:nvPr/>
+        </p:nvPicPr>
+        <p:blipFill>
+          <a:blip r:embed="rId2">
+            <a:extLst>
+              <a:ext uri="{28A0092B-C50C-407E-A947-70E740481C1C}">
+                <a14:useLocalDpi xmlns:a14="http://schemas.microsoft.com/office/drawing/2010/main" val="0"/>
+              </a:ext>
+            </a:extLst>
+          </a:blip>
+          <a:stretch>
+            <a:fillRect/>
+          </a:stretch>
+        </p:blipFill>
+        <p:spPr>
+          <a:xfrm>
+            <a:off x="3352800" y="4343302"/>
+            <a:ext cx="5347924" cy="2514698"/>
+          </a:xfrm>
+          <a:prstGeom prst="rect">
+            <a:avLst/>
+          </a:prstGeom>
+        </p:spPr>
+      </p:pic>
+      <p:sp>
+        <p:nvSpPr>
+          <p:cNvPr id="2" name="Title 1"/>
+          <p:cNvSpPr>
+            <a:spLocks noGrp="1"/>
+          </p:cNvSpPr>
+          <p:nvPr>
+            <p:ph type="title"/>
+          </p:nvPr>
+        </p:nvSpPr>
+        <p:spPr/>
+        <p:txBody>
+          <a:bodyPr/>
+          <a:lstStyle/>
+          <a:p>
+            <a:r>
+              <a:rPr lang="en-US" dirty="0" smtClean="0">
+                <a:solidFill>
+                  <a:srgbClr val="0070C0"/>
+                </a:solidFill>
+              </a:rPr>
+              <a:t>Principal Component Analysis</a:t>
+            </a:r>
+            <a:endParaRPr lang="en-US" dirty="0">
+              <a:solidFill>
+                <a:srgbClr val="0070C0"/>
+              </a:solidFill>
+            </a:endParaRPr>
+          </a:p>
+        </p:txBody>
+      </p:sp>
+      <mc:AlternateContent xmlns:mc="http://schemas.openxmlformats.org/markup-compatibility/2006">
+        <mc:Choice xmlns:a14="http://schemas.microsoft.com/office/drawing/2010/main" Requires="a14">
+          <p:sp>
+            <p:nvSpPr>
+              <p:cNvPr id="3" name="Content Placeholder 2"/>
+              <p:cNvSpPr>
+                <a:spLocks noGrp="1"/>
+              </p:cNvSpPr>
+              <p:nvPr>
+                <p:ph idx="1"/>
+              </p:nvPr>
+            </p:nvSpPr>
+            <p:spPr>
+              <a:xfrm>
+                <a:off x="304800" y="1447800"/>
+                <a:ext cx="8686800" cy="5257800"/>
+              </a:xfrm>
+            </p:spPr>
+            <p:txBody>
+              <a:bodyPr/>
+              <a:lstStyle/>
+              <a:p>
+                <a14:m>
+                  <m:oMath xmlns:m="http://schemas.openxmlformats.org/officeDocument/2006/math">
+                    <m:r>
+                      <a:rPr lang="en-US" b="1" i="1" smtClean="0">
+                        <a:latin typeface="Cambria Math"/>
+                      </a:rPr>
+                      <m:t>𝒏</m:t>
+                    </m:r>
+                    <m:r>
+                      <a:rPr lang="en-US" i="1">
+                        <a:latin typeface="Cambria Math"/>
+                      </a:rPr>
+                      <m:t>×</m:t>
+                    </m:r>
+                    <m:r>
+                      <a:rPr lang="en-US" b="1" i="1">
+                        <a:solidFill>
+                          <a:srgbClr val="0070C0"/>
+                        </a:solidFill>
+                        <a:latin typeface="Cambria Math"/>
+                      </a:rPr>
+                      <m:t>𝒅</m:t>
+                    </m:r>
+                  </m:oMath>
+                </a14:m>
+                <a:r>
+                  <a:rPr lang="en-US" dirty="0" smtClean="0"/>
+                  <a:t> matrix: customers</a:t>
+                </a:r>
+                <a14:m>
+                  <m:oMath xmlns:m="http://schemas.openxmlformats.org/officeDocument/2006/math">
+                    <m:r>
+                      <a:rPr lang="en-US" b="0" i="1" smtClean="0">
+                        <a:latin typeface="Cambria Math"/>
+                      </a:rPr>
+                      <m:t>×</m:t>
+                    </m:r>
+                  </m:oMath>
+                </a14:m>
+                <a:r>
+                  <a:rPr lang="en-US" dirty="0" smtClean="0"/>
+                  <a:t>movies preference</a:t>
+                </a:r>
+              </a:p>
+              <a:p>
+                <a14:m>
+                  <m:oMath xmlns:m="http://schemas.openxmlformats.org/officeDocument/2006/math">
+                    <m:r>
+                      <a:rPr lang="en-US" b="1" i="1">
+                        <a:latin typeface="Cambria Math"/>
+                      </a:rPr>
+                      <m:t>𝒏</m:t>
+                    </m:r>
+                  </m:oMath>
+                </a14:m>
+                <a:r>
+                  <a:rPr lang="en-US" dirty="0" smtClean="0"/>
+                  <a:t> = #customers, </a:t>
+                </a:r>
+                <a14:m>
+                  <m:oMath xmlns:m="http://schemas.openxmlformats.org/officeDocument/2006/math">
+                    <m:r>
+                      <a:rPr lang="en-US" b="1" i="1">
+                        <a:solidFill>
+                          <a:srgbClr val="0070C0"/>
+                        </a:solidFill>
+                        <a:latin typeface="Cambria Math"/>
+                      </a:rPr>
+                      <m:t>𝒅</m:t>
+                    </m:r>
+                  </m:oMath>
+                </a14:m>
+                <a:r>
+                  <a:rPr lang="en-US" dirty="0" smtClean="0"/>
+                  <a:t> = #movies</a:t>
+                </a:r>
+              </a:p>
+              <a:p>
+                <a14:m>
+                  <m:oMath xmlns:m="http://schemas.openxmlformats.org/officeDocument/2006/math">
+                    <m:sSub>
+                      <m:sSubPr>
+                        <m:ctrlPr>
+                          <a:rPr lang="en-US" b="0" i="1" smtClean="0">
+                            <a:latin typeface="Cambria Math"/>
+                          </a:rPr>
+                        </m:ctrlPr>
+                      </m:sSubPr>
+                      <m:e>
+                        <m:r>
+                          <a:rPr lang="en-US" b="0" i="1" smtClean="0">
+                            <a:latin typeface="Cambria Math"/>
+                          </a:rPr>
+                          <m:t>𝐴</m:t>
+                        </m:r>
+                      </m:e>
+                      <m:sub>
+                        <m:r>
+                          <a:rPr lang="en-US" b="0" i="1" smtClean="0">
+                            <a:latin typeface="Cambria Math"/>
+                          </a:rPr>
+                          <m:t>𝑖𝑗</m:t>
+                        </m:r>
+                      </m:sub>
+                    </m:sSub>
+                    <m:r>
+                      <a:rPr lang="en-US" b="0" i="1" smtClean="0">
+                        <a:latin typeface="Cambria Math"/>
+                      </a:rPr>
+                      <m:t>=</m:t>
+                    </m:r>
+                  </m:oMath>
+                </a14:m>
+                <a:r>
+                  <a:rPr lang="en-US" dirty="0" smtClean="0"/>
+                  <a:t> how much customer </a:t>
+                </a:r>
+                <a14:m>
+                  <m:oMath xmlns:m="http://schemas.openxmlformats.org/officeDocument/2006/math">
+                    <m:r>
+                      <a:rPr lang="en-US" b="0" i="1" smtClean="0">
+                        <a:latin typeface="Cambria Math"/>
+                      </a:rPr>
+                      <m:t>𝑖</m:t>
+                    </m:r>
+                  </m:oMath>
+                </a14:m>
+                <a:r>
+                  <a:rPr lang="en-US" dirty="0" smtClean="0"/>
+                  <a:t> likes movie </a:t>
+                </a:r>
+                <a14:m>
+                  <m:oMath xmlns:m="http://schemas.openxmlformats.org/officeDocument/2006/math">
+                    <m:r>
+                      <a:rPr lang="en-US" i="1" dirty="0" smtClean="0">
+                        <a:latin typeface="Cambria Math"/>
+                      </a:rPr>
+                      <m:t>𝑗</m:t>
+                    </m:r>
+                  </m:oMath>
+                </a14:m>
+                <a:endParaRPr lang="en-US" dirty="0" smtClean="0"/>
+              </a:p>
+              <a:p>
+                <a:r>
+                  <a:rPr lang="en-US" dirty="0" smtClean="0"/>
+                  <a:t>Assumption: </a:t>
+                </a:r>
+                <a14:m>
+                  <m:oMath xmlns:m="http://schemas.openxmlformats.org/officeDocument/2006/math">
+                    <m:sSub>
+                      <m:sSubPr>
+                        <m:ctrlPr>
+                          <a:rPr lang="en-US" i="1">
+                            <a:latin typeface="Cambria Math"/>
+                          </a:rPr>
+                        </m:ctrlPr>
+                      </m:sSubPr>
+                      <m:e>
+                        <m:r>
+                          <a:rPr lang="en-US" i="1">
+                            <a:latin typeface="Cambria Math"/>
+                          </a:rPr>
+                          <m:t>𝐴</m:t>
+                        </m:r>
+                      </m:e>
+                      <m:sub>
+                        <m:r>
+                          <a:rPr lang="en-US" i="1">
+                            <a:latin typeface="Cambria Math"/>
+                          </a:rPr>
+                          <m:t>𝑖𝑗</m:t>
+                        </m:r>
+                      </m:sub>
+                    </m:sSub>
+                  </m:oMath>
+                </a14:m>
+                <a:r>
+                  <a:rPr lang="en-US" dirty="0" smtClean="0"/>
+                  <a:t> can be described with </a:t>
+                </a:r>
+                <a14:m>
+                  <m:oMath xmlns:m="http://schemas.openxmlformats.org/officeDocument/2006/math">
+                    <m:r>
+                      <a:rPr lang="en-US" b="0" i="1" smtClean="0">
+                        <a:solidFill>
+                          <a:srgbClr val="FF0000"/>
+                        </a:solidFill>
+                        <a:latin typeface="Cambria Math"/>
+                      </a:rPr>
+                      <m:t>𝑘</m:t>
+                    </m:r>
+                  </m:oMath>
+                </a14:m>
+                <a:r>
+                  <a:rPr lang="en-US" dirty="0" smtClean="0"/>
+                  <a:t> factors</a:t>
+                </a:r>
+              </a:p>
+              <a:p>
+                <a:pPr lvl="1"/>
+                <a:r>
+                  <a:rPr lang="en-US" dirty="0" smtClean="0"/>
+                  <a:t>Customers and movies: vectors in </a:t>
+                </a:r>
+                <a14:m>
+                  <m:oMath xmlns:m="http://schemas.openxmlformats.org/officeDocument/2006/math">
+                    <m:sSub>
+                      <m:sSubPr>
+                        <m:ctrlPr>
+                          <a:rPr lang="en-US" b="1" i="1" smtClean="0">
+                            <a:latin typeface="Cambria Math"/>
+                            <a:ea typeface="Cambria Math"/>
+                          </a:rPr>
+                        </m:ctrlPr>
+                      </m:sSubPr>
+                      <m:e>
+                        <m:r>
+                          <a:rPr lang="en-US" b="1" i="1" smtClean="0">
+                            <a:latin typeface="Cambria Math"/>
+                            <a:ea typeface="Cambria Math"/>
+                          </a:rPr>
+                          <m:t>𝒖</m:t>
+                        </m:r>
+                      </m:e>
+                      <m:sub>
+                        <m:r>
+                          <a:rPr lang="en-US" b="1" i="1" smtClean="0">
+                            <a:latin typeface="Cambria Math"/>
+                            <a:ea typeface="Cambria Math"/>
+                          </a:rPr>
+                          <m:t>𝒊</m:t>
+                        </m:r>
+                      </m:sub>
+                    </m:sSub>
+                  </m:oMath>
+                </a14:m>
+                <a:r>
+                  <a:rPr lang="en-US" b="1" i="0" dirty="0" smtClean="0">
+                    <a:latin typeface="+mj-lt"/>
+                    <a:ea typeface="Cambria Math"/>
+                  </a:rPr>
+                  <a:t> </a:t>
+                </a:r>
+                <a:r>
+                  <a:rPr lang="en-US" b="0" i="0" dirty="0" smtClean="0">
+                    <a:latin typeface="+mj-lt"/>
+                    <a:ea typeface="Cambria Math"/>
+                  </a:rPr>
+                  <a:t>and</a:t>
+                </a:r>
+                <a:r>
+                  <a:rPr lang="en-US" b="1" i="0" dirty="0" smtClean="0">
+                    <a:latin typeface="+mj-lt"/>
+                    <a:ea typeface="Cambria Math"/>
+                  </a:rPr>
+                  <a:t> </a:t>
+                </a:r>
+                <a14:m>
+                  <m:oMath xmlns:m="http://schemas.openxmlformats.org/officeDocument/2006/math">
+                    <m:sSub>
+                      <m:sSubPr>
+                        <m:ctrlPr>
+                          <a:rPr lang="en-US" b="1" i="1" dirty="0" smtClean="0">
+                            <a:latin typeface="Cambria Math"/>
+                            <a:ea typeface="Cambria Math"/>
+                          </a:rPr>
+                        </m:ctrlPr>
+                      </m:sSubPr>
+                      <m:e>
+                        <m:r>
+                          <a:rPr lang="en-US" b="1" i="1" dirty="0" smtClean="0">
+                            <a:latin typeface="Cambria Math"/>
+                            <a:ea typeface="Cambria Math"/>
+                          </a:rPr>
+                          <m:t>𝒗</m:t>
+                        </m:r>
+                      </m:e>
+                      <m:sub>
+                        <m:r>
+                          <a:rPr lang="en-US" b="1" i="1" dirty="0" smtClean="0">
+                            <a:latin typeface="Cambria Math"/>
+                            <a:ea typeface="Cambria Math"/>
+                          </a:rPr>
+                          <m:t>𝒊</m:t>
+                        </m:r>
+                      </m:sub>
+                    </m:sSub>
+                    <m:r>
+                      <a:rPr lang="en-US" b="0" i="1" smtClean="0">
+                        <a:latin typeface="Cambria Math"/>
+                        <a:ea typeface="Cambria Math"/>
+                      </a:rPr>
+                      <m:t>∈</m:t>
+                    </m:r>
+                    <m:sSup>
+                      <m:sSupPr>
+                        <m:ctrlPr>
+                          <a:rPr lang="en-US" b="0" i="1" smtClean="0">
+                            <a:latin typeface="Cambria Math"/>
+                            <a:ea typeface="Cambria Math"/>
+                          </a:rPr>
+                        </m:ctrlPr>
+                      </m:sSupPr>
+                      <m:e>
+                        <m:r>
+                          <a:rPr lang="en-US" b="0" i="1" smtClean="0">
+                            <a:latin typeface="Cambria Math"/>
+                            <a:ea typeface="Cambria Math"/>
+                          </a:rPr>
+                          <m:t>ℝ</m:t>
+                        </m:r>
+                      </m:e>
+                      <m:sup>
+                        <m:r>
+                          <a:rPr lang="en-US" i="1">
+                            <a:solidFill>
+                              <a:srgbClr val="FF0000"/>
+                            </a:solidFill>
+                            <a:latin typeface="Cambria Math"/>
+                          </a:rPr>
+                          <m:t>𝑘</m:t>
+                        </m:r>
+                      </m:sup>
+                    </m:sSup>
+                  </m:oMath>
+                </a14:m>
+                <a:endParaRPr lang="en-US" dirty="0" smtClean="0"/>
+              </a:p>
+              <a:p>
+                <a:pPr lvl="1"/>
+                <a14:m>
+                  <m:oMath xmlns:m="http://schemas.openxmlformats.org/officeDocument/2006/math">
+                    <m:sSub>
+                      <m:sSubPr>
+                        <m:ctrlPr>
+                          <a:rPr lang="en-US" i="1">
+                            <a:latin typeface="Cambria Math"/>
+                          </a:rPr>
+                        </m:ctrlPr>
+                      </m:sSubPr>
+                      <m:e>
+                        <m:r>
+                          <a:rPr lang="en-US" i="1">
+                            <a:latin typeface="Cambria Math"/>
+                          </a:rPr>
+                          <m:t>𝐴</m:t>
+                        </m:r>
+                      </m:e>
+                      <m:sub>
+                        <m:r>
+                          <a:rPr lang="en-US" i="1">
+                            <a:latin typeface="Cambria Math"/>
+                          </a:rPr>
+                          <m:t>𝑖𝑗</m:t>
+                        </m:r>
+                      </m:sub>
+                    </m:sSub>
+                    <m:r>
+                      <a:rPr lang="en-US" b="0" i="1" smtClean="0">
+                        <a:latin typeface="Cambria Math"/>
+                      </a:rPr>
+                      <m:t>=〈</m:t>
+                    </m:r>
+                    <m:sSub>
+                      <m:sSubPr>
+                        <m:ctrlPr>
+                          <a:rPr lang="en-US" b="1" i="1" smtClean="0">
+                            <a:latin typeface="Cambria Math"/>
+                          </a:rPr>
+                        </m:ctrlPr>
+                      </m:sSubPr>
+                      <m:e>
+                        <m:r>
+                          <a:rPr lang="en-US" b="1" i="1" smtClean="0">
+                            <a:latin typeface="Cambria Math"/>
+                          </a:rPr>
+                          <m:t>𝒖</m:t>
+                        </m:r>
+                      </m:e>
+                      <m:sub>
+                        <m:r>
+                          <a:rPr lang="en-US" b="1" i="1" smtClean="0">
+                            <a:latin typeface="Cambria Math"/>
+                          </a:rPr>
+                          <m:t>𝒊</m:t>
+                        </m:r>
+                      </m:sub>
+                    </m:sSub>
+                    <m:r>
+                      <a:rPr lang="en-US" b="0" i="1" smtClean="0">
+                        <a:latin typeface="Cambria Math"/>
+                      </a:rPr>
+                      <m:t>,</m:t>
+                    </m:r>
+                    <m:sSub>
+                      <m:sSubPr>
+                        <m:ctrlPr>
+                          <a:rPr lang="en-US" b="1" i="1" smtClean="0">
+                            <a:latin typeface="Cambria Math"/>
+                          </a:rPr>
+                        </m:ctrlPr>
+                      </m:sSubPr>
+                      <m:e>
+                        <m:r>
+                          <a:rPr lang="en-US" b="1" i="1" smtClean="0">
+                            <a:latin typeface="Cambria Math"/>
+                          </a:rPr>
+                          <m:t>𝒗</m:t>
+                        </m:r>
+                      </m:e>
+                      <m:sub>
+                        <m:r>
+                          <a:rPr lang="en-US" b="1" i="1" smtClean="0">
+                            <a:latin typeface="Cambria Math"/>
+                          </a:rPr>
+                          <m:t>𝒊</m:t>
+                        </m:r>
+                      </m:sub>
+                    </m:sSub>
+                    <m:r>
+                      <a:rPr lang="en-US" b="0" i="1" smtClean="0">
+                        <a:latin typeface="Cambria Math"/>
+                      </a:rPr>
+                      <m:t>〉</m:t>
+                    </m:r>
+                  </m:oMath>
+                </a14:m>
+                <a:endParaRPr lang="en-US" dirty="0" smtClean="0"/>
+              </a:p>
+              <a:p>
+                <a:r>
+                  <a:rPr lang="en-US" dirty="0" smtClean="0"/>
+                  <a:t>Solution: </a:t>
+                </a:r>
+                <a14:m>
+                  <m:oMath xmlns:m="http://schemas.openxmlformats.org/officeDocument/2006/math">
+                    <m:sSub>
+                      <m:sSubPr>
+                        <m:ctrlPr>
+                          <a:rPr lang="en-US" b="0" i="1" smtClean="0">
+                            <a:latin typeface="Cambria Math"/>
+                          </a:rPr>
+                        </m:ctrlPr>
+                      </m:sSubPr>
+                      <m:e>
+                        <m:r>
+                          <a:rPr lang="en-US" i="1">
+                            <a:latin typeface="Cambria Math"/>
+                          </a:rPr>
+                          <m:t>𝐴</m:t>
+                        </m:r>
+                      </m:e>
+                      <m:sub>
+                        <m:r>
+                          <a:rPr lang="en-US" b="0" i="1" smtClean="0">
+                            <a:solidFill>
+                              <a:srgbClr val="FF0000"/>
+                            </a:solidFill>
+                            <a:latin typeface="Cambria Math"/>
+                          </a:rPr>
+                          <m:t>𝑘</m:t>
+                        </m:r>
+                      </m:sub>
+                    </m:sSub>
+                  </m:oMath>
+                </a14:m>
+                <a:r>
+                  <a:rPr lang="en-US" dirty="0" smtClean="0"/>
+                  <a:t> </a:t>
+                </a:r>
+              </a:p>
+              <a:p>
+                <a:pPr marL="457200" lvl="1" indent="0">
+                  <a:buNone/>
+                </a:pPr>
+                <a:endParaRPr lang="en-US" dirty="0"/>
+              </a:p>
+            </p:txBody>
+          </p:sp>
+        </mc:Choice>
+        <mc:Fallback>
+          <p:sp>
+            <p:nvSpPr>
+              <p:cNvPr id="3" name="Content Placeholder 2"/>
+              <p:cNvSpPr>
+                <a:spLocks noGrp="1" noRot="1" noChangeAspect="1" noMove="1" noResize="1" noEditPoints="1" noAdjustHandles="1" noChangeArrowheads="1" noChangeShapeType="1" noTextEdit="1"/>
+              </p:cNvSpPr>
+              <p:nvPr>
+                <p:ph idx="1"/>
+              </p:nvPr>
+            </p:nvSpPr>
+            <p:spPr>
+              <a:xfrm>
+                <a:off x="304800" y="1447800"/>
+                <a:ext cx="8686800" cy="5257800"/>
+              </a:xfrm>
+              <a:blipFill rotWithShape="1">
+                <a:blip r:embed="rId3"/>
+                <a:stretch>
+                  <a:fillRect l="-1544" t="-1392"/>
+                </a:stretch>
+              </a:blipFill>
+            </p:spPr>
+            <p:txBody>
+              <a:bodyPr/>
+              <a:lstStyle/>
+              <a:p>
+                <a:r>
+                  <a:rPr lang="en-US">
+                    <a:noFill/>
+                  </a:rPr>
+                  <a:t> </a:t>
+                </a:r>
+              </a:p>
+            </p:txBody>
+          </p:sp>
+        </mc:Fallback>
+      </mc:AlternateContent>
+    </p:spTree>
+    <p:extLst>
+      <p:ext uri="{BB962C8B-B14F-4D97-AF65-F5344CB8AC3E}">
+        <p14:creationId xmlns:p14="http://schemas.microsoft.com/office/powerpoint/2010/main" val="2463511517"/>
+      </p:ext>
+    </p:extLst>
+  </p:cSld>
+  <p:clrMapOvr>
+    <a:masterClrMapping/>
+  </p:clrMapOvr>
+  <p:timing>
+    <p:tnLst>
+      <p:par>
+        <p:cTn id="1" dur="indefinite" restart="never" nodeType="tmRoot">
+          <p:childTnLst>
+            <p:seq concurrent="1" nextAc="seek">
+              <p:cTn id="2" dur="indefinite" nodeType="mainSeq">
+                <p:childTnLst>
+                  <p:par>
+                    <p:cTn id="3" fill="hold">
+                      <p:stCondLst>
+                        <p:cond delay="indefinite"/>
+                      </p:stCondLst>
+                      <p:childTnLst>
+                        <p:par>
+                          <p:cTn id="4" fill="hold">
+                            <p:stCondLst>
+                              <p:cond delay="0"/>
+                            </p:stCondLst>
+                            <p:childTnLst>
+                              <p:par>
+                                <p:cTn id="5" presetID="1" presetClass="entr" presetSubtype="0" fill="hold" grpId="0" nodeType="clickEffect">
+                                  <p:stCondLst>
+                                    <p:cond delay="0"/>
+                                  </p:stCondLst>
+                                  <p:childTnLst>
+                                    <p:set>
+                                      <p:cBhvr>
+                                        <p:cTn id="6" dur="1" fill="hold">
+                                          <p:stCondLst>
+                                            <p:cond delay="0"/>
+                                          </p:stCondLst>
+                                        </p:cTn>
+                                        <p:tgtEl>
+                                          <p:spTgt spid="3">
+                                            <p:txEl>
+                                              <p:pRg st="0" end="0"/>
+                                            </p:txEl>
+                                          </p:spTgt>
+                                        </p:tgtEl>
+                                        <p:attrNameLst>
+                                          <p:attrName>style.visibility</p:attrName>
+                                        </p:attrNameLst>
+                                      </p:cBhvr>
+                                      <p:to>
+                                        <p:strVal val="visible"/>
+                                      </p:to>
+                                    </p:set>
+                                  </p:childTnLst>
+                                </p:cTn>
+                              </p:par>
+                            </p:childTnLst>
+                          </p:cTn>
+                        </p:par>
+                      </p:childTnLst>
+                    </p:cTn>
+                  </p:par>
+                  <p:par>
+                    <p:cTn id="7" fill="hold">
+                      <p:stCondLst>
+                        <p:cond delay="indefinite"/>
+                      </p:stCondLst>
+                      <p:childTnLst>
+                        <p:par>
+                          <p:cTn id="8" fill="hold">
+                            <p:stCondLst>
+                              <p:cond delay="0"/>
+                            </p:stCondLst>
+                            <p:childTnLst>
+                              <p:par>
+                                <p:cTn id="9" presetID="1" presetClass="entr" presetSubtype="0" fill="hold" grpId="0" nodeType="clickEffect">
+                                  <p:stCondLst>
+                                    <p:cond delay="0"/>
+                                  </p:stCondLst>
+                                  <p:childTnLst>
+                                    <p:set>
+                                      <p:cBhvr>
+                                        <p:cTn id="10" dur="1" fill="hold">
+                                          <p:stCondLst>
+                                            <p:cond delay="0"/>
+                                          </p:stCondLst>
+                                        </p:cTn>
+                                        <p:tgtEl>
+                                          <p:spTgt spid="3">
+                                            <p:txEl>
+                                              <p:pRg st="1" end="1"/>
+                                            </p:txEl>
+                                          </p:spTgt>
+                                        </p:tgtEl>
+                                        <p:attrNameLst>
+                                          <p:attrName>style.visibility</p:attrName>
+                                        </p:attrNameLst>
+                                      </p:cBhvr>
+                                      <p:to>
+                                        <p:strVal val="visible"/>
+                                      </p:to>
+                                    </p:set>
+                                  </p:childTnLst>
+                                </p:cTn>
+                              </p:par>
+                            </p:childTnLst>
+                          </p:cTn>
+                        </p:par>
+                      </p:childTnLst>
+                    </p:cTn>
+                  </p:par>
+                  <p:par>
+                    <p:cTn id="11" fill="hold">
+                      <p:stCondLst>
+                        <p:cond delay="indefinite"/>
+                      </p:stCondLst>
+                      <p:childTnLst>
+                        <p:par>
+                          <p:cTn id="12" fill="hold">
+                            <p:stCondLst>
+                              <p:cond delay="0"/>
+                            </p:stCondLst>
+                            <p:childTnLst>
+                              <p:par>
+                                <p:cTn id="13" presetID="1" presetClass="entr" presetSubtype="0" fill="hold" grpId="0" nodeType="clickEffect">
+                                  <p:stCondLst>
+                                    <p:cond delay="0"/>
+                                  </p:stCondLst>
+                                  <p:childTnLst>
+                                    <p:set>
+                                      <p:cBhvr>
+                                        <p:cTn id="14" dur="1" fill="hold">
+                                          <p:stCondLst>
+                                            <p:cond delay="0"/>
+                                          </p:stCondLst>
+                                        </p:cTn>
+                                        <p:tgtEl>
+                                          <p:spTgt spid="3">
+                                            <p:txEl>
+                                              <p:pRg st="2" end="2"/>
+                                            </p:txEl>
+                                          </p:spTgt>
+                                        </p:tgtEl>
+                                        <p:attrNameLst>
+                                          <p:attrName>style.visibility</p:attrName>
+                                        </p:attrNameLst>
+                                      </p:cBhvr>
+                                      <p:to>
+                                        <p:strVal val="visible"/>
+                                      </p:to>
+                                    </p:set>
+                                  </p:childTnLst>
+                                </p:cTn>
+                              </p:par>
+                            </p:childTnLst>
+                          </p:cTn>
+                        </p:par>
+                      </p:childTnLst>
+                    </p:cTn>
+                  </p:par>
+                  <p:par>
+                    <p:cTn id="15" fill="hold">
+                      <p:stCondLst>
+                        <p:cond delay="indefinite"/>
+                      </p:stCondLst>
+                      <p:childTnLst>
+                        <p:par>
+                          <p:cTn id="16" fill="hold">
+                            <p:stCondLst>
+                              <p:cond delay="0"/>
+                            </p:stCondLst>
+                            <p:childTnLst>
+                              <p:par>
+                                <p:cTn id="17" presetID="1" presetClass="entr" presetSubtype="0" fill="hold" grpId="0" nodeType="clickEffect">
+                                  <p:stCondLst>
+                                    <p:cond delay="0"/>
+                                  </p:stCondLst>
+                                  <p:childTnLst>
+                                    <p:set>
+                                      <p:cBhvr>
+                                        <p:cTn id="18" dur="1" fill="hold">
+                                          <p:stCondLst>
+                                            <p:cond delay="0"/>
+                                          </p:stCondLst>
+                                        </p:cTn>
+                                        <p:tgtEl>
+                                          <p:spTgt spid="3">
+                                            <p:txEl>
+                                              <p:pRg st="3" end="3"/>
+                                            </p:txEl>
+                                          </p:spTgt>
+                                        </p:tgtEl>
+                                        <p:attrNameLst>
+                                          <p:attrName>style.visibility</p:attrName>
+                                        </p:attrNameLst>
+                                      </p:cBhvr>
+                                      <p:to>
+                                        <p:strVal val="visible"/>
+                                      </p:to>
+                                    </p:set>
+                                  </p:childTnLst>
+                                </p:cTn>
+                              </p:par>
+                              <p:par>
+                                <p:cTn id="19" presetID="1" presetClass="entr" presetSubtype="0" fill="hold" grpId="0" nodeType="withEffect">
+                                  <p:stCondLst>
+                                    <p:cond delay="0"/>
+                                  </p:stCondLst>
+                                  <p:childTnLst>
+                                    <p:set>
+                                      <p:cBhvr>
+                                        <p:cTn id="20" dur="1" fill="hold">
+                                          <p:stCondLst>
+                                            <p:cond delay="0"/>
+                                          </p:stCondLst>
+                                        </p:cTn>
+                                        <p:tgtEl>
+                                          <p:spTgt spid="3">
+                                            <p:txEl>
+                                              <p:pRg st="4" end="4"/>
+                                            </p:txEl>
+                                          </p:spTgt>
+                                        </p:tgtEl>
+                                        <p:attrNameLst>
+                                          <p:attrName>style.visibility</p:attrName>
+                                        </p:attrNameLst>
+                                      </p:cBhvr>
+                                      <p:to>
+                                        <p:strVal val="visible"/>
+                                      </p:to>
+                                    </p:set>
+                                  </p:childTnLst>
+                                </p:cTn>
+                              </p:par>
+                              <p:par>
+                                <p:cTn id="21" presetID="1" presetClass="entr" presetSubtype="0" fill="hold" grpId="0" nodeType="withEffect">
+                                  <p:stCondLst>
+                                    <p:cond delay="0"/>
+                                  </p:stCondLst>
+                                  <p:childTnLst>
+                                    <p:set>
+                                      <p:cBhvr>
+                                        <p:cTn id="22" dur="1" fill="hold">
+                                          <p:stCondLst>
+                                            <p:cond delay="0"/>
+                                          </p:stCondLst>
+                                        </p:cTn>
+                                        <p:tgtEl>
+                                          <p:spTgt spid="3">
+                                            <p:txEl>
+                                              <p:pRg st="5" end="5"/>
+                                            </p:txEl>
+                                          </p:spTgt>
+                                        </p:tgtEl>
+                                        <p:attrNameLst>
+                                          <p:attrName>style.visibility</p:attrName>
+                                        </p:attrNameLst>
+                                      </p:cBhvr>
+                                      <p:to>
+                                        <p:strVal val="visible"/>
+                                      </p:to>
+                                    </p:set>
+                                  </p:childTnLst>
+                                </p:cTn>
+                              </p:par>
+                            </p:childTnLst>
+                          </p:cTn>
+                        </p:par>
+                      </p:childTnLst>
+                    </p:cTn>
+                  </p:par>
+                  <p:par>
+                    <p:cTn id="23" fill="hold">
+                      <p:stCondLst>
+                        <p:cond delay="indefinite"/>
+                      </p:stCondLst>
+                      <p:childTnLst>
+                        <p:par>
+                          <p:cTn id="24" fill="hold">
+                            <p:stCondLst>
+                              <p:cond delay="0"/>
+                            </p:stCondLst>
+                            <p:childTnLst>
+                              <p:par>
+                                <p:cTn id="25" presetID="1" presetClass="entr" presetSubtype="0" fill="hold" grpId="0" nodeType="clickEffect">
+                                  <p:stCondLst>
+                                    <p:cond delay="0"/>
+                                  </p:stCondLst>
+                                  <p:childTnLst>
+                                    <p:set>
+                                      <p:cBhvr>
+                                        <p:cTn id="26" dur="1" fill="hold">
+                                          <p:stCondLst>
+                                            <p:cond delay="0"/>
+                                          </p:stCondLst>
+                                        </p:cTn>
+                                        <p:tgtEl>
+                                          <p:spTgt spid="3">
+                                            <p:txEl>
+                                              <p:pRg st="6" end="6"/>
+                                            </p:txEl>
+                                          </p:spTgt>
+                                        </p:tgtEl>
+                                        <p:attrNameLst>
+                                          <p:attrName>style.visibility</p:attrName>
+                                        </p:attrNameLst>
+                                      </p:cBhvr>
+                                      <p:to>
+                                        <p:strVal val="visible"/>
+                                      </p:to>
+                                    </p:set>
+                                  </p:childTnLst>
+                                </p:cTn>
+                              </p:par>
+                            </p:childTnLst>
+                          </p:cTn>
+                        </p:par>
+                      </p:childTnLst>
+                    </p:cTn>
+                  </p:par>
+                  <p:par>
+                    <p:cTn id="27" fill="hold">
+                      <p:stCondLst>
+                        <p:cond delay="indefinite"/>
+                      </p:stCondLst>
+                      <p:childTnLst>
+                        <p:par>
+                          <p:cTn id="28" fill="hold">
+                            <p:stCondLst>
+                              <p:cond delay="0"/>
+                            </p:stCondLst>
+                            <p:childTnLst>
+                              <p:par>
+                                <p:cTn id="29" presetID="1" presetClass="entr" presetSubtype="0" fill="hold" nodeType="clickEffect">
+                                  <p:stCondLst>
+                                    <p:cond delay="0"/>
+                                  </p:stCondLst>
+                                  <p:childTnLst>
+                                    <p:set>
+                                      <p:cBhvr>
+                                        <p:cTn id="30" dur="1" fill="hold">
+                                          <p:stCondLst>
+                                            <p:cond delay="0"/>
+                                          </p:stCondLst>
+                                        </p:cTn>
+                                        <p:tgtEl>
+                                          <p:spTgt spid="4"/>
+                                        </p:tgtEl>
+                                        <p:attrNameLst>
+                                          <p:attrName>style.visibility</p:attrName>
+                                        </p:attrNameLst>
+                                      </p:cBhvr>
+                                      <p:to>
+                                        <p:strVal val="visible"/>
+                                      </p:to>
+                                    </p:set>
+                                  </p:childTnLst>
+                                </p:cTn>
+                              </p:par>
+                            </p:childTnLst>
+                          </p:cTn>
+                        </p:par>
+                      </p:childTnLst>
+                    </p:cTn>
+                  </p:par>
+                </p:childTnLst>
+              </p:cTn>
+              <p:prevCondLst>
+                <p:cond evt="onPrev" delay="0">
+                  <p:tgtEl>
+                    <p:sldTgt/>
+                  </p:tgtEl>
+                </p:cond>
+              </p:prevCondLst>
+              <p:nextCondLst>
+                <p:cond evt="onNext" delay="0">
+                  <p:tgtEl>
+                    <p:sldTgt/>
+                  </p:tgtEl>
+                </p:cond>
+              </p:nextCondLst>
+            </p:seq>
+          </p:childTnLst>
+        </p:cTn>
+      </p:par>
+    </p:tnLst>
+    <p:bldLst>
+      <p:bldP spid="3" grpId="0" build="p"/>
+    </p:bldLst>
+  </p:timing>
+</p:sld>
+</file>
+
+<file path=ppt/slides/slide25.xml><?xml version="1.0" encoding="utf-8"?>
+<p:sld xmlns:a="http://schemas.openxmlformats.org/drawingml/2006/main" xmlns:r="http://schemas.openxmlformats.org/officeDocument/2006/relationships" xmlns:p="http://schemas.openxmlformats.org/presentationml/2006/main">
+  <p:cSld>
+    <p:spTree>
+      <p:nvGrpSpPr>
+        <p:cNvPr id="1" name=""/>
+        <p:cNvGrpSpPr/>
+        <p:nvPr/>
+      </p:nvGrpSpPr>
+      <p:grpSpPr>
+        <a:xfrm>
+          <a:off x="0" y="0"/>
+          <a:ext cx="0" cy="0"/>
+          <a:chOff x="0" y="0"/>
+          <a:chExt cx="0" cy="0"/>
+        </a:xfrm>
+      </p:grpSpPr>
+      <mc:AlternateContent xmlns:mc="http://schemas.openxmlformats.org/markup-compatibility/2006">
+        <mc:Choice xmlns:a14="http://schemas.microsoft.com/office/drawing/2010/main" Requires="a14">
+          <p:sp>
+            <p:nvSpPr>
+              <p:cNvPr id="2" name="Title 1"/>
+              <p:cNvSpPr>
+                <a:spLocks noGrp="1"/>
+              </p:cNvSpPr>
+              <p:nvPr>
+                <p:ph type="title"/>
+              </p:nvPr>
+            </p:nvSpPr>
+            <p:spPr>
+              <a:xfrm>
+                <a:off x="152400" y="274638"/>
+                <a:ext cx="8839200" cy="1143000"/>
+              </a:xfrm>
+            </p:spPr>
+            <p:txBody>
+              <a:bodyPr>
+                <a:normAutofit/>
+              </a:bodyPr>
+              <a:lstStyle/>
+              <a:p>
+                <a:r>
+                  <a:rPr lang="en-US" dirty="0" smtClean="0">
+                    <a:solidFill>
+                      <a:srgbClr val="0070C0"/>
+                    </a:solidFill>
+                  </a:rPr>
+                  <a:t>Separating mixture of </a:t>
+                </a:r>
+                <a14:m>
+                  <m:oMath xmlns:m="http://schemas.openxmlformats.org/officeDocument/2006/math">
+                    <m:r>
+                      <a:rPr lang="en-US" b="0" i="1" smtClean="0">
+                        <a:solidFill>
+                          <a:srgbClr val="0070C0"/>
+                        </a:solidFill>
+                        <a:latin typeface="Cambria Math"/>
+                      </a:rPr>
+                      <m:t>𝑘</m:t>
+                    </m:r>
+                  </m:oMath>
+                </a14:m>
+                <a:r>
+                  <a:rPr lang="en-US" dirty="0" smtClean="0">
+                    <a:solidFill>
+                      <a:srgbClr val="0070C0"/>
+                    </a:solidFill>
+                  </a:rPr>
+                  <a:t> Gaussians</a:t>
+                </a:r>
+                <a:endParaRPr lang="en-US" dirty="0"/>
+              </a:p>
+            </p:txBody>
+          </p:sp>
+        </mc:Choice>
+        <mc:Fallback>
+          <p:sp>
+            <p:nvSpPr>
+              <p:cNvPr id="2" name="Title 1"/>
+              <p:cNvSpPr>
+                <a:spLocks noGrp="1" noRot="1" noChangeAspect="1" noMove="1" noResize="1" noEditPoints="1" noAdjustHandles="1" noChangeArrowheads="1" noChangeShapeType="1" noTextEdit="1"/>
+              </p:cNvSpPr>
+              <p:nvPr>
+                <p:ph type="title"/>
+              </p:nvPr>
+            </p:nvSpPr>
+            <p:spPr>
+              <a:xfrm>
+                <a:off x="152400" y="274638"/>
+                <a:ext cx="8839200" cy="1143000"/>
+              </a:xfrm>
+              <a:blipFill rotWithShape="1">
+                <a:blip r:embed="rId2"/>
+                <a:stretch>
+                  <a:fillRect b="-8511"/>
+                </a:stretch>
+              </a:blipFill>
+            </p:spPr>
+            <p:txBody>
+              <a:bodyPr/>
+              <a:lstStyle/>
+              <a:p>
+                <a:r>
+                  <a:rPr lang="en-US">
+                    <a:noFill/>
+                  </a:rPr>
+                  <a:t> </a:t>
+                </a:r>
+              </a:p>
+            </p:txBody>
+          </p:sp>
+        </mc:Fallback>
+      </mc:AlternateContent>
+      <mc:AlternateContent xmlns:mc="http://schemas.openxmlformats.org/markup-compatibility/2006">
+        <mc:Choice xmlns:a14="http://schemas.microsoft.com/office/drawing/2010/main" Requires="a14">
+          <p:sp>
+            <p:nvSpPr>
+              <p:cNvPr id="3" name="Content Placeholder 2"/>
+              <p:cNvSpPr>
+                <a:spLocks noGrp="1"/>
+              </p:cNvSpPr>
+              <p:nvPr>
+                <p:ph idx="1"/>
+              </p:nvPr>
+            </p:nvSpPr>
+            <p:spPr>
+              <a:xfrm>
+                <a:off x="304800" y="1447800"/>
+                <a:ext cx="8839200" cy="5410200"/>
+              </a:xfrm>
+            </p:spPr>
+            <p:txBody>
+              <a:bodyPr>
+                <a:normAutofit fontScale="92500" lnSpcReduction="10000"/>
+              </a:bodyPr>
+              <a:lstStyle/>
+              <a:p>
+                <a:r>
+                  <a:rPr lang="en-US" b="1" dirty="0"/>
+                  <a:t>Sample origin problem</a:t>
+                </a:r>
+                <a:r>
+                  <a:rPr lang="en-US" dirty="0"/>
+                  <a:t>: </a:t>
+                </a:r>
+              </a:p>
+              <a:p>
+                <a:pPr lvl="1"/>
+                <a:r>
+                  <a:rPr lang="en-US" dirty="0"/>
+                  <a:t>G</a:t>
+                </a:r>
+                <a:r>
+                  <a:rPr lang="en-US" dirty="0"/>
+                  <a:t>iven samples from </a:t>
+                </a:r>
+                <a14:m>
+                  <m:oMath xmlns:m="http://schemas.openxmlformats.org/officeDocument/2006/math">
+                    <m:r>
+                      <a:rPr lang="en-US" b="1" i="1" smtClean="0">
+                        <a:solidFill>
+                          <a:srgbClr val="00B050"/>
+                        </a:solidFill>
+                        <a:latin typeface="Cambria Math"/>
+                      </a:rPr>
+                      <m:t>𝒌</m:t>
+                    </m:r>
+                    <m:r>
+                      <a:rPr lang="en-US" i="1">
+                        <a:latin typeface="Cambria Math"/>
+                      </a:rPr>
+                      <m:t> </m:t>
+                    </m:r>
+                  </m:oMath>
+                </a14:m>
+                <a:r>
+                  <a:rPr lang="en-US" b="1" dirty="0"/>
+                  <a:t>well-separated</a:t>
+                </a:r>
+                <a:r>
+                  <a:rPr lang="en-US" dirty="0"/>
+                  <a:t> </a:t>
+                </a:r>
+                <a:r>
+                  <a:rPr lang="en-US" dirty="0" smtClean="0"/>
+                  <a:t> spherical Gaussians </a:t>
+                </a:r>
+                <a:endParaRPr lang="en-US" dirty="0"/>
+              </a:p>
+              <a:p>
+                <a:pPr lvl="1"/>
+                <a:r>
+                  <a:rPr lang="en-US" b="1" dirty="0"/>
+                  <a:t>Q</a:t>
+                </a:r>
+                <a:r>
+                  <a:rPr lang="en-US" dirty="0"/>
+                  <a:t>: Did they come from the same Gaussian?</a:t>
+                </a:r>
+              </a:p>
+              <a:p>
+                <a14:m>
+                  <m:oMath xmlns:m="http://schemas.openxmlformats.org/officeDocument/2006/math">
+                    <m:r>
+                      <a:rPr lang="en-US" i="1" dirty="0">
+                        <a:solidFill>
+                          <a:srgbClr val="FF0000"/>
+                        </a:solidFill>
+                        <a:latin typeface="Cambria Math"/>
+                      </a:rPr>
+                      <m:t>𝛿</m:t>
+                    </m:r>
+                  </m:oMath>
+                </a14:m>
+                <a:r>
+                  <a:rPr lang="en-US" dirty="0" smtClean="0"/>
+                  <a:t> = distance between centers</a:t>
+                </a:r>
+              </a:p>
+              <a:p>
+                <a:r>
+                  <a:rPr lang="en-US" dirty="0" smtClean="0"/>
+                  <a:t>For two Gaussians naïve separation requires</a:t>
+                </a:r>
+              </a:p>
+              <a:p>
+                <a:pPr marL="0" indent="0">
+                  <a:buNone/>
+                </a:pPr>
+                <a14:m>
+                  <m:oMathPara xmlns:m="http://schemas.openxmlformats.org/officeDocument/2006/math">
+                    <m:oMathParaPr>
+                      <m:jc m:val="centerGroup"/>
+                    </m:oMathParaPr>
+                    <m:oMath xmlns:m="http://schemas.openxmlformats.org/officeDocument/2006/math">
+                      <m:r>
+                        <a:rPr lang="en-US" i="1" dirty="0">
+                          <a:solidFill>
+                            <a:srgbClr val="FF0000"/>
+                          </a:solidFill>
+                          <a:latin typeface="Cambria Math"/>
+                        </a:rPr>
+                        <m:t>𝛿</m:t>
+                      </m:r>
+                      <m:r>
+                        <a:rPr lang="en-US" b="0" i="1" dirty="0" smtClean="0">
+                          <a:solidFill>
+                            <a:srgbClr val="FF0000"/>
+                          </a:solidFill>
+                          <a:latin typeface="Cambria Math"/>
+                        </a:rPr>
+                        <m:t>&gt;</m:t>
+                      </m:r>
+                      <m:r>
+                        <a:rPr lang="en-US" i="1">
+                          <a:latin typeface="Cambria Math"/>
+                        </a:rPr>
+                        <m:t>𝜔</m:t>
+                      </m:r>
+                      <m:d>
+                        <m:dPr>
+                          <m:ctrlPr>
+                            <a:rPr lang="en-US" i="1">
+                              <a:latin typeface="Cambria Math"/>
+                            </a:rPr>
+                          </m:ctrlPr>
+                        </m:dPr>
+                        <m:e>
+                          <m:sSup>
+                            <m:sSupPr>
+                              <m:ctrlPr>
+                                <a:rPr lang="en-US" b="1" i="1">
+                                  <a:solidFill>
+                                    <a:srgbClr val="0070C0"/>
+                                  </a:solidFill>
+                                  <a:latin typeface="Cambria Math"/>
+                                </a:rPr>
+                              </m:ctrlPr>
+                            </m:sSupPr>
+                            <m:e>
+                              <m:r>
+                                <a:rPr lang="en-US" b="1" i="1">
+                                  <a:solidFill>
+                                    <a:srgbClr val="0070C0"/>
+                                  </a:solidFill>
+                                  <a:latin typeface="Cambria Math"/>
+                                </a:rPr>
+                                <m:t>𝒅</m:t>
+                              </m:r>
+                            </m:e>
+                            <m:sup>
+                              <m:r>
+                                <a:rPr lang="en-US" b="1" i="1">
+                                  <a:solidFill>
+                                    <a:srgbClr val="0070C0"/>
+                                  </a:solidFill>
+                                  <a:latin typeface="Cambria Math"/>
+                                </a:rPr>
+                                <m:t>𝟏</m:t>
+                              </m:r>
+                              <m:r>
+                                <a:rPr lang="en-US" b="1" i="1">
+                                  <a:solidFill>
+                                    <a:srgbClr val="0070C0"/>
+                                  </a:solidFill>
+                                  <a:latin typeface="Cambria Math"/>
+                                </a:rPr>
+                                <m:t>/</m:t>
+                              </m:r>
+                              <m:r>
+                                <a:rPr lang="en-US" b="1" i="1">
+                                  <a:solidFill>
+                                    <a:srgbClr val="0070C0"/>
+                                  </a:solidFill>
+                                  <a:latin typeface="Cambria Math"/>
+                                </a:rPr>
+                                <m:t>𝟒</m:t>
+                              </m:r>
+                            </m:sup>
+                          </m:sSup>
+                        </m:e>
+                      </m:d>
+                    </m:oMath>
+                  </m:oMathPara>
+                </a14:m>
+                <a:endParaRPr lang="en-US" b="1" dirty="0" smtClean="0"/>
+              </a:p>
+              <a:p>
+                <a:r>
+                  <a:rPr lang="en-US" b="1" dirty="0" err="1" smtClean="0"/>
+                  <a:t>Thm</a:t>
+                </a:r>
+                <a:r>
+                  <a:rPr lang="en-US" b="1" dirty="0" smtClean="0"/>
+                  <a:t>. </a:t>
+                </a:r>
+                <a14:m>
+                  <m:oMath xmlns:m="http://schemas.openxmlformats.org/officeDocument/2006/math">
+                    <m:sSup>
+                      <m:sSupPr>
+                        <m:ctrlPr>
+                          <a:rPr lang="en-US" i="1">
+                            <a:solidFill>
+                              <a:srgbClr val="0070C0"/>
+                            </a:solidFill>
+                            <a:latin typeface="Cambria Math"/>
+                          </a:rPr>
+                        </m:ctrlPr>
+                      </m:sSupPr>
+                      <m:e>
+                        <m:r>
+                          <a:rPr lang="en-US" b="0" i="1" dirty="0">
+                            <a:solidFill>
+                              <a:srgbClr val="FF0000"/>
+                            </a:solidFill>
+                            <a:latin typeface="Cambria Math"/>
+                          </a:rPr>
+                          <m:t>𝛿</m:t>
+                        </m:r>
+                        <m:r>
+                          <a:rPr lang="en-US" b="0" i="1" dirty="0" smtClean="0">
+                            <a:solidFill>
+                              <a:schemeClr val="tx1"/>
+                            </a:solidFill>
+                            <a:latin typeface="Cambria Math"/>
+                          </a:rPr>
+                          <m:t>=</m:t>
+                        </m:r>
+                        <m:r>
+                          <m:rPr>
+                            <m:sty m:val="p"/>
+                          </m:rPr>
+                          <a:rPr lang="en-US" b="0" i="0" dirty="0" smtClean="0">
+                            <a:solidFill>
+                              <a:schemeClr val="tx1"/>
+                            </a:solidFill>
+                            <a:latin typeface="Cambria Math"/>
+                          </a:rPr>
+                          <m:t>Ω</m:t>
+                        </m:r>
+                        <m:r>
+                          <a:rPr lang="en-US" b="0" i="0" dirty="0" smtClean="0">
+                            <a:solidFill>
+                              <a:schemeClr val="tx1"/>
+                            </a:solidFill>
+                            <a:latin typeface="Cambria Math"/>
+                          </a:rPr>
+                          <m:t>(</m:t>
+                        </m:r>
+                        <m:r>
+                          <a:rPr lang="en-US" b="1" i="1" smtClean="0">
+                            <a:solidFill>
+                              <a:srgbClr val="00B050"/>
+                            </a:solidFill>
+                            <a:latin typeface="Cambria Math"/>
+                          </a:rPr>
+                          <m:t>𝒌</m:t>
+                        </m:r>
+                      </m:e>
+                      <m:sup>
+                        <m:f>
+                          <m:fPr>
+                            <m:ctrlPr>
+                              <a:rPr lang="en-US" b="0" i="1" smtClean="0">
+                                <a:solidFill>
+                                  <a:schemeClr val="tx1"/>
+                                </a:solidFill>
+                                <a:latin typeface="Cambria Math"/>
+                              </a:rPr>
+                            </m:ctrlPr>
+                          </m:fPr>
+                          <m:num>
+                            <m:r>
+                              <a:rPr lang="en-US" b="0" i="1" smtClean="0">
+                                <a:solidFill>
+                                  <a:schemeClr val="tx1"/>
+                                </a:solidFill>
+                                <a:latin typeface="Cambria Math"/>
+                              </a:rPr>
+                              <m:t>1</m:t>
+                            </m:r>
+                          </m:num>
+                          <m:den>
+                            <m:r>
+                              <a:rPr lang="en-US" b="0" i="1" smtClean="0">
+                                <a:solidFill>
+                                  <a:schemeClr val="tx1"/>
+                                </a:solidFill>
+                                <a:latin typeface="Cambria Math"/>
+                              </a:rPr>
+                              <m:t>4</m:t>
+                            </m:r>
+                          </m:den>
+                        </m:f>
+                      </m:sup>
+                    </m:sSup>
+                    <m:r>
+                      <a:rPr lang="en-US" b="1" i="1" smtClean="0">
+                        <a:solidFill>
+                          <a:schemeClr val="tx1"/>
+                        </a:solidFill>
+                        <a:latin typeface="Cambria Math"/>
+                      </a:rPr>
+                      <m:t>) </m:t>
+                    </m:r>
+                  </m:oMath>
+                </a14:m>
+                <a:r>
+                  <a:rPr lang="en-US" dirty="0" smtClean="0"/>
+                  <a:t> suffices</a:t>
+                </a:r>
+              </a:p>
+              <a:p>
+                <a:r>
+                  <a:rPr lang="en-US" b="1" dirty="0" smtClean="0"/>
+                  <a:t>Idea: </a:t>
+                </a:r>
+              </a:p>
+              <a:p>
+                <a:pPr lvl="1"/>
+                <a:r>
+                  <a:rPr lang="en-US" dirty="0" smtClean="0"/>
+                  <a:t>Project on a </a:t>
+                </a:r>
+                <a14:m>
+                  <m:oMath xmlns:m="http://schemas.openxmlformats.org/officeDocument/2006/math">
+                    <m:r>
+                      <a:rPr lang="en-US" b="1" i="1" smtClean="0">
+                        <a:solidFill>
+                          <a:srgbClr val="00B050"/>
+                        </a:solidFill>
+                        <a:latin typeface="Cambria Math"/>
+                      </a:rPr>
+                      <m:t>𝒌</m:t>
+                    </m:r>
+                  </m:oMath>
+                </a14:m>
+                <a:r>
+                  <a:rPr lang="en-US" dirty="0" smtClean="0"/>
+                  <a:t>-dimensional subspace through centers </a:t>
+                </a:r>
+                <a:endParaRPr lang="en-US" dirty="0"/>
+              </a:p>
+              <a:p>
+                <a:pPr lvl="1"/>
+                <a:r>
+                  <a:rPr lang="en-US" b="1" dirty="0" smtClean="0"/>
+                  <a:t>Key fact:</a:t>
+                </a:r>
+                <a:r>
+                  <a:rPr lang="en-US" dirty="0" smtClean="0"/>
+                  <a:t> This subspace can be found via SVD</a:t>
+                </a:r>
+              </a:p>
+              <a:p>
+                <a:pPr lvl="1"/>
+                <a:r>
+                  <a:rPr lang="en-US" dirty="0" smtClean="0"/>
+                  <a:t>Apply naïve algorithm</a:t>
+                </a:r>
+                <a:endParaRPr lang="en-US" dirty="0"/>
+              </a:p>
+            </p:txBody>
+          </p:sp>
+        </mc:Choice>
+        <mc:Fallback>
+          <p:sp>
+            <p:nvSpPr>
+              <p:cNvPr id="3" name="Content Placeholder 2"/>
+              <p:cNvSpPr>
+                <a:spLocks noGrp="1" noRot="1" noChangeAspect="1" noMove="1" noResize="1" noEditPoints="1" noAdjustHandles="1" noChangeArrowheads="1" noChangeShapeType="1" noTextEdit="1"/>
+              </p:cNvSpPr>
+              <p:nvPr>
+                <p:ph idx="1"/>
+              </p:nvPr>
+            </p:nvSpPr>
+            <p:spPr>
+              <a:xfrm>
+                <a:off x="304800" y="1447800"/>
+                <a:ext cx="8839200" cy="5410200"/>
+              </a:xfrm>
+              <a:blipFill rotWithShape="1">
+                <a:blip r:embed="rId3"/>
+                <a:stretch>
+                  <a:fillRect l="-1379" t="-2255" r="-828" b="-2593"/>
+                </a:stretch>
+              </a:blipFill>
+            </p:spPr>
+            <p:txBody>
+              <a:bodyPr/>
+              <a:lstStyle/>
+              <a:p>
+                <a:r>
+                  <a:rPr lang="en-US">
+                    <a:noFill/>
+                  </a:rPr>
+                  <a:t> </a:t>
+                </a:r>
+              </a:p>
+            </p:txBody>
+          </p:sp>
+        </mc:Fallback>
+      </mc:AlternateContent>
+    </p:spTree>
+    <p:extLst>
+      <p:ext uri="{BB962C8B-B14F-4D97-AF65-F5344CB8AC3E}">
+        <p14:creationId xmlns:p14="http://schemas.microsoft.com/office/powerpoint/2010/main" val="3171548127"/>
+      </p:ext>
+    </p:extLst>
+  </p:cSld>
+  <p:clrMapOvr>
+    <a:masterClrMapping/>
+  </p:clrMapOvr>
+  <p:timing>
+    <p:tnLst>
+      <p:par>
+        <p:cTn id="1" dur="indefinite" restart="never" nodeType="tmRoot">
+          <p:childTnLst>
+            <p:seq concurrent="1" nextAc="seek">
+              <p:cTn id="2" dur="indefinite" nodeType="mainSeq">
+                <p:childTnLst>
+                  <p:par>
+                    <p:cTn id="3" fill="hold">
+                      <p:stCondLst>
+                        <p:cond delay="indefinite"/>
+                      </p:stCondLst>
+                      <p:childTnLst>
+                        <p:par>
+                          <p:cTn id="4" fill="hold">
+                            <p:stCondLst>
+                              <p:cond delay="0"/>
+                            </p:stCondLst>
+                            <p:childTnLst>
+                              <p:par>
+                                <p:cTn id="5" presetID="1" presetClass="entr" presetSubtype="0" fill="hold" grpId="0" nodeType="clickEffect">
+                                  <p:stCondLst>
+                                    <p:cond delay="0"/>
+                                  </p:stCondLst>
+                                  <p:childTnLst>
+                                    <p:set>
+                                      <p:cBhvr>
+                                        <p:cTn id="6" dur="1" fill="hold">
+                                          <p:stCondLst>
+                                            <p:cond delay="0"/>
+                                          </p:stCondLst>
+                                        </p:cTn>
+                                        <p:tgtEl>
+                                          <p:spTgt spid="3">
+                                            <p:txEl>
+                                              <p:pRg st="0" end="0"/>
+                                            </p:txEl>
+                                          </p:spTgt>
+                                        </p:tgtEl>
+                                        <p:attrNameLst>
+                                          <p:attrName>style.visibility</p:attrName>
+                                        </p:attrNameLst>
+                                      </p:cBhvr>
+                                      <p:to>
+                                        <p:strVal val="visible"/>
+                                      </p:to>
+                                    </p:set>
+                                  </p:childTnLst>
+                                </p:cTn>
+                              </p:par>
+                              <p:par>
+                                <p:cTn id="7" presetID="1" presetClass="entr" presetSubtype="0" fill="hold" grpId="0" nodeType="withEffect">
+                                  <p:stCondLst>
+                                    <p:cond delay="0"/>
+                                  </p:stCondLst>
+                                  <p:childTnLst>
+                                    <p:set>
+                                      <p:cBhvr>
+                                        <p:cTn id="8" dur="1" fill="hold">
+                                          <p:stCondLst>
+                                            <p:cond delay="0"/>
+                                          </p:stCondLst>
+                                        </p:cTn>
+                                        <p:tgtEl>
+                                          <p:spTgt spid="3">
+                                            <p:txEl>
+                                              <p:pRg st="1" end="1"/>
+                                            </p:txEl>
+                                          </p:spTgt>
+                                        </p:tgtEl>
+                                        <p:attrNameLst>
+                                          <p:attrName>style.visibility</p:attrName>
+                                        </p:attrNameLst>
+                                      </p:cBhvr>
+                                      <p:to>
+                                        <p:strVal val="visible"/>
+                                      </p:to>
+                                    </p:set>
+                                  </p:childTnLst>
+                                </p:cTn>
+                              </p:par>
+                              <p:par>
+                                <p:cTn id="9" presetID="1" presetClass="entr" presetSubtype="0" fill="hold" grpId="0" nodeType="withEffect">
+                                  <p:stCondLst>
+                                    <p:cond delay="0"/>
+                                  </p:stCondLst>
+                                  <p:childTnLst>
+                                    <p:set>
+                                      <p:cBhvr>
+                                        <p:cTn id="10" dur="1" fill="hold">
+                                          <p:stCondLst>
+                                            <p:cond delay="0"/>
+                                          </p:stCondLst>
+                                        </p:cTn>
+                                        <p:tgtEl>
+                                          <p:spTgt spid="3">
+                                            <p:txEl>
+                                              <p:pRg st="2" end="2"/>
+                                            </p:txEl>
+                                          </p:spTgt>
+                                        </p:tgtEl>
+                                        <p:attrNameLst>
+                                          <p:attrName>style.visibility</p:attrName>
+                                        </p:attrNameLst>
+                                      </p:cBhvr>
+                                      <p:to>
+                                        <p:strVal val="visible"/>
+                                      </p:to>
+                                    </p:set>
+                                  </p:childTnLst>
+                                </p:cTn>
+                              </p:par>
+                            </p:childTnLst>
+                          </p:cTn>
+                        </p:par>
+                      </p:childTnLst>
+                    </p:cTn>
+                  </p:par>
+                  <p:par>
+                    <p:cTn id="11" fill="hold">
+                      <p:stCondLst>
+                        <p:cond delay="indefinite"/>
+                      </p:stCondLst>
+                      <p:childTnLst>
+                        <p:par>
+                          <p:cTn id="12" fill="hold">
+                            <p:stCondLst>
+                              <p:cond delay="0"/>
+                            </p:stCondLst>
+                            <p:childTnLst>
+                              <p:par>
+                                <p:cTn id="13" presetID="1" presetClass="entr" presetSubtype="0" fill="hold" grpId="0" nodeType="clickEffect">
+                                  <p:stCondLst>
+                                    <p:cond delay="0"/>
+                                  </p:stCondLst>
+                                  <p:childTnLst>
+                                    <p:set>
+                                      <p:cBhvr>
+                                        <p:cTn id="14" dur="1" fill="hold">
+                                          <p:stCondLst>
+                                            <p:cond delay="0"/>
+                                          </p:stCondLst>
+                                        </p:cTn>
+                                        <p:tgtEl>
+                                          <p:spTgt spid="3">
+                                            <p:txEl>
+                                              <p:pRg st="3" end="3"/>
+                                            </p:txEl>
+                                          </p:spTgt>
+                                        </p:tgtEl>
+                                        <p:attrNameLst>
+                                          <p:attrName>style.visibility</p:attrName>
+                                        </p:attrNameLst>
+                                      </p:cBhvr>
+                                      <p:to>
+                                        <p:strVal val="visible"/>
+                                      </p:to>
+                                    </p:set>
+                                  </p:childTnLst>
+                                </p:cTn>
+                              </p:par>
+                            </p:childTnLst>
+                          </p:cTn>
+                        </p:par>
+                      </p:childTnLst>
+                    </p:cTn>
+                  </p:par>
+                  <p:par>
+                    <p:cTn id="15" fill="hold">
+                      <p:stCondLst>
+                        <p:cond delay="indefinite"/>
+                      </p:stCondLst>
+                      <p:childTnLst>
+                        <p:par>
+                          <p:cTn id="16" fill="hold">
+                            <p:stCondLst>
+                              <p:cond delay="0"/>
+                            </p:stCondLst>
+                            <p:childTnLst>
+                              <p:par>
+                                <p:cTn id="17" presetID="1" presetClass="entr" presetSubtype="0" fill="hold" grpId="0" nodeType="clickEffect">
+                                  <p:stCondLst>
+                                    <p:cond delay="0"/>
+                                  </p:stCondLst>
+                                  <p:childTnLst>
+                                    <p:set>
+                                      <p:cBhvr>
+                                        <p:cTn id="18" dur="1" fill="hold">
+                                          <p:stCondLst>
+                                            <p:cond delay="0"/>
+                                          </p:stCondLst>
+                                        </p:cTn>
+                                        <p:tgtEl>
+                                          <p:spTgt spid="3">
+                                            <p:txEl>
+                                              <p:pRg st="4" end="4"/>
+                                            </p:txEl>
+                                          </p:spTgt>
+                                        </p:tgtEl>
+                                        <p:attrNameLst>
+                                          <p:attrName>style.visibility</p:attrName>
+                                        </p:attrNameLst>
+                                      </p:cBhvr>
+                                      <p:to>
+                                        <p:strVal val="visible"/>
+                                      </p:to>
+                                    </p:set>
+                                  </p:childTnLst>
+                                </p:cTn>
+                              </p:par>
+                            </p:childTnLst>
+                          </p:cTn>
+                        </p:par>
+                      </p:childTnLst>
+                    </p:cTn>
+                  </p:par>
+                  <p:par>
+                    <p:cTn id="19" fill="hold">
+                      <p:stCondLst>
+                        <p:cond delay="indefinite"/>
+                      </p:stCondLst>
+                      <p:childTnLst>
+                        <p:par>
+                          <p:cTn id="20" fill="hold">
+                            <p:stCondLst>
+                              <p:cond delay="0"/>
+                            </p:stCondLst>
+                            <p:childTnLst>
+                              <p:par>
+                                <p:cTn id="21" presetID="1" presetClass="entr" presetSubtype="0" fill="hold" grpId="0" nodeType="clickEffect">
+                                  <p:stCondLst>
+                                    <p:cond delay="0"/>
+                                  </p:stCondLst>
+                                  <p:childTnLst>
+                                    <p:set>
+                                      <p:cBhvr>
+                                        <p:cTn id="22" dur="1" fill="hold">
+                                          <p:stCondLst>
+                                            <p:cond delay="0"/>
+                                          </p:stCondLst>
+                                        </p:cTn>
+                                        <p:tgtEl>
+                                          <p:spTgt spid="3">
+                                            <p:txEl>
+                                              <p:pRg st="5" end="5"/>
+                                            </p:txEl>
+                                          </p:spTgt>
+                                        </p:tgtEl>
+                                        <p:attrNameLst>
+                                          <p:attrName>style.visibility</p:attrName>
+                                        </p:attrNameLst>
+                                      </p:cBhvr>
+                                      <p:to>
+                                        <p:strVal val="visible"/>
+                                      </p:to>
+                                    </p:set>
+                                  </p:childTnLst>
+                                </p:cTn>
+                              </p:par>
+                            </p:childTnLst>
+                          </p:cTn>
+                        </p:par>
+                      </p:childTnLst>
+                    </p:cTn>
+                  </p:par>
+                  <p:par>
+                    <p:cTn id="23" fill="hold">
+                      <p:stCondLst>
+                        <p:cond delay="indefinite"/>
+                      </p:stCondLst>
+                      <p:childTnLst>
+                        <p:par>
+                          <p:cTn id="24" fill="hold">
+                            <p:stCondLst>
+                              <p:cond delay="0"/>
+                            </p:stCondLst>
+                            <p:childTnLst>
+                              <p:par>
+                                <p:cTn id="25" presetID="1" presetClass="entr" presetSubtype="0" fill="hold" grpId="0" nodeType="clickEffect">
+                                  <p:stCondLst>
+                                    <p:cond delay="0"/>
+                                  </p:stCondLst>
+                                  <p:childTnLst>
+                                    <p:set>
+                                      <p:cBhvr>
+                                        <p:cTn id="26" dur="1" fill="hold">
+                                          <p:stCondLst>
+                                            <p:cond delay="0"/>
+                                          </p:stCondLst>
+                                        </p:cTn>
+                                        <p:tgtEl>
+                                          <p:spTgt spid="3">
+                                            <p:txEl>
+                                              <p:pRg st="6" end="6"/>
+                                            </p:txEl>
+                                          </p:spTgt>
+                                        </p:tgtEl>
+                                        <p:attrNameLst>
+                                          <p:attrName>style.visibility</p:attrName>
+                                        </p:attrNameLst>
+                                      </p:cBhvr>
+                                      <p:to>
+                                        <p:strVal val="visible"/>
+                                      </p:to>
+                                    </p:set>
+                                  </p:childTnLst>
+                                </p:cTn>
+                              </p:par>
+                            </p:childTnLst>
+                          </p:cTn>
+                        </p:par>
+                      </p:childTnLst>
+                    </p:cTn>
+                  </p:par>
+                  <p:par>
+                    <p:cTn id="27" fill="hold">
+                      <p:stCondLst>
+                        <p:cond delay="indefinite"/>
+                      </p:stCondLst>
+                      <p:childTnLst>
+                        <p:par>
+                          <p:cTn id="28" fill="hold">
+                            <p:stCondLst>
+                              <p:cond delay="0"/>
+                            </p:stCondLst>
+                            <p:childTnLst>
+                              <p:par>
+                                <p:cTn id="29" presetID="1" presetClass="entr" presetSubtype="0" fill="hold" grpId="0" nodeType="clickEffect">
+                                  <p:stCondLst>
+                                    <p:cond delay="0"/>
+                                  </p:stCondLst>
+                                  <p:childTnLst>
+                                    <p:set>
+                                      <p:cBhvr>
+                                        <p:cTn id="30" dur="1" fill="hold">
+                                          <p:stCondLst>
+                                            <p:cond delay="0"/>
+                                          </p:stCondLst>
+                                        </p:cTn>
+                                        <p:tgtEl>
+                                          <p:spTgt spid="3">
+                                            <p:txEl>
+                                              <p:pRg st="7" end="7"/>
+                                            </p:txEl>
+                                          </p:spTgt>
+                                        </p:tgtEl>
+                                        <p:attrNameLst>
+                                          <p:attrName>style.visibility</p:attrName>
+                                        </p:attrNameLst>
+                                      </p:cBhvr>
+                                      <p:to>
+                                        <p:strVal val="visible"/>
+                                      </p:to>
+                                    </p:set>
+                                  </p:childTnLst>
+                                </p:cTn>
+                              </p:par>
+                              <p:par>
+                                <p:cTn id="31" presetID="1" presetClass="entr" presetSubtype="0" fill="hold" grpId="0" nodeType="withEffect">
+                                  <p:stCondLst>
+                                    <p:cond delay="0"/>
+                                  </p:stCondLst>
+                                  <p:childTnLst>
+                                    <p:set>
+                                      <p:cBhvr>
+                                        <p:cTn id="32" dur="1" fill="hold">
+                                          <p:stCondLst>
+                                            <p:cond delay="0"/>
+                                          </p:stCondLst>
+                                        </p:cTn>
+                                        <p:tgtEl>
+                                          <p:spTgt spid="3">
+                                            <p:txEl>
+                                              <p:pRg st="8" end="8"/>
+                                            </p:txEl>
+                                          </p:spTgt>
+                                        </p:tgtEl>
+                                        <p:attrNameLst>
+                                          <p:attrName>style.visibility</p:attrName>
+                                        </p:attrNameLst>
+                                      </p:cBhvr>
+                                      <p:to>
+                                        <p:strVal val="visible"/>
+                                      </p:to>
+                                    </p:set>
+                                  </p:childTnLst>
+                                </p:cTn>
+                              </p:par>
+                              <p:par>
+                                <p:cTn id="33" presetID="1" presetClass="entr" presetSubtype="0" fill="hold" grpId="0" nodeType="withEffect">
+                                  <p:stCondLst>
+                                    <p:cond delay="0"/>
+                                  </p:stCondLst>
+                                  <p:childTnLst>
+                                    <p:set>
+                                      <p:cBhvr>
+                                        <p:cTn id="34" dur="1" fill="hold">
+                                          <p:stCondLst>
+                                            <p:cond delay="0"/>
+                                          </p:stCondLst>
+                                        </p:cTn>
+                                        <p:tgtEl>
+                                          <p:spTgt spid="3">
+                                            <p:txEl>
+                                              <p:pRg st="9" end="9"/>
+                                            </p:txEl>
+                                          </p:spTgt>
+                                        </p:tgtEl>
+                                        <p:attrNameLst>
+                                          <p:attrName>style.visibility</p:attrName>
+                                        </p:attrNameLst>
+                                      </p:cBhvr>
+                                      <p:to>
+                                        <p:strVal val="visible"/>
+                                      </p:to>
+                                    </p:set>
+                                  </p:childTnLst>
+                                </p:cTn>
+                              </p:par>
+                              <p:par>
+                                <p:cTn id="35" presetID="1" presetClass="entr" presetSubtype="0" fill="hold" grpId="0" nodeType="withEffect">
+                                  <p:stCondLst>
+                                    <p:cond delay="0"/>
+                                  </p:stCondLst>
+                                  <p:childTnLst>
+                                    <p:set>
+                                      <p:cBhvr>
+                                        <p:cTn id="36" dur="1" fill="hold">
+                                          <p:stCondLst>
+                                            <p:cond delay="0"/>
+                                          </p:stCondLst>
+                                        </p:cTn>
+                                        <p:tgtEl>
+                                          <p:spTgt spid="3">
+                                            <p:txEl>
+                                              <p:pRg st="10" end="10"/>
+                                            </p:txEl>
+                                          </p:spTgt>
+                                        </p:tgtEl>
+                                        <p:attrNameLst>
+                                          <p:attrName>style.visibility</p:attrName>
+                                        </p:attrNameLst>
+                                      </p:cBhvr>
+                                      <p:to>
+                                        <p:strVal val="visible"/>
+                                      </p:to>
+                                    </p:set>
+                                  </p:childTnLst>
+                                </p:cTn>
+                              </p:par>
+                            </p:childTnLst>
+                          </p:cTn>
+                        </p:par>
+                      </p:childTnLst>
+                    </p:cTn>
+                  </p:par>
+                </p:childTnLst>
+              </p:cTn>
+              <p:prevCondLst>
+                <p:cond evt="onPrev" delay="0">
+                  <p:tgtEl>
+                    <p:sldTgt/>
+                  </p:tgtEl>
+                </p:cond>
+              </p:prevCondLst>
+              <p:nextCondLst>
+                <p:cond evt="onNext" delay="0">
+                  <p:tgtEl>
+                    <p:sldTgt/>
+                  </p:tgtEl>
+                </p:cond>
+              </p:nextCondLst>
+            </p:seq>
+          </p:childTnLst>
+        </p:cTn>
+      </p:par>
+    </p:tnLst>
+    <p:bldLst>
+      <p:bldP spid="3" grpId="0" build="p"/>
+    </p:bldLst>
+  </p:timing>
+</p:sld>
+</file>
+
+<file path=ppt/slides/slide26.xml><?xml version="1.0" encoding="utf-8"?>
+<p:sld xmlns:a="http://schemas.openxmlformats.org/drawingml/2006/main" xmlns:r="http://schemas.openxmlformats.org/officeDocument/2006/relationships" xmlns:p="http://schemas.openxmlformats.org/presentationml/2006/main">
+  <p:cSld>
+    <p:spTree>
+      <p:nvGrpSpPr>
+        <p:cNvPr id="1" name=""/>
+        <p:cNvGrpSpPr/>
+        <p:nvPr/>
+      </p:nvGrpSpPr>
+      <p:grpSpPr>
+        <a:xfrm>
+          <a:off x="0" y="0"/>
+          <a:ext cx="0" cy="0"/>
+          <a:chOff x="0" y="0"/>
+          <a:chExt cx="0" cy="0"/>
+        </a:xfrm>
+      </p:grpSpPr>
+      <p:pic>
+        <p:nvPicPr>
+          <p:cNvPr id="4" name="Picture 3"/>
+          <p:cNvPicPr>
+            <a:picLocks noChangeAspect="1"/>
+          </p:cNvPicPr>
+          <p:nvPr/>
+        </p:nvPicPr>
+        <p:blipFill>
+          <a:blip r:embed="rId2">
+            <a:extLst>
+              <a:ext uri="{28A0092B-C50C-407E-A947-70E740481C1C}">
+                <a14:useLocalDpi xmlns:a14="http://schemas.microsoft.com/office/drawing/2010/main" val="0"/>
+              </a:ext>
+            </a:extLst>
+          </a:blip>
+          <a:stretch>
+            <a:fillRect/>
+          </a:stretch>
+        </p:blipFill>
+        <p:spPr>
+          <a:xfrm>
+            <a:off x="6847872" y="3887755"/>
+            <a:ext cx="2380479" cy="2984661"/>
+          </a:xfrm>
+          <a:prstGeom prst="rect">
+            <a:avLst/>
+          </a:prstGeom>
+        </p:spPr>
+      </p:pic>
+      <mc:AlternateContent xmlns:mc="http://schemas.openxmlformats.org/markup-compatibility/2006">
+        <mc:Choice xmlns:a14="http://schemas.microsoft.com/office/drawing/2010/main" Requires="a14">
+          <p:sp>
+            <p:nvSpPr>
+              <p:cNvPr id="2" name="Title 1"/>
+              <p:cNvSpPr>
+                <a:spLocks noGrp="1"/>
+              </p:cNvSpPr>
+              <p:nvPr>
+                <p:ph type="title"/>
+              </p:nvPr>
+            </p:nvSpPr>
+            <p:spPr/>
+            <p:txBody>
+              <a:bodyPr/>
+              <a:lstStyle/>
+              <a:p>
+                <a:r>
+                  <a:rPr lang="en-US" dirty="0">
+                    <a:solidFill>
+                      <a:srgbClr val="0070C0"/>
+                    </a:solidFill>
+                  </a:rPr>
+                  <a:t>Separating mixture of </a:t>
+                </a:r>
+                <a14:m>
+                  <m:oMath xmlns:m="http://schemas.openxmlformats.org/officeDocument/2006/math">
+                    <m:r>
+                      <a:rPr lang="en-US" i="1">
+                        <a:solidFill>
+                          <a:srgbClr val="0070C0"/>
+                        </a:solidFill>
+                        <a:latin typeface="Cambria Math"/>
+                      </a:rPr>
+                      <m:t>𝑘</m:t>
+                    </m:r>
+                  </m:oMath>
+                </a14:m>
+                <a:r>
+                  <a:rPr lang="en-US" dirty="0">
+                    <a:solidFill>
+                      <a:srgbClr val="0070C0"/>
+                    </a:solidFill>
+                  </a:rPr>
+                  <a:t> Gaussians</a:t>
+                </a:r>
+                <a:endParaRPr lang="en-US" dirty="0"/>
+              </a:p>
+            </p:txBody>
+          </p:sp>
+        </mc:Choice>
+        <mc:Fallback>
+          <p:sp>
+            <p:nvSpPr>
+              <p:cNvPr id="2" name="Title 1"/>
+              <p:cNvSpPr>
+                <a:spLocks noGrp="1" noRot="1" noChangeAspect="1" noMove="1" noResize="1" noEditPoints="1" noAdjustHandles="1" noChangeArrowheads="1" noChangeShapeType="1" noTextEdit="1"/>
+              </p:cNvSpPr>
+              <p:nvPr>
+                <p:ph type="title"/>
+              </p:nvPr>
+            </p:nvSpPr>
+            <p:spPr>
+              <a:blipFill rotWithShape="1">
+                <a:blip r:embed="rId3"/>
+                <a:stretch>
+                  <a:fillRect l="-1111" r="-1185" b="-8511"/>
+                </a:stretch>
+              </a:blipFill>
+            </p:spPr>
+            <p:txBody>
+              <a:bodyPr/>
+              <a:lstStyle/>
+              <a:p>
+                <a:r>
+                  <a:rPr lang="en-US">
+                    <a:noFill/>
+                  </a:rPr>
+                  <a:t> </a:t>
+                </a:r>
+              </a:p>
+            </p:txBody>
+          </p:sp>
+        </mc:Fallback>
+      </mc:AlternateContent>
+      <mc:AlternateContent xmlns:mc="http://schemas.openxmlformats.org/markup-compatibility/2006">
+        <mc:Choice xmlns:a14="http://schemas.microsoft.com/office/drawing/2010/main" Requires="a14">
+          <p:sp>
+            <p:nvSpPr>
+              <p:cNvPr id="3" name="Content Placeholder 2"/>
+              <p:cNvSpPr>
+                <a:spLocks noGrp="1"/>
+              </p:cNvSpPr>
+              <p:nvPr>
+                <p:ph idx="1"/>
+              </p:nvPr>
+            </p:nvSpPr>
+            <p:spPr>
+              <a:xfrm>
+                <a:off x="304800" y="1295400"/>
+                <a:ext cx="8839200" cy="4602163"/>
+              </a:xfrm>
+            </p:spPr>
+            <p:txBody>
+              <a:bodyPr/>
+              <a:lstStyle/>
+              <a:p>
+                <a:r>
+                  <a:rPr lang="en-US" b="1" dirty="0" smtClean="0"/>
+                  <a:t>Easy fact: </a:t>
+                </a:r>
+                <a:r>
+                  <a:rPr lang="en-US" dirty="0" smtClean="0"/>
+                  <a:t>Projection preserves the property  of being a unit-variance spherical Gaussian</a:t>
+                </a:r>
+              </a:p>
+              <a:p>
+                <a:r>
+                  <a:rPr lang="en-US" b="1" dirty="0" smtClean="0"/>
+                  <a:t>Def. </a:t>
+                </a:r>
+                <a:r>
+                  <a:rPr lang="en-US" dirty="0" smtClean="0"/>
+                  <a:t>If </a:t>
+                </a:r>
+                <a14:m>
+                  <m:oMath xmlns:m="http://schemas.openxmlformats.org/officeDocument/2006/math">
+                    <m:r>
+                      <a:rPr lang="en-US" b="0" i="1" smtClean="0">
+                        <a:latin typeface="Cambria Math"/>
+                      </a:rPr>
+                      <m:t>𝑝</m:t>
+                    </m:r>
+                  </m:oMath>
+                </a14:m>
+                <a:r>
+                  <a:rPr lang="en-US" dirty="0" smtClean="0"/>
+                  <a:t> is a probability distribution, </a:t>
+                </a:r>
+                <a:r>
+                  <a:rPr lang="en-US" b="1" dirty="0" smtClean="0"/>
+                  <a:t>best fit line </a:t>
+                </a:r>
+                <a14:m>
+                  <m:oMath xmlns:m="http://schemas.openxmlformats.org/officeDocument/2006/math">
+                    <m:r>
+                      <a:rPr lang="en-US" b="1" i="1" smtClean="0">
+                        <a:latin typeface="Cambria Math"/>
+                      </a:rPr>
+                      <m:t>{</m:t>
+                    </m:r>
+                    <m:r>
+                      <a:rPr lang="en-US" b="0" i="1" smtClean="0">
+                        <a:latin typeface="Cambria Math"/>
+                      </a:rPr>
+                      <m:t>𝑐</m:t>
+                    </m:r>
+                    <m:r>
+                      <a:rPr lang="en-US" b="1" i="1" smtClean="0">
+                        <a:latin typeface="Cambria Math"/>
+                      </a:rPr>
+                      <m:t>𝒗</m:t>
+                    </m:r>
+                    <m:r>
+                      <a:rPr lang="en-US" b="1" i="1" smtClean="0">
+                        <a:latin typeface="Cambria Math"/>
+                      </a:rPr>
+                      <m:t>, </m:t>
+                    </m:r>
+                    <m:r>
+                      <a:rPr lang="en-US" b="0" i="1" smtClean="0">
+                        <a:latin typeface="Cambria Math"/>
+                      </a:rPr>
+                      <m:t>𝑐</m:t>
+                    </m:r>
+                    <m:r>
+                      <a:rPr lang="en-US" b="0" i="1" smtClean="0">
+                        <a:latin typeface="Cambria Math"/>
+                      </a:rPr>
+                      <m:t>∈</m:t>
+                    </m:r>
+                    <m:r>
+                      <a:rPr lang="en-US" b="0" i="1" smtClean="0">
+                        <a:latin typeface="Cambria Math"/>
+                        <a:ea typeface="Cambria Math"/>
+                      </a:rPr>
+                      <m:t>ℝ</m:t>
+                    </m:r>
+                    <m:r>
+                      <a:rPr lang="en-US" b="1" i="1" smtClean="0">
+                        <a:latin typeface="Cambria Math"/>
+                      </a:rPr>
+                      <m:t>}</m:t>
+                    </m:r>
+                  </m:oMath>
+                </a14:m>
+                <a:r>
+                  <a:rPr lang="en-US" b="1" dirty="0" smtClean="0"/>
+                  <a:t> </a:t>
+                </a:r>
+                <a:r>
+                  <a:rPr lang="en-US" dirty="0" smtClean="0"/>
+                  <a:t>is:</a:t>
+                </a:r>
+              </a:p>
+              <a:p>
+                <a:pPr marL="0" indent="0">
+                  <a:buNone/>
+                </a:pPr>
+                <a14:m>
+                  <m:oMathPara xmlns:m="http://schemas.openxmlformats.org/officeDocument/2006/math">
+                    <m:oMathParaPr>
+                      <m:jc m:val="centerGroup"/>
+                    </m:oMathParaPr>
+                    <m:oMath xmlns:m="http://schemas.openxmlformats.org/officeDocument/2006/math">
+                      <m:r>
+                        <a:rPr lang="en-US" b="1" i="1" smtClean="0">
+                          <a:latin typeface="Cambria Math"/>
+                        </a:rPr>
+                        <m:t>𝒗</m:t>
+                      </m:r>
+                      <m:r>
+                        <a:rPr lang="en-US" b="1" i="1" smtClean="0">
+                          <a:latin typeface="Cambria Math"/>
+                        </a:rPr>
+                        <m:t>=</m:t>
+                      </m:r>
+                      <m:r>
+                        <a:rPr lang="en-US" b="0" i="1" smtClean="0">
+                          <a:latin typeface="Cambria Math"/>
+                        </a:rPr>
+                        <m:t>𝑎𝑟𝑔𝑚𝑎</m:t>
+                      </m:r>
+                      <m:sSub>
+                        <m:sSubPr>
+                          <m:ctrlPr>
+                            <a:rPr lang="en-US" b="1" i="1" smtClean="0">
+                              <a:latin typeface="Cambria Math"/>
+                            </a:rPr>
+                          </m:ctrlPr>
+                        </m:sSubPr>
+                        <m:e>
+                          <m:r>
+                            <a:rPr lang="en-US" b="0" i="1" smtClean="0">
+                              <a:latin typeface="Cambria Math"/>
+                            </a:rPr>
+                            <m:t>𝑥</m:t>
+                          </m:r>
+                        </m:e>
+                        <m:sub>
+                          <m:d>
+                            <m:dPr>
+                              <m:begChr m:val="|"/>
+                              <m:endChr m:val="|"/>
+                              <m:ctrlPr>
+                                <a:rPr lang="en-US" b="1" i="1" smtClean="0">
+                                  <a:latin typeface="Cambria Math"/>
+                                </a:rPr>
+                              </m:ctrlPr>
+                            </m:dPr>
+                            <m:e>
+                              <m:r>
+                                <a:rPr lang="en-US" b="1" i="1" smtClean="0">
+                                  <a:latin typeface="Cambria Math"/>
+                                </a:rPr>
+                                <m:t>𝒗</m:t>
+                              </m:r>
+                            </m:e>
+                          </m:d>
+                          <m:r>
+                            <a:rPr lang="en-US" b="1" i="1" smtClean="0">
+                              <a:latin typeface="Cambria Math"/>
+                            </a:rPr>
+                            <m:t>=</m:t>
+                          </m:r>
+                          <m:r>
+                            <a:rPr lang="en-US" b="0" i="1" smtClean="0">
+                              <a:latin typeface="Cambria Math"/>
+                            </a:rPr>
+                            <m:t>1</m:t>
+                          </m:r>
+                          <m:r>
+                            <a:rPr lang="en-US" b="1" i="1" smtClean="0">
+                              <a:latin typeface="Cambria Math"/>
+                            </a:rPr>
+                            <m:t> </m:t>
+                          </m:r>
+                        </m:sub>
+                      </m:sSub>
+                      <m:sSub>
+                        <m:sSubPr>
+                          <m:ctrlPr>
+                            <a:rPr lang="en-US" b="1" i="1" smtClean="0">
+                              <a:latin typeface="Cambria Math"/>
+                              <a:ea typeface="Cambria Math"/>
+                            </a:rPr>
+                          </m:ctrlPr>
+                        </m:sSubPr>
+                        <m:e>
+                          <m:r>
+                            <a:rPr lang="en-US" b="1" i="1" smtClean="0">
+                              <a:latin typeface="Cambria Math"/>
+                              <a:ea typeface="Cambria Math"/>
+                            </a:rPr>
+                            <m:t>𝔼</m:t>
+                          </m:r>
+                        </m:e>
+                        <m:sub>
+                          <m:r>
+                            <a:rPr lang="en-US" b="1" i="1" smtClean="0">
+                              <a:latin typeface="Cambria Math"/>
+                              <a:ea typeface="Cambria Math"/>
+                            </a:rPr>
+                            <m:t>𝒙</m:t>
+                          </m:r>
+                          <m:r>
+                            <a:rPr lang="en-US" b="1" i="1" smtClean="0">
+                              <a:latin typeface="Cambria Math"/>
+                              <a:ea typeface="Cambria Math"/>
+                            </a:rPr>
+                            <m:t>∼</m:t>
+                          </m:r>
+                          <m:r>
+                            <a:rPr lang="en-US" b="0" i="1" smtClean="0">
+                              <a:latin typeface="Cambria Math"/>
+                              <a:ea typeface="Cambria Math"/>
+                            </a:rPr>
+                            <m:t>𝑝</m:t>
+                          </m:r>
+                        </m:sub>
+                      </m:sSub>
+                      <m:r>
+                        <a:rPr lang="en-US" b="1" i="1" smtClean="0">
+                          <a:latin typeface="Cambria Math"/>
+                          <a:ea typeface="Cambria Math"/>
+                        </a:rPr>
+                        <m:t> </m:t>
+                      </m:r>
+                      <m:d>
+                        <m:dPr>
+                          <m:begChr m:val="["/>
+                          <m:endChr m:val="]"/>
+                          <m:ctrlPr>
+                            <a:rPr lang="en-US" b="1" i="1" smtClean="0">
+                              <a:latin typeface="Cambria Math"/>
+                              <a:ea typeface="Cambria Math"/>
+                            </a:rPr>
+                          </m:ctrlPr>
+                        </m:dPr>
+                        <m:e>
+                          <m:sSup>
+                            <m:sSupPr>
+                              <m:ctrlPr>
+                                <a:rPr lang="en-US" b="1" i="1" smtClean="0">
+                                  <a:latin typeface="Cambria Math"/>
+                                  <a:ea typeface="Cambria Math"/>
+                                </a:rPr>
+                              </m:ctrlPr>
+                            </m:sSupPr>
+                            <m:e>
+                              <m:d>
+                                <m:dPr>
+                                  <m:ctrlPr>
+                                    <a:rPr lang="en-US" b="1" i="1" smtClean="0">
+                                      <a:latin typeface="Cambria Math"/>
+                                      <a:ea typeface="Cambria Math"/>
+                                    </a:rPr>
+                                  </m:ctrlPr>
+                                </m:dPr>
+                                <m:e>
+                                  <m:sSup>
+                                    <m:sSupPr>
+                                      <m:ctrlPr>
+                                        <a:rPr lang="en-US" b="1" i="1" smtClean="0">
+                                          <a:latin typeface="Cambria Math"/>
+                                          <a:ea typeface="Cambria Math"/>
+                                        </a:rPr>
+                                      </m:ctrlPr>
+                                    </m:sSupPr>
+                                    <m:e>
+                                      <m:r>
+                                        <a:rPr lang="en-US" b="1" i="1" smtClean="0">
+                                          <a:latin typeface="Cambria Math"/>
+                                          <a:ea typeface="Cambria Math"/>
+                                        </a:rPr>
+                                        <m:t>𝒗</m:t>
+                                      </m:r>
+                                    </m:e>
+                                    <m:sup>
+                                      <m:r>
+                                        <a:rPr lang="en-US" b="1" i="1" smtClean="0">
+                                          <a:latin typeface="Cambria Math"/>
+                                          <a:ea typeface="Cambria Math"/>
+                                        </a:rPr>
+                                        <m:t>𝑻</m:t>
+                                      </m:r>
+                                    </m:sup>
+                                  </m:sSup>
+                                  <m:r>
+                                    <a:rPr lang="en-US" b="1" i="1" smtClean="0">
+                                      <a:latin typeface="Cambria Math"/>
+                                      <a:ea typeface="Cambria Math"/>
+                                    </a:rPr>
+                                    <m:t>𝒙</m:t>
+                                  </m:r>
+                                </m:e>
+                              </m:d>
+                            </m:e>
+                            <m:sup>
+                              <m:r>
+                                <a:rPr lang="en-US" b="1" i="1" smtClean="0">
+                                  <a:latin typeface="Cambria Math"/>
+                                  <a:ea typeface="Cambria Math"/>
+                                </a:rPr>
+                                <m:t>𝟐</m:t>
+                              </m:r>
+                            </m:sup>
+                          </m:sSup>
+                        </m:e>
+                      </m:d>
+                    </m:oMath>
+                  </m:oMathPara>
+                </a14:m>
+                <a:endParaRPr lang="en-US" b="1" dirty="0" smtClean="0">
+                  <a:ea typeface="Cambria Math"/>
+                </a:endParaRPr>
+              </a:p>
+              <a:p>
+                <a:r>
+                  <a:rPr lang="en-US" b="1" dirty="0" err="1" smtClean="0">
+                    <a:ea typeface="Cambria Math"/>
+                  </a:rPr>
+                  <a:t>Thm</a:t>
+                </a:r>
+                <a:r>
+                  <a:rPr lang="en-US" b="1" dirty="0" smtClean="0">
+                    <a:ea typeface="Cambria Math"/>
+                  </a:rPr>
+                  <a:t>: </a:t>
+                </a:r>
+                <a:r>
+                  <a:rPr lang="en-US" dirty="0" smtClean="0">
+                    <a:ea typeface="Cambria Math"/>
+                  </a:rPr>
+                  <a:t>Best fit line for a Gaussian centered at </a:t>
+                </a:r>
+                <a14:m>
+                  <m:oMath xmlns:m="http://schemas.openxmlformats.org/officeDocument/2006/math">
+                    <m:r>
+                      <a:rPr lang="en-US" b="1" i="1" smtClean="0">
+                        <a:latin typeface="Cambria Math"/>
+                        <a:ea typeface="Cambria Math"/>
+                      </a:rPr>
+                      <m:t>𝝁</m:t>
+                    </m:r>
+                  </m:oMath>
+                </a14:m>
+                <a:r>
+                  <a:rPr lang="en-US" b="1" dirty="0" smtClean="0">
+                    <a:ea typeface="Cambria Math"/>
+                  </a:rPr>
+                  <a:t> </a:t>
+                </a:r>
+                <a:r>
+                  <a:rPr lang="en-US" dirty="0" smtClean="0">
+                    <a:ea typeface="Cambria Math"/>
+                  </a:rPr>
+                  <a:t>passes through </a:t>
+                </a:r>
+                <a14:m>
+                  <m:oMath xmlns:m="http://schemas.openxmlformats.org/officeDocument/2006/math">
+                    <m:r>
+                      <a:rPr lang="en-US" b="1" i="1">
+                        <a:latin typeface="Cambria Math"/>
+                        <a:ea typeface="Cambria Math"/>
+                      </a:rPr>
+                      <m:t>𝝁</m:t>
+                    </m:r>
+                  </m:oMath>
+                </a14:m>
+                <a:r>
+                  <a:rPr lang="en-US" b="1" dirty="0" smtClean="0">
+                    <a:ea typeface="Cambria Math"/>
+                  </a:rPr>
+                  <a:t> </a:t>
+                </a:r>
+                <a:r>
+                  <a:rPr lang="en-US" dirty="0" smtClean="0">
+                    <a:ea typeface="Cambria Math"/>
+                  </a:rPr>
+                  <a:t>and the origin</a:t>
+                </a:r>
+              </a:p>
+              <a:p>
+                <a:pPr marL="0" indent="0">
+                  <a:buNone/>
+                </a:pPr>
+                <a:endParaRPr lang="en-US" b="1" dirty="0" smtClean="0"/>
+              </a:p>
+              <a:p>
+                <a:pPr marL="0" indent="0">
+                  <a:buNone/>
+                </a:pPr>
+                <a:endParaRPr lang="en-US" dirty="0" smtClean="0"/>
+              </a:p>
+              <a:p>
+                <a:endParaRPr lang="en-US" dirty="0"/>
+              </a:p>
+            </p:txBody>
+          </p:sp>
+        </mc:Choice>
+        <mc:Fallback>
+          <p:sp>
+            <p:nvSpPr>
+              <p:cNvPr id="3" name="Content Placeholder 2"/>
+              <p:cNvSpPr>
+                <a:spLocks noGrp="1" noRot="1" noChangeAspect="1" noMove="1" noResize="1" noEditPoints="1" noAdjustHandles="1" noChangeArrowheads="1" noChangeShapeType="1" noTextEdit="1"/>
+              </p:cNvSpPr>
+              <p:nvPr>
+                <p:ph idx="1"/>
+              </p:nvPr>
+            </p:nvSpPr>
+            <p:spPr>
+              <a:xfrm>
+                <a:off x="304800" y="1295400"/>
+                <a:ext cx="8839200" cy="4602163"/>
+              </a:xfrm>
+              <a:blipFill rotWithShape="1">
+                <a:blip r:embed="rId4"/>
+                <a:stretch>
+                  <a:fillRect l="-1517" t="-1724"/>
+                </a:stretch>
+              </a:blipFill>
+            </p:spPr>
+            <p:txBody>
+              <a:bodyPr/>
+              <a:lstStyle/>
+              <a:p>
+                <a:r>
+                  <a:rPr lang="en-US">
+                    <a:noFill/>
+                  </a:rPr>
+                  <a:t> </a:t>
+                </a:r>
+              </a:p>
+            </p:txBody>
+          </p:sp>
+        </mc:Fallback>
+      </mc:AlternateContent>
+    </p:spTree>
+    <p:extLst>
+      <p:ext uri="{BB962C8B-B14F-4D97-AF65-F5344CB8AC3E}">
+        <p14:creationId xmlns:p14="http://schemas.microsoft.com/office/powerpoint/2010/main" val="3816108792"/>
+      </p:ext>
+    </p:extLst>
+  </p:cSld>
+  <p:clrMapOvr>
+    <a:masterClrMapping/>
+  </p:clrMapOvr>
+  <p:timing>
+    <p:tnLst>
+      <p:par>
+        <p:cTn id="1" dur="indefinite" restart="never" nodeType="tmRoot">
+          <p:childTnLst>
+            <p:seq concurrent="1" nextAc="seek">
+              <p:cTn id="2" dur="indefinite" nodeType="mainSeq">
+                <p:childTnLst>
+                  <p:par>
+                    <p:cTn id="3" fill="hold">
+                      <p:stCondLst>
+                        <p:cond delay="indefinite"/>
+                      </p:stCondLst>
+                      <p:childTnLst>
+                        <p:par>
+                          <p:cTn id="4" fill="hold">
+                            <p:stCondLst>
+                              <p:cond delay="0"/>
+                            </p:stCondLst>
+                            <p:childTnLst>
+                              <p:par>
+                                <p:cTn id="5" presetID="1" presetClass="entr" presetSubtype="0" fill="hold" grpId="0" nodeType="clickEffect">
+                                  <p:stCondLst>
+                                    <p:cond delay="0"/>
+                                  </p:stCondLst>
+                                  <p:childTnLst>
+                                    <p:set>
+                                      <p:cBhvr>
+                                        <p:cTn id="6" dur="1" fill="hold">
+                                          <p:stCondLst>
+                                            <p:cond delay="0"/>
+                                          </p:stCondLst>
+                                        </p:cTn>
+                                        <p:tgtEl>
+                                          <p:spTgt spid="3">
+                                            <p:txEl>
+                                              <p:pRg st="0" end="0"/>
+                                            </p:txEl>
+                                          </p:spTgt>
+                                        </p:tgtEl>
+                                        <p:attrNameLst>
+                                          <p:attrName>style.visibility</p:attrName>
+                                        </p:attrNameLst>
+                                      </p:cBhvr>
+                                      <p:to>
+                                        <p:strVal val="visible"/>
+                                      </p:to>
+                                    </p:set>
+                                  </p:childTnLst>
+                                </p:cTn>
+                              </p:par>
+                            </p:childTnLst>
+                          </p:cTn>
+                        </p:par>
+                      </p:childTnLst>
+                    </p:cTn>
+                  </p:par>
+                  <p:par>
+                    <p:cTn id="7" fill="hold">
+                      <p:stCondLst>
+                        <p:cond delay="indefinite"/>
+                      </p:stCondLst>
+                      <p:childTnLst>
+                        <p:par>
+                          <p:cTn id="8" fill="hold">
+                            <p:stCondLst>
+                              <p:cond delay="0"/>
+                            </p:stCondLst>
+                            <p:childTnLst>
+                              <p:par>
+                                <p:cTn id="9" presetID="1" presetClass="entr" presetSubtype="0" fill="hold" grpId="0" nodeType="clickEffect">
+                                  <p:stCondLst>
+                                    <p:cond delay="0"/>
+                                  </p:stCondLst>
+                                  <p:childTnLst>
+                                    <p:set>
+                                      <p:cBhvr>
+                                        <p:cTn id="10" dur="1" fill="hold">
+                                          <p:stCondLst>
+                                            <p:cond delay="0"/>
+                                          </p:stCondLst>
+                                        </p:cTn>
+                                        <p:tgtEl>
+                                          <p:spTgt spid="3">
+                                            <p:txEl>
+                                              <p:pRg st="1" end="1"/>
+                                            </p:txEl>
+                                          </p:spTgt>
+                                        </p:tgtEl>
+                                        <p:attrNameLst>
+                                          <p:attrName>style.visibility</p:attrName>
+                                        </p:attrNameLst>
+                                      </p:cBhvr>
+                                      <p:to>
+                                        <p:strVal val="visible"/>
+                                      </p:to>
+                                    </p:set>
+                                  </p:childTnLst>
+                                </p:cTn>
+                              </p:par>
+                            </p:childTnLst>
+                          </p:cTn>
+                        </p:par>
+                      </p:childTnLst>
+                    </p:cTn>
+                  </p:par>
+                  <p:par>
+                    <p:cTn id="11" fill="hold">
+                      <p:stCondLst>
+                        <p:cond delay="indefinite"/>
+                      </p:stCondLst>
+                      <p:childTnLst>
+                        <p:par>
+                          <p:cTn id="12" fill="hold">
+                            <p:stCondLst>
+                              <p:cond delay="0"/>
+                            </p:stCondLst>
+                            <p:childTnLst>
+                              <p:par>
+                                <p:cTn id="13" presetID="1" presetClass="entr" presetSubtype="0" fill="hold" grpId="0" nodeType="clickEffect">
+                                  <p:stCondLst>
+                                    <p:cond delay="0"/>
+                                  </p:stCondLst>
+                                  <p:childTnLst>
+                                    <p:set>
+                                      <p:cBhvr>
+                                        <p:cTn id="14" dur="1" fill="hold">
+                                          <p:stCondLst>
+                                            <p:cond delay="0"/>
+                                          </p:stCondLst>
+                                        </p:cTn>
+                                        <p:tgtEl>
+                                          <p:spTgt spid="3">
+                                            <p:txEl>
+                                              <p:pRg st="2" end="2"/>
+                                            </p:txEl>
+                                          </p:spTgt>
+                                        </p:tgtEl>
+                                        <p:attrNameLst>
+                                          <p:attrName>style.visibility</p:attrName>
+                                        </p:attrNameLst>
+                                      </p:cBhvr>
+                                      <p:to>
+                                        <p:strVal val="visible"/>
+                                      </p:to>
+                                    </p:set>
+                                  </p:childTnLst>
+                                </p:cTn>
+                              </p:par>
+                            </p:childTnLst>
+                          </p:cTn>
+                        </p:par>
+                      </p:childTnLst>
+                    </p:cTn>
+                  </p:par>
+                  <p:par>
+                    <p:cTn id="15" fill="hold">
+                      <p:stCondLst>
+                        <p:cond delay="indefinite"/>
+                      </p:stCondLst>
+                      <p:childTnLst>
+                        <p:par>
+                          <p:cTn id="16" fill="hold">
+                            <p:stCondLst>
+                              <p:cond delay="0"/>
+                            </p:stCondLst>
+                            <p:childTnLst>
+                              <p:par>
+                                <p:cTn id="17" presetID="1" presetClass="entr" presetSubtype="0" fill="hold" grpId="0" nodeType="clickEffect">
+                                  <p:stCondLst>
+                                    <p:cond delay="0"/>
+                                  </p:stCondLst>
+                                  <p:childTnLst>
+                                    <p:set>
+                                      <p:cBhvr>
+                                        <p:cTn id="18" dur="1" fill="hold">
+                                          <p:stCondLst>
+                                            <p:cond delay="0"/>
+                                          </p:stCondLst>
+                                        </p:cTn>
+                                        <p:tgtEl>
+                                          <p:spTgt spid="3">
+                                            <p:txEl>
+                                              <p:pRg st="3" end="3"/>
+                                            </p:txEl>
+                                          </p:spTgt>
+                                        </p:tgtEl>
+                                        <p:attrNameLst>
+                                          <p:attrName>style.visibility</p:attrName>
+                                        </p:attrNameLst>
+                                      </p:cBhvr>
+                                      <p:to>
+                                        <p:strVal val="visible"/>
+                                      </p:to>
+                                    </p:set>
+                                  </p:childTnLst>
+                                </p:cTn>
+                              </p:par>
+                            </p:childTnLst>
+                          </p:cTn>
+                        </p:par>
+                      </p:childTnLst>
+                    </p:cTn>
+                  </p:par>
+                  <p:par>
+                    <p:cTn id="19" fill="hold">
+                      <p:stCondLst>
+                        <p:cond delay="indefinite"/>
+                      </p:stCondLst>
+                      <p:childTnLst>
+                        <p:par>
+                          <p:cTn id="20" fill="hold">
+                            <p:stCondLst>
+                              <p:cond delay="0"/>
+                            </p:stCondLst>
+                            <p:childTnLst>
+                              <p:par>
+                                <p:cTn id="21" presetID="1" presetClass="entr" presetSubtype="0" fill="hold" nodeType="clickEffect">
+                                  <p:stCondLst>
+                                    <p:cond delay="0"/>
+                                  </p:stCondLst>
+                                  <p:childTnLst>
+                                    <p:set>
+                                      <p:cBhvr>
+                                        <p:cTn id="22" dur="1" fill="hold">
+                                          <p:stCondLst>
+                                            <p:cond delay="0"/>
+                                          </p:stCondLst>
+                                        </p:cTn>
+                                        <p:tgtEl>
+                                          <p:spTgt spid="4"/>
+                                        </p:tgtEl>
+                                        <p:attrNameLst>
+                                          <p:attrName>style.visibility</p:attrName>
+                                        </p:attrNameLst>
+                                      </p:cBhvr>
+                                      <p:to>
+                                        <p:strVal val="visible"/>
+                                      </p:to>
+                                    </p:set>
+                                  </p:childTnLst>
+                                </p:cTn>
+                              </p:par>
+                            </p:childTnLst>
+                          </p:cTn>
+                        </p:par>
+                      </p:childTnLst>
+                    </p:cTn>
+                  </p:par>
+                </p:childTnLst>
+              </p:cTn>
+              <p:prevCondLst>
+                <p:cond evt="onPrev" delay="0">
+                  <p:tgtEl>
+                    <p:sldTgt/>
+                  </p:tgtEl>
+                </p:cond>
+              </p:prevCondLst>
+              <p:nextCondLst>
+                <p:cond evt="onNext" delay="0">
+                  <p:tgtEl>
+                    <p:sldTgt/>
+                  </p:tgtEl>
+                </p:cond>
+              </p:nextCondLst>
+            </p:seq>
+          </p:childTnLst>
+        </p:cTn>
+      </p:par>
+    </p:tnLst>
+    <p:bldLst>
+      <p:bldP spid="3" grpId="0" build="p"/>
+    </p:bldLst>
+  </p:timing>
+</p:sld>
+</file>
+
+<file path=ppt/slides/slide27.xml><?xml version="1.0" encoding="utf-8"?>
+<p:sld xmlns:a="http://schemas.openxmlformats.org/drawingml/2006/main" xmlns:r="http://schemas.openxmlformats.org/officeDocument/2006/relationships" xmlns:p="http://schemas.openxmlformats.org/presentationml/2006/main">
+  <p:cSld>
+    <p:spTree>
+      <p:nvGrpSpPr>
+        <p:cNvPr id="1" name=""/>
+        <p:cNvGrpSpPr/>
+        <p:nvPr/>
+      </p:nvGrpSpPr>
+      <p:grpSpPr>
+        <a:xfrm>
+          <a:off x="0" y="0"/>
+          <a:ext cx="0" cy="0"/>
+          <a:chOff x="0" y="0"/>
+          <a:chExt cx="0" cy="0"/>
+        </a:xfrm>
+      </p:grpSpPr>
+      <p:sp>
+        <p:nvSpPr>
+          <p:cNvPr id="2" name="Title 1"/>
+          <p:cNvSpPr>
+            <a:spLocks noGrp="1"/>
+          </p:cNvSpPr>
+          <p:nvPr>
+            <p:ph type="title"/>
+          </p:nvPr>
+        </p:nvSpPr>
+        <p:spPr/>
+        <p:txBody>
+          <a:bodyPr/>
+          <a:lstStyle/>
+          <a:p>
+            <a:r>
+              <a:rPr lang="en-US" dirty="0" smtClean="0">
+                <a:solidFill>
+                  <a:srgbClr val="0070C0"/>
+                </a:solidFill>
+              </a:rPr>
+              <a:t>Best fit line for a Gaussian</a:t>
+            </a:r>
+            <a:endParaRPr lang="en-US" dirty="0"/>
+          </a:p>
+        </p:txBody>
+      </p:sp>
+      <mc:AlternateContent xmlns:mc="http://schemas.openxmlformats.org/markup-compatibility/2006">
+        <mc:Choice xmlns:a14="http://schemas.microsoft.com/office/drawing/2010/main" Requires="a14">
+          <p:sp>
+            <p:nvSpPr>
+              <p:cNvPr id="3" name="Content Placeholder 2"/>
+              <p:cNvSpPr>
+                <a:spLocks noGrp="1"/>
+              </p:cNvSpPr>
+              <p:nvPr>
+                <p:ph idx="1"/>
+              </p:nvPr>
+            </p:nvSpPr>
+            <p:spPr>
+              <a:xfrm>
+                <a:off x="228600" y="1219200"/>
+                <a:ext cx="9144000" cy="5638800"/>
+              </a:xfrm>
+            </p:spPr>
+            <p:txBody>
+              <a:bodyPr>
+                <a:normAutofit lnSpcReduction="10000"/>
+              </a:bodyPr>
+              <a:lstStyle/>
+              <a:p>
+                <a:r>
+                  <a:rPr lang="en-US" b="1" dirty="0" smtClean="0">
+                    <a:ea typeface="Cambria Math"/>
+                  </a:rPr>
+                  <a:t>Thm: </a:t>
+                </a:r>
+                <a:r>
+                  <a:rPr lang="en-US" dirty="0">
+                    <a:ea typeface="Cambria Math"/>
+                  </a:rPr>
+                  <a:t>Best fit line for a Gaussian centered at </a:t>
+                </a:r>
+                <a14:m>
+                  <m:oMath xmlns:m="http://schemas.openxmlformats.org/officeDocument/2006/math">
+                    <m:r>
+                      <a:rPr lang="en-US" b="1" i="1">
+                        <a:latin typeface="Cambria Math"/>
+                        <a:ea typeface="Cambria Math"/>
+                      </a:rPr>
+                      <m:t>𝝁</m:t>
+                    </m:r>
+                  </m:oMath>
+                </a14:m>
+                <a:r>
+                  <a:rPr lang="en-US" b="1" dirty="0">
+                    <a:ea typeface="Cambria Math"/>
+                  </a:rPr>
+                  <a:t> </a:t>
+                </a:r>
+                <a:r>
+                  <a:rPr lang="en-US" dirty="0">
+                    <a:ea typeface="Cambria Math"/>
+                  </a:rPr>
+                  <a:t>passes through </a:t>
+                </a:r>
+                <a14:m>
+                  <m:oMath xmlns:m="http://schemas.openxmlformats.org/officeDocument/2006/math">
+                    <m:r>
+                      <a:rPr lang="en-US" b="1" i="1">
+                        <a:latin typeface="Cambria Math"/>
+                        <a:ea typeface="Cambria Math"/>
+                      </a:rPr>
+                      <m:t>𝝁</m:t>
+                    </m:r>
+                  </m:oMath>
+                </a14:m>
+                <a:r>
+                  <a:rPr lang="en-US" b="1" dirty="0">
+                    <a:ea typeface="Cambria Math"/>
+                  </a:rPr>
+                  <a:t> </a:t>
+                </a:r>
+                <a:r>
+                  <a:rPr lang="en-US" dirty="0">
+                    <a:ea typeface="Cambria Math"/>
+                  </a:rPr>
+                  <a:t>and the </a:t>
+                </a:r>
+                <a:r>
+                  <a:rPr lang="en-US" dirty="0" smtClean="0">
+                    <a:ea typeface="Cambria Math"/>
+                  </a:rPr>
+                  <a:t>origin</a:t>
+                </a:r>
+                <a:endParaRPr lang="en-US" b="1" i="1" dirty="0" smtClean="0">
+                  <a:latin typeface="Cambria Math"/>
+                  <a:ea typeface="Cambria Math"/>
+                </a:endParaRPr>
+              </a:p>
+              <a:p>
+                <a:pPr marL="0" indent="0">
+                  <a:buNone/>
+                </a:pPr>
+                <a14:m>
+                  <m:oMathPara xmlns:m="http://schemas.openxmlformats.org/officeDocument/2006/math">
+                    <m:oMathParaPr>
+                      <m:jc m:val="left"/>
+                    </m:oMathParaPr>
+                    <m:oMath xmlns:m="http://schemas.openxmlformats.org/officeDocument/2006/math">
+                      <m:sSub>
+                        <m:sSubPr>
+                          <m:ctrlPr>
+                            <a:rPr lang="en-US" sz="2800" b="1" i="1" smtClean="0">
+                              <a:latin typeface="Cambria Math"/>
+                              <a:ea typeface="Cambria Math"/>
+                            </a:rPr>
+                          </m:ctrlPr>
+                        </m:sSubPr>
+                        <m:e>
+                          <m:r>
+                            <a:rPr lang="en-US" sz="2800" b="1" i="1">
+                              <a:latin typeface="Cambria Math"/>
+                              <a:ea typeface="Cambria Math"/>
+                            </a:rPr>
+                            <m:t>𝔼</m:t>
+                          </m:r>
+                        </m:e>
+                        <m:sub>
+                          <m:r>
+                            <a:rPr lang="en-US" sz="2800" b="1" i="1">
+                              <a:latin typeface="Cambria Math"/>
+                              <a:ea typeface="Cambria Math"/>
+                            </a:rPr>
+                            <m:t>𝒙</m:t>
+                          </m:r>
+                          <m:r>
+                            <a:rPr lang="en-US" sz="2800" b="1" i="1">
+                              <a:latin typeface="Cambria Math"/>
+                              <a:ea typeface="Cambria Math"/>
+                            </a:rPr>
+                            <m:t>∼</m:t>
+                          </m:r>
+                          <m:r>
+                            <a:rPr lang="en-US" sz="2800" i="1">
+                              <a:latin typeface="Cambria Math"/>
+                              <a:ea typeface="Cambria Math"/>
+                            </a:rPr>
+                            <m:t>𝑝</m:t>
+                          </m:r>
+                        </m:sub>
+                      </m:sSub>
+                      <m:r>
+                        <a:rPr lang="en-US" sz="2800" b="1" i="1">
+                          <a:latin typeface="Cambria Math"/>
+                          <a:ea typeface="Cambria Math"/>
+                        </a:rPr>
+                        <m:t> </m:t>
+                      </m:r>
+                      <m:d>
+                        <m:dPr>
+                          <m:begChr m:val="["/>
+                          <m:endChr m:val="]"/>
+                          <m:ctrlPr>
+                            <a:rPr lang="en-US" sz="2800" b="1" i="1">
+                              <a:latin typeface="Cambria Math"/>
+                              <a:ea typeface="Cambria Math"/>
+                            </a:rPr>
+                          </m:ctrlPr>
+                        </m:dPr>
+                        <m:e>
+                          <m:sSup>
+                            <m:sSupPr>
+                              <m:ctrlPr>
+                                <a:rPr lang="en-US" sz="2800" b="1" i="1">
+                                  <a:latin typeface="Cambria Math"/>
+                                  <a:ea typeface="Cambria Math"/>
+                                </a:rPr>
+                              </m:ctrlPr>
+                            </m:sSupPr>
+                            <m:e>
+                              <m:d>
+                                <m:dPr>
+                                  <m:ctrlPr>
+                                    <a:rPr lang="en-US" sz="2800" b="1" i="1">
+                                      <a:latin typeface="Cambria Math"/>
+                                      <a:ea typeface="Cambria Math"/>
+                                    </a:rPr>
+                                  </m:ctrlPr>
+                                </m:dPr>
+                                <m:e>
+                                  <m:sSup>
+                                    <m:sSupPr>
+                                      <m:ctrlPr>
+                                        <a:rPr lang="en-US" sz="2800" b="1" i="1">
+                                          <a:latin typeface="Cambria Math"/>
+                                          <a:ea typeface="Cambria Math"/>
+                                        </a:rPr>
+                                      </m:ctrlPr>
+                                    </m:sSupPr>
+                                    <m:e>
+                                      <m:r>
+                                        <a:rPr lang="en-US" sz="2800" b="1" i="1">
+                                          <a:latin typeface="Cambria Math"/>
+                                          <a:ea typeface="Cambria Math"/>
+                                        </a:rPr>
+                                        <m:t>𝒗</m:t>
+                                      </m:r>
+                                    </m:e>
+                                    <m:sup>
+                                      <m:r>
+                                        <a:rPr lang="en-US" sz="2800" b="1" i="1">
+                                          <a:latin typeface="Cambria Math"/>
+                                          <a:ea typeface="Cambria Math"/>
+                                        </a:rPr>
+                                        <m:t>𝑻</m:t>
+                                      </m:r>
+                                    </m:sup>
+                                  </m:sSup>
+                                  <m:r>
+                                    <a:rPr lang="en-US" sz="2800" b="1" i="1">
+                                      <a:latin typeface="Cambria Math"/>
+                                      <a:ea typeface="Cambria Math"/>
+                                    </a:rPr>
+                                    <m:t>𝒙</m:t>
+                                  </m:r>
+                                </m:e>
+                              </m:d>
+                            </m:e>
+                            <m:sup>
+                              <m:r>
+                                <a:rPr lang="en-US" sz="2800" b="1" i="1">
+                                  <a:latin typeface="Cambria Math"/>
+                                  <a:ea typeface="Cambria Math"/>
+                                </a:rPr>
+                                <m:t>𝟐</m:t>
+                              </m:r>
+                            </m:sup>
+                          </m:sSup>
+                        </m:e>
+                      </m:d>
+                      <m:r>
+                        <a:rPr lang="en-US" sz="2800" b="1" i="1" smtClean="0">
+                          <a:latin typeface="Cambria Math"/>
+                          <a:ea typeface="Cambria Math"/>
+                        </a:rPr>
+                        <m:t>=</m:t>
+                      </m:r>
+                      <m:sSub>
+                        <m:sSubPr>
+                          <m:ctrlPr>
+                            <a:rPr lang="en-US" sz="2800" b="1" i="1">
+                              <a:latin typeface="Cambria Math"/>
+                              <a:ea typeface="Cambria Math"/>
+                            </a:rPr>
+                          </m:ctrlPr>
+                        </m:sSubPr>
+                        <m:e>
+                          <m:r>
+                            <a:rPr lang="en-US" sz="2800" b="1" i="1">
+                              <a:latin typeface="Cambria Math"/>
+                              <a:ea typeface="Cambria Math"/>
+                            </a:rPr>
+                            <m:t>𝔼</m:t>
+                          </m:r>
+                        </m:e>
+                        <m:sub>
+                          <m:r>
+                            <a:rPr lang="en-US" sz="2800" b="1" i="1">
+                              <a:latin typeface="Cambria Math"/>
+                              <a:ea typeface="Cambria Math"/>
+                            </a:rPr>
+                            <m:t>𝒙</m:t>
+                          </m:r>
+                          <m:r>
+                            <a:rPr lang="en-US" sz="2800" b="1" i="1">
+                              <a:latin typeface="Cambria Math"/>
+                              <a:ea typeface="Cambria Math"/>
+                            </a:rPr>
+                            <m:t>∼</m:t>
+                          </m:r>
+                          <m:r>
+                            <a:rPr lang="en-US" sz="2800" i="1">
+                              <a:latin typeface="Cambria Math"/>
+                              <a:ea typeface="Cambria Math"/>
+                            </a:rPr>
+                            <m:t>𝑝</m:t>
+                          </m:r>
+                        </m:sub>
+                      </m:sSub>
+                      <m:r>
+                        <a:rPr lang="en-US" sz="2800" b="1" i="1">
+                          <a:latin typeface="Cambria Math"/>
+                          <a:ea typeface="Cambria Math"/>
+                        </a:rPr>
+                        <m:t> </m:t>
+                      </m:r>
+                      <m:d>
+                        <m:dPr>
+                          <m:begChr m:val="["/>
+                          <m:endChr m:val="]"/>
+                          <m:ctrlPr>
+                            <a:rPr lang="en-US" sz="2800" b="1" i="1">
+                              <a:latin typeface="Cambria Math"/>
+                              <a:ea typeface="Cambria Math"/>
+                            </a:rPr>
+                          </m:ctrlPr>
+                        </m:dPr>
+                        <m:e>
+                          <m:sSup>
+                            <m:sSupPr>
+                              <m:ctrlPr>
+                                <a:rPr lang="en-US" sz="2800" b="1" i="1">
+                                  <a:latin typeface="Cambria Math"/>
+                                  <a:ea typeface="Cambria Math"/>
+                                </a:rPr>
+                              </m:ctrlPr>
+                            </m:sSupPr>
+                            <m:e>
+                              <m:d>
+                                <m:dPr>
+                                  <m:ctrlPr>
+                                    <a:rPr lang="en-US" sz="2800" b="1" i="1">
+                                      <a:latin typeface="Cambria Math"/>
+                                      <a:ea typeface="Cambria Math"/>
+                                    </a:rPr>
+                                  </m:ctrlPr>
+                                </m:dPr>
+                                <m:e>
+                                  <m:sSup>
+                                    <m:sSupPr>
+                                      <m:ctrlPr>
+                                        <a:rPr lang="en-US" sz="2800" b="1" i="1">
+                                          <a:latin typeface="Cambria Math"/>
+                                          <a:ea typeface="Cambria Math"/>
+                                        </a:rPr>
+                                      </m:ctrlPr>
+                                    </m:sSupPr>
+                                    <m:e>
+                                      <m:r>
+                                        <a:rPr lang="en-US" sz="2800" b="1" i="1">
+                                          <a:latin typeface="Cambria Math"/>
+                                          <a:ea typeface="Cambria Math"/>
+                                        </a:rPr>
+                                        <m:t>𝒗</m:t>
+                                      </m:r>
+                                    </m:e>
+                                    <m:sup>
+                                      <m:r>
+                                        <a:rPr lang="en-US" sz="2800" b="1" i="1">
+                                          <a:latin typeface="Cambria Math"/>
+                                          <a:ea typeface="Cambria Math"/>
+                                        </a:rPr>
+                                        <m:t>𝑻</m:t>
+                                      </m:r>
+                                    </m:sup>
+                                  </m:sSup>
+                                  <m:d>
+                                    <m:dPr>
+                                      <m:ctrlPr>
+                                        <a:rPr lang="en-US" sz="2800" b="1" i="1" smtClean="0">
+                                          <a:latin typeface="Cambria Math"/>
+                                          <a:ea typeface="Cambria Math"/>
+                                        </a:rPr>
+                                      </m:ctrlPr>
+                                    </m:dPr>
+                                    <m:e>
+                                      <m:r>
+                                        <a:rPr lang="en-US" sz="2800" b="1" i="1">
+                                          <a:latin typeface="Cambria Math"/>
+                                          <a:ea typeface="Cambria Math"/>
+                                        </a:rPr>
+                                        <m:t>𝒙</m:t>
+                                      </m:r>
+                                      <m:r>
+                                        <a:rPr lang="en-US" sz="2800" b="1" i="1" smtClean="0">
+                                          <a:latin typeface="Cambria Math"/>
+                                          <a:ea typeface="Cambria Math"/>
+                                        </a:rPr>
+                                        <m:t>−</m:t>
+                                      </m:r>
+                                      <m:r>
+                                        <a:rPr lang="en-US" sz="2800" b="1" i="1" smtClean="0">
+                                          <a:latin typeface="Cambria Math"/>
+                                          <a:ea typeface="Cambria Math"/>
+                                        </a:rPr>
+                                        <m:t>𝝁</m:t>
+                                      </m:r>
+                                    </m:e>
+                                  </m:d>
+                                  <m:r>
+                                    <a:rPr lang="en-US" sz="2800" b="1" i="1" smtClean="0">
+                                      <a:latin typeface="Cambria Math"/>
+                                      <a:ea typeface="Cambria Math"/>
+                                    </a:rPr>
+                                    <m:t>+</m:t>
+                                  </m:r>
+                                  <m:sSup>
+                                    <m:sSupPr>
+                                      <m:ctrlPr>
+                                        <a:rPr lang="en-US" sz="2800" b="1" i="1" smtClean="0">
+                                          <a:latin typeface="Cambria Math"/>
+                                          <a:ea typeface="Cambria Math"/>
+                                        </a:rPr>
+                                      </m:ctrlPr>
+                                    </m:sSupPr>
+                                    <m:e>
+                                      <m:r>
+                                        <a:rPr lang="en-US" sz="2800" b="1" i="1" smtClean="0">
+                                          <a:latin typeface="Cambria Math"/>
+                                          <a:ea typeface="Cambria Math"/>
+                                        </a:rPr>
+                                        <m:t>𝒗</m:t>
+                                      </m:r>
+                                    </m:e>
+                                    <m:sup>
+                                      <m:r>
+                                        <a:rPr lang="en-US" sz="2800" b="1" i="1" smtClean="0">
+                                          <a:latin typeface="Cambria Math"/>
+                                          <a:ea typeface="Cambria Math"/>
+                                        </a:rPr>
+                                        <m:t>𝑻</m:t>
+                                      </m:r>
+                                    </m:sup>
+                                  </m:sSup>
+                                  <m:r>
+                                    <a:rPr lang="en-US" sz="2800" b="1" i="1" smtClean="0">
+                                      <a:latin typeface="Cambria Math"/>
+                                      <a:ea typeface="Cambria Math"/>
+                                    </a:rPr>
+                                    <m:t>𝝁</m:t>
+                                  </m:r>
+                                </m:e>
+                              </m:d>
+                            </m:e>
+                            <m:sup>
+                              <m:r>
+                                <a:rPr lang="en-US" sz="2800" b="1" i="1">
+                                  <a:latin typeface="Cambria Math"/>
+                                  <a:ea typeface="Cambria Math"/>
+                                </a:rPr>
+                                <m:t>𝟐</m:t>
+                              </m:r>
+                            </m:sup>
+                          </m:sSup>
+                        </m:e>
+                      </m:d>
+                    </m:oMath>
+                  </m:oMathPara>
+                </a14:m>
+                <a:endParaRPr lang="en-US" sz="2800" b="1" i="1" dirty="0" smtClean="0">
+                  <a:latin typeface="Cambria Math"/>
+                  <a:ea typeface="Cambria Math"/>
+                </a:endParaRPr>
+              </a:p>
+              <a:p>
+                <a:pPr marL="0" indent="0">
+                  <a:buNone/>
+                </a:pPr>
+                <a14:m>
+                  <m:oMathPara xmlns:m="http://schemas.openxmlformats.org/officeDocument/2006/math">
+                    <m:oMathParaPr>
+                      <m:jc m:val="left"/>
+                    </m:oMathParaPr>
+                    <m:oMath xmlns:m="http://schemas.openxmlformats.org/officeDocument/2006/math">
+                      <m:r>
+                        <a:rPr lang="en-US" sz="2800" b="1" i="1">
+                          <a:latin typeface="Cambria Math"/>
+                          <a:ea typeface="Cambria Math"/>
+                        </a:rPr>
+                        <m:t>=</m:t>
+                      </m:r>
+                      <m:sSub>
+                        <m:sSubPr>
+                          <m:ctrlPr>
+                            <a:rPr lang="en-US" sz="2800" b="1" i="1">
+                              <a:latin typeface="Cambria Math"/>
+                              <a:ea typeface="Cambria Math"/>
+                            </a:rPr>
+                          </m:ctrlPr>
+                        </m:sSubPr>
+                        <m:e>
+                          <m:r>
+                            <a:rPr lang="en-US" sz="2800" b="1" i="1">
+                              <a:latin typeface="Cambria Math"/>
+                              <a:ea typeface="Cambria Math"/>
+                            </a:rPr>
+                            <m:t>𝔼</m:t>
+                          </m:r>
+                        </m:e>
+                        <m:sub>
+                          <m:r>
+                            <a:rPr lang="en-US" sz="2800" b="1" i="1">
+                              <a:latin typeface="Cambria Math"/>
+                              <a:ea typeface="Cambria Math"/>
+                            </a:rPr>
+                            <m:t>𝒙</m:t>
+                          </m:r>
+                          <m:r>
+                            <a:rPr lang="en-US" sz="2800" b="1" i="1">
+                              <a:latin typeface="Cambria Math"/>
+                              <a:ea typeface="Cambria Math"/>
+                            </a:rPr>
+                            <m:t>∼</m:t>
+                          </m:r>
+                          <m:r>
+                            <a:rPr lang="en-US" sz="2800" i="1">
+                              <a:latin typeface="Cambria Math"/>
+                              <a:ea typeface="Cambria Math"/>
+                            </a:rPr>
+                            <m:t>𝑝</m:t>
+                          </m:r>
+                        </m:sub>
+                      </m:sSub>
+                      <m:r>
+                        <a:rPr lang="en-US" sz="2800" b="1" i="1">
+                          <a:latin typeface="Cambria Math"/>
+                          <a:ea typeface="Cambria Math"/>
+                        </a:rPr>
+                        <m:t> </m:t>
+                      </m:r>
+                      <m:d>
+                        <m:dPr>
+                          <m:begChr m:val="["/>
+                          <m:endChr m:val="]"/>
+                          <m:ctrlPr>
+                            <a:rPr lang="en-US" sz="2800" b="1" i="1">
+                              <a:latin typeface="Cambria Math"/>
+                              <a:ea typeface="Cambria Math"/>
+                            </a:rPr>
+                          </m:ctrlPr>
+                        </m:dPr>
+                        <m:e>
+                          <m:sSup>
+                            <m:sSupPr>
+                              <m:ctrlPr>
+                                <a:rPr lang="en-US" sz="2800" b="1" i="1">
+                                  <a:latin typeface="Cambria Math"/>
+                                  <a:ea typeface="Cambria Math"/>
+                                </a:rPr>
+                              </m:ctrlPr>
+                            </m:sSupPr>
+                            <m:e>
+                              <m:r>
+                                <a:rPr lang="en-US" sz="2800" b="1" i="1">
+                                  <a:latin typeface="Cambria Math"/>
+                                  <a:ea typeface="Cambria Math"/>
+                                </a:rPr>
+                                <m:t>𝒗</m:t>
+                              </m:r>
+                            </m:e>
+                            <m:sup>
+                              <m:r>
+                                <a:rPr lang="en-US" sz="2800" b="1" i="1">
+                                  <a:latin typeface="Cambria Math"/>
+                                  <a:ea typeface="Cambria Math"/>
+                                </a:rPr>
+                                <m:t>𝑻</m:t>
+                              </m:r>
+                            </m:sup>
+                          </m:sSup>
+                          <m:sSup>
+                            <m:sSupPr>
+                              <m:ctrlPr>
+                                <a:rPr lang="en-US" sz="2800" b="1" i="1" smtClean="0">
+                                  <a:latin typeface="Cambria Math"/>
+                                  <a:ea typeface="Cambria Math"/>
+                                </a:rPr>
+                              </m:ctrlPr>
+                            </m:sSupPr>
+                            <m:e>
+                              <m:d>
+                                <m:dPr>
+                                  <m:ctrlPr>
+                                    <a:rPr lang="en-US" sz="2800" b="1" i="1">
+                                      <a:latin typeface="Cambria Math"/>
+                                      <a:ea typeface="Cambria Math"/>
+                                    </a:rPr>
+                                  </m:ctrlPr>
+                                </m:dPr>
+                                <m:e>
+                                  <m:r>
+                                    <a:rPr lang="en-US" sz="2800" b="1" i="1">
+                                      <a:latin typeface="Cambria Math"/>
+                                      <a:ea typeface="Cambria Math"/>
+                                    </a:rPr>
+                                    <m:t>𝒙</m:t>
+                                  </m:r>
+                                  <m:r>
+                                    <a:rPr lang="en-US" sz="2800" b="1" i="1">
+                                      <a:latin typeface="Cambria Math"/>
+                                      <a:ea typeface="Cambria Math"/>
+                                    </a:rPr>
+                                    <m:t>−</m:t>
+                                  </m:r>
+                                  <m:r>
+                                    <a:rPr lang="en-US" sz="2800" b="1" i="1">
+                                      <a:latin typeface="Cambria Math"/>
+                                      <a:ea typeface="Cambria Math"/>
+                                    </a:rPr>
+                                    <m:t>𝝁</m:t>
+                                  </m:r>
+                                </m:e>
+                              </m:d>
+                            </m:e>
+                            <m:sup>
+                              <m:r>
+                                <a:rPr lang="en-US" sz="2800" b="1" i="1" smtClean="0">
+                                  <a:latin typeface="Cambria Math"/>
+                                  <a:ea typeface="Cambria Math"/>
+                                </a:rPr>
+                                <m:t>𝟐</m:t>
+                              </m:r>
+                            </m:sup>
+                          </m:sSup>
+                          <m:r>
+                            <a:rPr lang="en-US" sz="2800" b="1" i="1" smtClean="0">
+                              <a:latin typeface="Cambria Math"/>
+                              <a:ea typeface="Cambria Math"/>
+                            </a:rPr>
+                            <m:t>+</m:t>
+                          </m:r>
+                          <m:r>
+                            <a:rPr lang="en-US" sz="2800" b="0" i="1" smtClean="0">
+                              <a:latin typeface="Cambria Math"/>
+                              <a:ea typeface="Cambria Math"/>
+                            </a:rPr>
+                            <m:t>2</m:t>
+                          </m:r>
+                          <m:sSup>
+                            <m:sSupPr>
+                              <m:ctrlPr>
+                                <a:rPr lang="en-US" sz="2800" b="1" i="1">
+                                  <a:latin typeface="Cambria Math"/>
+                                  <a:ea typeface="Cambria Math"/>
+                                </a:rPr>
+                              </m:ctrlPr>
+                            </m:sSupPr>
+                            <m:e>
+                              <m:r>
+                                <a:rPr lang="en-US" sz="2800" b="1" i="1" smtClean="0">
+                                  <a:latin typeface="Cambria Math"/>
+                                  <a:ea typeface="Cambria Math"/>
+                                </a:rPr>
+                                <m:t>(</m:t>
+                              </m:r>
+                              <m:r>
+                                <a:rPr lang="en-US" sz="2800" b="1" i="1">
+                                  <a:latin typeface="Cambria Math"/>
+                                  <a:ea typeface="Cambria Math"/>
+                                </a:rPr>
+                                <m:t>𝒗</m:t>
+                              </m:r>
+                            </m:e>
+                            <m:sup>
+                              <m:r>
+                                <a:rPr lang="en-US" sz="2800" b="1" i="1">
+                                  <a:latin typeface="Cambria Math"/>
+                                  <a:ea typeface="Cambria Math"/>
+                                </a:rPr>
+                                <m:t>𝑻</m:t>
+                              </m:r>
+                            </m:sup>
+                          </m:sSup>
+                          <m:r>
+                            <a:rPr lang="en-US" sz="2800" b="1" i="1">
+                              <a:latin typeface="Cambria Math"/>
+                              <a:ea typeface="Cambria Math"/>
+                            </a:rPr>
+                            <m:t>𝝁</m:t>
+                          </m:r>
+                          <m:r>
+                            <a:rPr lang="en-US" sz="2800" b="0" i="1" smtClean="0">
+                              <a:latin typeface="Cambria Math"/>
+                              <a:ea typeface="Cambria Math"/>
+                            </a:rPr>
+                            <m:t>)</m:t>
+                          </m:r>
+                          <m:sSup>
+                            <m:sSupPr>
+                              <m:ctrlPr>
+                                <a:rPr lang="en-US" sz="2800" b="1" i="1">
+                                  <a:latin typeface="Cambria Math"/>
+                                  <a:ea typeface="Cambria Math"/>
+                                </a:rPr>
+                              </m:ctrlPr>
+                            </m:sSupPr>
+                            <m:e>
+                              <m:r>
+                                <a:rPr lang="en-US" sz="2800" b="1" i="1">
+                                  <a:latin typeface="Cambria Math"/>
+                                  <a:ea typeface="Cambria Math"/>
+                                </a:rPr>
+                                <m:t>𝒗</m:t>
+                              </m:r>
+                            </m:e>
+                            <m:sup>
+                              <m:r>
+                                <a:rPr lang="en-US" sz="2800" b="1" i="1">
+                                  <a:latin typeface="Cambria Math"/>
+                                  <a:ea typeface="Cambria Math"/>
+                                </a:rPr>
+                                <m:t>𝑻</m:t>
+                              </m:r>
+                            </m:sup>
+                          </m:sSup>
+                          <m:d>
+                            <m:dPr>
+                              <m:ctrlPr>
+                                <a:rPr lang="en-US" sz="2800" b="1" i="1">
+                                  <a:latin typeface="Cambria Math"/>
+                                  <a:ea typeface="Cambria Math"/>
+                                </a:rPr>
+                              </m:ctrlPr>
+                            </m:dPr>
+                            <m:e>
+                              <m:r>
+                                <a:rPr lang="en-US" sz="2800" b="1" i="1">
+                                  <a:latin typeface="Cambria Math"/>
+                                  <a:ea typeface="Cambria Math"/>
+                                </a:rPr>
+                                <m:t>𝒙</m:t>
+                              </m:r>
+                              <m:r>
+                                <a:rPr lang="en-US" sz="2800" b="1" i="1">
+                                  <a:latin typeface="Cambria Math"/>
+                                  <a:ea typeface="Cambria Math"/>
+                                </a:rPr>
+                                <m:t>−</m:t>
+                              </m:r>
+                              <m:r>
+                                <a:rPr lang="en-US" sz="2800" b="1" i="1">
+                                  <a:latin typeface="Cambria Math"/>
+                                  <a:ea typeface="Cambria Math"/>
+                                </a:rPr>
+                                <m:t>𝝁</m:t>
+                              </m:r>
+                            </m:e>
+                          </m:d>
+                          <m:r>
+                            <a:rPr lang="en-US" sz="2800" b="0" i="1" smtClean="0">
+                              <a:latin typeface="Cambria Math"/>
+                              <a:ea typeface="Cambria Math"/>
+                            </a:rPr>
+                            <m:t>+</m:t>
+                          </m:r>
+                          <m:sSup>
+                            <m:sSupPr>
+                              <m:ctrlPr>
+                                <a:rPr lang="en-US" sz="2800" b="0" i="1" smtClean="0">
+                                  <a:latin typeface="Cambria Math"/>
+                                  <a:ea typeface="Cambria Math"/>
+                                </a:rPr>
+                              </m:ctrlPr>
+                            </m:sSupPr>
+                            <m:e>
+                              <m:sSup>
+                                <m:sSupPr>
+                                  <m:ctrlPr>
+                                    <a:rPr lang="en-US" sz="2800" b="1" i="1">
+                                      <a:latin typeface="Cambria Math"/>
+                                      <a:ea typeface="Cambria Math"/>
+                                    </a:rPr>
+                                  </m:ctrlPr>
+                                </m:sSupPr>
+                                <m:e>
+                                  <m:r>
+                                    <a:rPr lang="en-US" sz="2800" b="1" i="1">
+                                      <a:latin typeface="Cambria Math"/>
+                                      <a:ea typeface="Cambria Math"/>
+                                    </a:rPr>
+                                    <m:t>(</m:t>
+                                  </m:r>
+                                  <m:r>
+                                    <a:rPr lang="en-US" sz="2800" b="1" i="1">
+                                      <a:latin typeface="Cambria Math"/>
+                                      <a:ea typeface="Cambria Math"/>
+                                    </a:rPr>
+                                    <m:t>𝒗</m:t>
+                                  </m:r>
+                                </m:e>
+                                <m:sup>
+                                  <m:r>
+                                    <a:rPr lang="en-US" sz="2800" b="1" i="1">
+                                      <a:latin typeface="Cambria Math"/>
+                                      <a:ea typeface="Cambria Math"/>
+                                    </a:rPr>
+                                    <m:t>𝑻</m:t>
+                                  </m:r>
+                                </m:sup>
+                              </m:sSup>
+                              <m:r>
+                                <a:rPr lang="en-US" sz="2800" b="1" i="1">
+                                  <a:latin typeface="Cambria Math"/>
+                                  <a:ea typeface="Cambria Math"/>
+                                </a:rPr>
+                                <m:t>𝝁</m:t>
+                              </m:r>
+                              <m:r>
+                                <a:rPr lang="en-US" sz="2800" i="1">
+                                  <a:latin typeface="Cambria Math"/>
+                                  <a:ea typeface="Cambria Math"/>
+                                </a:rPr>
+                                <m:t>)</m:t>
+                              </m:r>
+                            </m:e>
+                            <m:sup>
+                              <m:r>
+                                <a:rPr lang="en-US" sz="2800" b="0" i="1" smtClean="0">
+                                  <a:latin typeface="Cambria Math"/>
+                                  <a:ea typeface="Cambria Math"/>
+                                </a:rPr>
+                                <m:t>2</m:t>
+                              </m:r>
+                            </m:sup>
+                          </m:sSup>
+                          <m:r>
+                            <a:rPr lang="en-US" sz="2800" b="0" i="1" smtClean="0">
+                              <a:latin typeface="Cambria Math"/>
+                              <a:ea typeface="Cambria Math"/>
+                            </a:rPr>
+                            <m:t> </m:t>
+                          </m:r>
+                        </m:e>
+                      </m:d>
+                    </m:oMath>
+                  </m:oMathPara>
+                </a14:m>
+                <a:endParaRPr lang="en-US" sz="2800" dirty="0" smtClean="0">
+                  <a:ea typeface="Cambria Math"/>
+                </a:endParaRPr>
+              </a:p>
+              <a:p>
+                <a:pPr marL="0" indent="0">
+                  <a:buNone/>
+                </a:pPr>
+                <a14:m>
+                  <m:oMathPara xmlns:m="http://schemas.openxmlformats.org/officeDocument/2006/math">
+                    <m:oMathParaPr>
+                      <m:jc m:val="left"/>
+                    </m:oMathParaPr>
+                    <m:oMath xmlns:m="http://schemas.openxmlformats.org/officeDocument/2006/math">
+                      <m:sSub>
+                        <m:sSubPr>
+                          <m:ctrlPr>
+                            <a:rPr lang="en-US" sz="2800" b="1" i="1">
+                              <a:latin typeface="Cambria Math"/>
+                              <a:ea typeface="Cambria Math"/>
+                            </a:rPr>
+                          </m:ctrlPr>
+                        </m:sSubPr>
+                        <m:e>
+                          <m:r>
+                            <a:rPr lang="en-US" sz="2800" b="1" i="1" smtClean="0">
+                              <a:latin typeface="Cambria Math"/>
+                              <a:ea typeface="Cambria Math"/>
+                            </a:rPr>
+                            <m:t>=</m:t>
+                          </m:r>
+                          <m:r>
+                            <a:rPr lang="en-US" sz="2800" b="1" i="1">
+                              <a:latin typeface="Cambria Math"/>
+                              <a:ea typeface="Cambria Math"/>
+                            </a:rPr>
+                            <m:t>𝔼</m:t>
+                          </m:r>
+                        </m:e>
+                        <m:sub>
+                          <m:r>
+                            <a:rPr lang="en-US" sz="2800" b="1" i="1">
+                              <a:latin typeface="Cambria Math"/>
+                              <a:ea typeface="Cambria Math"/>
+                            </a:rPr>
+                            <m:t>𝒙</m:t>
+                          </m:r>
+                          <m:r>
+                            <a:rPr lang="en-US" sz="2800" b="1" i="1">
+                              <a:latin typeface="Cambria Math"/>
+                              <a:ea typeface="Cambria Math"/>
+                            </a:rPr>
+                            <m:t>∼</m:t>
+                          </m:r>
+                          <m:r>
+                            <a:rPr lang="en-US" sz="2800" i="1">
+                              <a:latin typeface="Cambria Math"/>
+                              <a:ea typeface="Cambria Math"/>
+                            </a:rPr>
+                            <m:t>𝑝</m:t>
+                          </m:r>
+                        </m:sub>
+                      </m:sSub>
+                      <m:sSup>
+                        <m:sSupPr>
+                          <m:ctrlPr>
+                            <a:rPr lang="en-US" sz="2800" b="1" i="1">
+                              <a:latin typeface="Cambria Math"/>
+                              <a:ea typeface="Cambria Math"/>
+                            </a:rPr>
+                          </m:ctrlPr>
+                        </m:sSupPr>
+                        <m:e>
+                          <m:r>
+                            <a:rPr lang="en-US" sz="2800" b="1" i="1" smtClean="0">
+                              <a:latin typeface="Cambria Math"/>
+                              <a:ea typeface="Cambria Math"/>
+                            </a:rPr>
+                            <m:t>[</m:t>
+                          </m:r>
+                          <m:r>
+                            <a:rPr lang="en-US" sz="2800" b="1" i="1">
+                              <a:latin typeface="Cambria Math"/>
+                              <a:ea typeface="Cambria Math"/>
+                            </a:rPr>
+                            <m:t>𝒗</m:t>
+                          </m:r>
+                        </m:e>
+                        <m:sup>
+                          <m:r>
+                            <a:rPr lang="en-US" sz="2800" b="1" i="1">
+                              <a:latin typeface="Cambria Math"/>
+                              <a:ea typeface="Cambria Math"/>
+                            </a:rPr>
+                            <m:t>𝑻</m:t>
+                          </m:r>
+                        </m:sup>
+                      </m:sSup>
+                      <m:sSup>
+                        <m:sSupPr>
+                          <m:ctrlPr>
+                            <a:rPr lang="en-US" sz="2800" b="1" i="1">
+                              <a:latin typeface="Cambria Math"/>
+                              <a:ea typeface="Cambria Math"/>
+                            </a:rPr>
+                          </m:ctrlPr>
+                        </m:sSupPr>
+                        <m:e>
+                          <m:d>
+                            <m:dPr>
+                              <m:ctrlPr>
+                                <a:rPr lang="en-US" sz="2800" b="1" i="1">
+                                  <a:latin typeface="Cambria Math"/>
+                                  <a:ea typeface="Cambria Math"/>
+                                </a:rPr>
+                              </m:ctrlPr>
+                            </m:dPr>
+                            <m:e>
+                              <m:r>
+                                <a:rPr lang="en-US" sz="2800" b="1" i="1">
+                                  <a:latin typeface="Cambria Math"/>
+                                  <a:ea typeface="Cambria Math"/>
+                                </a:rPr>
+                                <m:t>𝒙</m:t>
+                              </m:r>
+                              <m:r>
+                                <a:rPr lang="en-US" sz="2800" b="1" i="1">
+                                  <a:latin typeface="Cambria Math"/>
+                                  <a:ea typeface="Cambria Math"/>
+                                </a:rPr>
+                                <m:t>−</m:t>
+                              </m:r>
+                              <m:r>
+                                <a:rPr lang="en-US" sz="2800" b="1" i="1">
+                                  <a:latin typeface="Cambria Math"/>
+                                  <a:ea typeface="Cambria Math"/>
+                                </a:rPr>
+                                <m:t>𝝁</m:t>
+                              </m:r>
+                            </m:e>
+                          </m:d>
+                        </m:e>
+                        <m:sup>
+                          <m:r>
+                            <a:rPr lang="en-US" sz="2800" b="1" i="1">
+                              <a:latin typeface="Cambria Math"/>
+                              <a:ea typeface="Cambria Math"/>
+                            </a:rPr>
+                            <m:t>𝟐</m:t>
+                          </m:r>
+                        </m:sup>
+                      </m:sSup>
+                      <m:r>
+                        <a:rPr lang="en-US" sz="2800" b="1" i="1">
+                          <a:latin typeface="Cambria Math"/>
+                          <a:ea typeface="Cambria Math"/>
+                        </a:rPr>
+                        <m:t>]</m:t>
+                      </m:r>
+                      <m:r>
+                        <a:rPr lang="en-US" sz="2800" b="1" i="1">
+                          <a:latin typeface="Cambria Math"/>
+                          <a:ea typeface="Cambria Math"/>
+                        </a:rPr>
+                        <m:t>+</m:t>
+                      </m:r>
+                      <m:r>
+                        <a:rPr lang="en-US" sz="2800" i="1">
+                          <a:latin typeface="Cambria Math"/>
+                          <a:ea typeface="Cambria Math"/>
+                        </a:rPr>
+                        <m:t>2</m:t>
+                      </m:r>
+                      <m:sSup>
+                        <m:sSupPr>
+                          <m:ctrlPr>
+                            <a:rPr lang="en-US" sz="2800" b="1" i="1">
+                              <a:latin typeface="Cambria Math"/>
+                              <a:ea typeface="Cambria Math"/>
+                            </a:rPr>
+                          </m:ctrlPr>
+                        </m:sSupPr>
+                        <m:e>
+                          <m:r>
+                            <a:rPr lang="en-US" sz="2800" b="1" i="1">
+                              <a:latin typeface="Cambria Math"/>
+                              <a:ea typeface="Cambria Math"/>
+                            </a:rPr>
+                            <m:t>(</m:t>
+                          </m:r>
+                          <m:r>
+                            <a:rPr lang="en-US" sz="2800" b="1" i="1">
+                              <a:latin typeface="Cambria Math"/>
+                              <a:ea typeface="Cambria Math"/>
+                            </a:rPr>
+                            <m:t>𝒗</m:t>
+                          </m:r>
+                        </m:e>
+                        <m:sup>
+                          <m:r>
+                            <a:rPr lang="en-US" sz="2800" b="1" i="1">
+                              <a:latin typeface="Cambria Math"/>
+                              <a:ea typeface="Cambria Math"/>
+                            </a:rPr>
+                            <m:t>𝑻</m:t>
+                          </m:r>
+                        </m:sup>
+                      </m:sSup>
+                      <m:r>
+                        <a:rPr lang="en-US" sz="2800" b="1" i="1">
+                          <a:latin typeface="Cambria Math"/>
+                          <a:ea typeface="Cambria Math"/>
+                        </a:rPr>
+                        <m:t>𝝁</m:t>
+                      </m:r>
+                      <m:r>
+                        <a:rPr lang="en-US" sz="2800" i="1">
+                          <a:latin typeface="Cambria Math"/>
+                          <a:ea typeface="Cambria Math"/>
+                        </a:rPr>
+                        <m:t>)</m:t>
+                      </m:r>
+                      <m:sSup>
+                        <m:sSupPr>
+                          <m:ctrlPr>
+                            <a:rPr lang="en-US" sz="2800" b="1" i="1">
+                              <a:latin typeface="Cambria Math"/>
+                              <a:ea typeface="Cambria Math"/>
+                            </a:rPr>
+                          </m:ctrlPr>
+                        </m:sSupPr>
+                        <m:e>
+                          <m:sSub>
+                            <m:sSubPr>
+                              <m:ctrlPr>
+                                <a:rPr lang="en-US" sz="2800" b="1" i="1">
+                                  <a:latin typeface="Cambria Math"/>
+                                  <a:ea typeface="Cambria Math"/>
+                                </a:rPr>
+                              </m:ctrlPr>
+                            </m:sSubPr>
+                            <m:e>
+                              <m:r>
+                                <a:rPr lang="en-US" sz="2800" b="1" i="1">
+                                  <a:latin typeface="Cambria Math"/>
+                                  <a:ea typeface="Cambria Math"/>
+                                </a:rPr>
+                                <m:t>𝔼</m:t>
+                              </m:r>
+                            </m:e>
+                            <m:sub>
+                              <m:r>
+                                <a:rPr lang="en-US" sz="2800" b="1" i="1">
+                                  <a:latin typeface="Cambria Math"/>
+                                  <a:ea typeface="Cambria Math"/>
+                                </a:rPr>
+                                <m:t>𝒙</m:t>
+                              </m:r>
+                              <m:r>
+                                <a:rPr lang="en-US" sz="2800" b="1" i="1">
+                                  <a:latin typeface="Cambria Math"/>
+                                  <a:ea typeface="Cambria Math"/>
+                                </a:rPr>
+                                <m:t>∼</m:t>
+                              </m:r>
+                              <m:r>
+                                <a:rPr lang="en-US" sz="2800" i="1">
+                                  <a:latin typeface="Cambria Math"/>
+                                  <a:ea typeface="Cambria Math"/>
+                                </a:rPr>
+                                <m:t>𝑝</m:t>
+                              </m:r>
+                            </m:sub>
+                          </m:sSub>
+                          <m:r>
+                            <a:rPr lang="en-US" sz="2800" b="1" i="1">
+                              <a:latin typeface="Cambria Math"/>
+                              <a:ea typeface="Cambria Math"/>
+                            </a:rPr>
+                            <m:t>[</m:t>
+                          </m:r>
+                          <m:r>
+                            <a:rPr lang="en-US" sz="2800" b="1" i="1">
+                              <a:latin typeface="Cambria Math"/>
+                              <a:ea typeface="Cambria Math"/>
+                            </a:rPr>
+                            <m:t>𝒗</m:t>
+                          </m:r>
+                        </m:e>
+                        <m:sup>
+                          <m:r>
+                            <a:rPr lang="en-US" sz="2800" b="1" i="1">
+                              <a:latin typeface="Cambria Math"/>
+                              <a:ea typeface="Cambria Math"/>
+                            </a:rPr>
+                            <m:t>𝑻</m:t>
+                          </m:r>
+                        </m:sup>
+                      </m:sSup>
+                      <m:d>
+                        <m:dPr>
+                          <m:ctrlPr>
+                            <a:rPr lang="en-US" sz="2800" b="1" i="1">
+                              <a:latin typeface="Cambria Math"/>
+                              <a:ea typeface="Cambria Math"/>
+                            </a:rPr>
+                          </m:ctrlPr>
+                        </m:dPr>
+                        <m:e>
+                          <m:r>
+                            <a:rPr lang="en-US" sz="2800" b="1" i="1">
+                              <a:latin typeface="Cambria Math"/>
+                              <a:ea typeface="Cambria Math"/>
+                            </a:rPr>
+                            <m:t>𝒙</m:t>
+                          </m:r>
+                          <m:r>
+                            <a:rPr lang="en-US" sz="2800" b="1" i="1">
+                              <a:latin typeface="Cambria Math"/>
+                              <a:ea typeface="Cambria Math"/>
+                            </a:rPr>
+                            <m:t>−</m:t>
+                          </m:r>
+                          <m:r>
+                            <a:rPr lang="en-US" sz="2800" b="1" i="1">
+                              <a:latin typeface="Cambria Math"/>
+                              <a:ea typeface="Cambria Math"/>
+                            </a:rPr>
+                            <m:t>𝝁</m:t>
+                          </m:r>
+                        </m:e>
+                      </m:d>
+                      <m:r>
+                        <a:rPr lang="en-US" sz="2800" b="1" i="1">
+                          <a:latin typeface="Cambria Math"/>
+                          <a:ea typeface="Cambria Math"/>
+                        </a:rPr>
+                        <m:t>]</m:t>
+                      </m:r>
+                      <m:r>
+                        <a:rPr lang="en-US" sz="2800" i="1">
+                          <a:latin typeface="Cambria Math"/>
+                          <a:ea typeface="Cambria Math"/>
+                        </a:rPr>
+                        <m:t>+</m:t>
+                      </m:r>
+                      <m:sSup>
+                        <m:sSupPr>
+                          <m:ctrlPr>
+                            <a:rPr lang="en-US" sz="2800" i="1">
+                              <a:latin typeface="Cambria Math"/>
+                              <a:ea typeface="Cambria Math"/>
+                            </a:rPr>
+                          </m:ctrlPr>
+                        </m:sSupPr>
+                        <m:e>
+                          <m:sSup>
+                            <m:sSupPr>
+                              <m:ctrlPr>
+                                <a:rPr lang="en-US" sz="2800" b="1" i="1">
+                                  <a:latin typeface="Cambria Math"/>
+                                  <a:ea typeface="Cambria Math"/>
+                                </a:rPr>
+                              </m:ctrlPr>
+                            </m:sSupPr>
+                            <m:e>
+                              <m:r>
+                                <a:rPr lang="en-US" sz="2800" b="1" i="1">
+                                  <a:latin typeface="Cambria Math"/>
+                                  <a:ea typeface="Cambria Math"/>
+                                </a:rPr>
+                                <m:t>(</m:t>
+                              </m:r>
+                              <m:r>
+                                <a:rPr lang="en-US" sz="2800" b="1" i="1">
+                                  <a:latin typeface="Cambria Math"/>
+                                  <a:ea typeface="Cambria Math"/>
+                                </a:rPr>
+                                <m:t>𝒗</m:t>
+                              </m:r>
+                            </m:e>
+                            <m:sup>
+                              <m:r>
+                                <a:rPr lang="en-US" sz="2800" b="1" i="1">
+                                  <a:latin typeface="Cambria Math"/>
+                                  <a:ea typeface="Cambria Math"/>
+                                </a:rPr>
+                                <m:t>𝑻</m:t>
+                              </m:r>
+                            </m:sup>
+                          </m:sSup>
+                          <m:r>
+                            <a:rPr lang="en-US" sz="2800" b="1" i="1">
+                              <a:latin typeface="Cambria Math"/>
+                              <a:ea typeface="Cambria Math"/>
+                            </a:rPr>
+                            <m:t>𝝁</m:t>
+                          </m:r>
+                          <m:r>
+                            <a:rPr lang="en-US" sz="2800" i="1">
+                              <a:latin typeface="Cambria Math"/>
+                              <a:ea typeface="Cambria Math"/>
+                            </a:rPr>
+                            <m:t>)</m:t>
+                          </m:r>
+                        </m:e>
+                        <m:sup>
+                          <m:r>
+                            <a:rPr lang="en-US" sz="2800" i="1">
+                              <a:latin typeface="Cambria Math"/>
+                              <a:ea typeface="Cambria Math"/>
+                            </a:rPr>
+                            <m:t>2</m:t>
+                          </m:r>
+                        </m:sup>
+                      </m:sSup>
+                    </m:oMath>
+                  </m:oMathPara>
+                </a14:m>
+                <a:endParaRPr lang="en-US" sz="2800" dirty="0" smtClean="0">
+                  <a:ea typeface="Cambria Math"/>
+                </a:endParaRPr>
+              </a:p>
+              <a:p>
+                <a:pPr marL="0" indent="0">
+                  <a:buNone/>
+                </a:pPr>
+                <a14:m>
+                  <m:oMathPara xmlns:m="http://schemas.openxmlformats.org/officeDocument/2006/math">
+                    <m:oMathParaPr>
+                      <m:jc m:val="left"/>
+                    </m:oMathParaPr>
+                    <m:oMath xmlns:m="http://schemas.openxmlformats.org/officeDocument/2006/math">
+                      <m:sSub>
+                        <m:sSubPr>
+                          <m:ctrlPr>
+                            <a:rPr lang="en-US" sz="2800" b="1" i="1">
+                              <a:latin typeface="Cambria Math"/>
+                              <a:ea typeface="Cambria Math"/>
+                            </a:rPr>
+                          </m:ctrlPr>
+                        </m:sSubPr>
+                        <m:e>
+                          <m:r>
+                            <a:rPr lang="en-US" sz="2800" b="1" i="1">
+                              <a:latin typeface="Cambria Math"/>
+                              <a:ea typeface="Cambria Math"/>
+                            </a:rPr>
+                            <m:t>=</m:t>
+                          </m:r>
+                          <m:r>
+                            <a:rPr lang="en-US" sz="2800" b="1" i="1">
+                              <a:latin typeface="Cambria Math"/>
+                              <a:ea typeface="Cambria Math"/>
+                            </a:rPr>
+                            <m:t>𝔼</m:t>
+                          </m:r>
+                        </m:e>
+                        <m:sub>
+                          <m:r>
+                            <a:rPr lang="en-US" sz="2800" b="1" i="1">
+                              <a:latin typeface="Cambria Math"/>
+                              <a:ea typeface="Cambria Math"/>
+                            </a:rPr>
+                            <m:t>𝒙</m:t>
+                          </m:r>
+                          <m:r>
+                            <a:rPr lang="en-US" sz="2800" b="1" i="1">
+                              <a:latin typeface="Cambria Math"/>
+                              <a:ea typeface="Cambria Math"/>
+                            </a:rPr>
+                            <m:t>∼</m:t>
+                          </m:r>
+                          <m:r>
+                            <a:rPr lang="en-US" sz="2800" i="1">
+                              <a:latin typeface="Cambria Math"/>
+                              <a:ea typeface="Cambria Math"/>
+                            </a:rPr>
+                            <m:t>𝑝</m:t>
+                          </m:r>
+                        </m:sub>
+                      </m:sSub>
+                      <m:sSup>
+                        <m:sSupPr>
+                          <m:ctrlPr>
+                            <a:rPr lang="en-US" sz="2800" b="1" i="1">
+                              <a:latin typeface="Cambria Math"/>
+                              <a:ea typeface="Cambria Math"/>
+                            </a:rPr>
+                          </m:ctrlPr>
+                        </m:sSupPr>
+                        <m:e>
+                          <m:r>
+                            <a:rPr lang="en-US" sz="2800" b="1" i="1">
+                              <a:latin typeface="Cambria Math"/>
+                              <a:ea typeface="Cambria Math"/>
+                            </a:rPr>
+                            <m:t>[</m:t>
+                          </m:r>
+                          <m:r>
+                            <a:rPr lang="en-US" sz="2800" b="1" i="1">
+                              <a:latin typeface="Cambria Math"/>
+                              <a:ea typeface="Cambria Math"/>
+                            </a:rPr>
+                            <m:t>𝒗</m:t>
+                          </m:r>
+                        </m:e>
+                        <m:sup>
+                          <m:r>
+                            <a:rPr lang="en-US" sz="2800" b="1" i="1">
+                              <a:latin typeface="Cambria Math"/>
+                              <a:ea typeface="Cambria Math"/>
+                            </a:rPr>
+                            <m:t>𝑻</m:t>
+                          </m:r>
+                        </m:sup>
+                      </m:sSup>
+                      <m:sSup>
+                        <m:sSupPr>
+                          <m:ctrlPr>
+                            <a:rPr lang="en-US" sz="2800" b="1" i="1">
+                              <a:latin typeface="Cambria Math"/>
+                              <a:ea typeface="Cambria Math"/>
+                            </a:rPr>
+                          </m:ctrlPr>
+                        </m:sSupPr>
+                        <m:e>
+                          <m:d>
+                            <m:dPr>
+                              <m:ctrlPr>
+                                <a:rPr lang="en-US" sz="2800" b="1" i="1">
+                                  <a:latin typeface="Cambria Math"/>
+                                  <a:ea typeface="Cambria Math"/>
+                                </a:rPr>
+                              </m:ctrlPr>
+                            </m:dPr>
+                            <m:e>
+                              <m:r>
+                                <a:rPr lang="en-US" sz="2800" b="1" i="1">
+                                  <a:latin typeface="Cambria Math"/>
+                                  <a:ea typeface="Cambria Math"/>
+                                </a:rPr>
+                                <m:t>𝒙</m:t>
+                              </m:r>
+                              <m:r>
+                                <a:rPr lang="en-US" sz="2800" b="1" i="1">
+                                  <a:latin typeface="Cambria Math"/>
+                                  <a:ea typeface="Cambria Math"/>
+                                </a:rPr>
+                                <m:t>−</m:t>
+                              </m:r>
+                              <m:r>
+                                <a:rPr lang="en-US" sz="2800" b="1" i="1">
+                                  <a:latin typeface="Cambria Math"/>
+                                  <a:ea typeface="Cambria Math"/>
+                                </a:rPr>
+                                <m:t>𝝁</m:t>
+                              </m:r>
+                            </m:e>
+                          </m:d>
+                        </m:e>
+                        <m:sup>
+                          <m:r>
+                            <a:rPr lang="en-US" sz="2800" b="1" i="1">
+                              <a:latin typeface="Cambria Math"/>
+                              <a:ea typeface="Cambria Math"/>
+                            </a:rPr>
+                            <m:t>𝟐</m:t>
+                          </m:r>
+                        </m:sup>
+                      </m:sSup>
+                      <m:r>
+                        <a:rPr lang="en-US" sz="2800" b="1" i="1">
+                          <a:latin typeface="Cambria Math"/>
+                          <a:ea typeface="Cambria Math"/>
+                        </a:rPr>
+                        <m:t>]</m:t>
+                      </m:r>
+                      <m:r>
+                        <a:rPr lang="en-US" sz="2800" b="1" i="1" smtClean="0">
+                          <a:latin typeface="Cambria Math"/>
+                          <a:ea typeface="Cambria Math"/>
+                        </a:rPr>
+                        <m:t> </m:t>
+                      </m:r>
+                      <m:r>
+                        <a:rPr lang="en-US" sz="2800" i="1">
+                          <a:latin typeface="Cambria Math"/>
+                          <a:ea typeface="Cambria Math"/>
+                        </a:rPr>
+                        <m:t>+</m:t>
+                      </m:r>
+                      <m:sSup>
+                        <m:sSupPr>
+                          <m:ctrlPr>
+                            <a:rPr lang="en-US" sz="2800" i="1">
+                              <a:latin typeface="Cambria Math"/>
+                              <a:ea typeface="Cambria Math"/>
+                            </a:rPr>
+                          </m:ctrlPr>
+                        </m:sSupPr>
+                        <m:e>
+                          <m:sSup>
+                            <m:sSupPr>
+                              <m:ctrlPr>
+                                <a:rPr lang="en-US" sz="2800" b="1" i="1">
+                                  <a:latin typeface="Cambria Math"/>
+                                  <a:ea typeface="Cambria Math"/>
+                                </a:rPr>
+                              </m:ctrlPr>
+                            </m:sSupPr>
+                            <m:e>
+                              <m:r>
+                                <a:rPr lang="en-US" sz="2800" b="1" i="1">
+                                  <a:latin typeface="Cambria Math"/>
+                                  <a:ea typeface="Cambria Math"/>
+                                </a:rPr>
+                                <m:t>(</m:t>
+                              </m:r>
+                              <m:r>
+                                <a:rPr lang="en-US" sz="2800" b="1" i="1">
+                                  <a:latin typeface="Cambria Math"/>
+                                  <a:ea typeface="Cambria Math"/>
+                                </a:rPr>
+                                <m:t>𝒗</m:t>
+                              </m:r>
+                            </m:e>
+                            <m:sup>
+                              <m:r>
+                                <a:rPr lang="en-US" sz="2800" b="1" i="1">
+                                  <a:latin typeface="Cambria Math"/>
+                                  <a:ea typeface="Cambria Math"/>
+                                </a:rPr>
+                                <m:t>𝑻</m:t>
+                              </m:r>
+                            </m:sup>
+                          </m:sSup>
+                          <m:r>
+                            <a:rPr lang="en-US" sz="2800" b="1" i="1">
+                              <a:latin typeface="Cambria Math"/>
+                              <a:ea typeface="Cambria Math"/>
+                            </a:rPr>
+                            <m:t>𝝁</m:t>
+                          </m:r>
+                          <m:r>
+                            <a:rPr lang="en-US" sz="2800" i="1">
+                              <a:latin typeface="Cambria Math"/>
+                              <a:ea typeface="Cambria Math"/>
+                            </a:rPr>
+                            <m:t>)</m:t>
+                          </m:r>
+                        </m:e>
+                        <m:sup>
+                          <m:r>
+                            <a:rPr lang="en-US" sz="2800" i="1">
+                              <a:latin typeface="Cambria Math"/>
+                              <a:ea typeface="Cambria Math"/>
+                            </a:rPr>
+                            <m:t>2</m:t>
+                          </m:r>
+                        </m:sup>
+                      </m:sSup>
+                    </m:oMath>
+                  </m:oMathPara>
+                </a14:m>
+                <a:endParaRPr lang="en-US" sz="2800" dirty="0" smtClean="0">
+                  <a:ea typeface="Cambria Math"/>
+                </a:endParaRPr>
+              </a:p>
+              <a:p>
+                <a:pPr marL="0" indent="0">
+                  <a:buNone/>
+                </a:pPr>
+                <a14:m>
+                  <m:oMathPara xmlns:m="http://schemas.openxmlformats.org/officeDocument/2006/math">
+                    <m:oMathParaPr>
+                      <m:jc m:val="left"/>
+                    </m:oMathParaPr>
+                    <m:oMath xmlns:m="http://schemas.openxmlformats.org/officeDocument/2006/math">
+                      <m:sSup>
+                        <m:sSupPr>
+                          <m:ctrlPr>
+                            <a:rPr lang="en-US" sz="2800" i="1">
+                              <a:latin typeface="Cambria Math"/>
+                              <a:ea typeface="Cambria Math"/>
+                            </a:rPr>
+                          </m:ctrlPr>
+                        </m:sSupPr>
+                        <m:e>
+                          <m:r>
+                            <a:rPr lang="en-US" sz="2800" b="0" i="1" smtClean="0">
+                              <a:latin typeface="Cambria Math"/>
+                              <a:ea typeface="Cambria Math"/>
+                            </a:rPr>
+                            <m:t>=</m:t>
+                          </m:r>
+                          <m:r>
+                            <a:rPr lang="en-US" sz="2800" i="1">
+                              <a:latin typeface="Cambria Math"/>
+                              <a:ea typeface="Cambria Math"/>
+                            </a:rPr>
+                            <m:t>𝜎</m:t>
+                          </m:r>
+                        </m:e>
+                        <m:sup>
+                          <m:r>
+                            <a:rPr lang="en-US" sz="2800" i="1">
+                              <a:latin typeface="Cambria Math"/>
+                              <a:ea typeface="Cambria Math"/>
+                            </a:rPr>
+                            <m:t>2</m:t>
+                          </m:r>
+                        </m:sup>
+                      </m:sSup>
+                      <m:r>
+                        <a:rPr lang="en-US" sz="2800" i="1">
+                          <a:latin typeface="Cambria Math"/>
+                          <a:ea typeface="Cambria Math"/>
+                        </a:rPr>
+                        <m:t>+</m:t>
+                      </m:r>
+                      <m:sSup>
+                        <m:sSupPr>
+                          <m:ctrlPr>
+                            <a:rPr lang="en-US" sz="2800" i="1">
+                              <a:latin typeface="Cambria Math"/>
+                              <a:ea typeface="Cambria Math"/>
+                            </a:rPr>
+                          </m:ctrlPr>
+                        </m:sSupPr>
+                        <m:e>
+                          <m:sSup>
+                            <m:sSupPr>
+                              <m:ctrlPr>
+                                <a:rPr lang="en-US" sz="2800" b="1" i="1">
+                                  <a:latin typeface="Cambria Math"/>
+                                  <a:ea typeface="Cambria Math"/>
+                                </a:rPr>
+                              </m:ctrlPr>
+                            </m:sSupPr>
+                            <m:e>
+                              <m:r>
+                                <a:rPr lang="en-US" sz="2800" b="1" i="1">
+                                  <a:latin typeface="Cambria Math"/>
+                                  <a:ea typeface="Cambria Math"/>
+                                </a:rPr>
+                                <m:t>(</m:t>
+                              </m:r>
+                              <m:r>
+                                <a:rPr lang="en-US" sz="2800" b="1" i="1">
+                                  <a:latin typeface="Cambria Math"/>
+                                  <a:ea typeface="Cambria Math"/>
+                                </a:rPr>
+                                <m:t>𝒗</m:t>
+                              </m:r>
+                            </m:e>
+                            <m:sup>
+                              <m:r>
+                                <a:rPr lang="en-US" sz="2800" b="1" i="1">
+                                  <a:latin typeface="Cambria Math"/>
+                                  <a:ea typeface="Cambria Math"/>
+                                </a:rPr>
+                                <m:t>𝑻</m:t>
+                              </m:r>
+                            </m:sup>
+                          </m:sSup>
+                          <m:r>
+                            <a:rPr lang="en-US" sz="2800" b="1" i="1">
+                              <a:latin typeface="Cambria Math"/>
+                              <a:ea typeface="Cambria Math"/>
+                            </a:rPr>
+                            <m:t>𝝁</m:t>
+                          </m:r>
+                          <m:r>
+                            <a:rPr lang="en-US" sz="2800" i="1">
+                              <a:latin typeface="Cambria Math"/>
+                              <a:ea typeface="Cambria Math"/>
+                            </a:rPr>
+                            <m:t>)</m:t>
+                          </m:r>
+                        </m:e>
+                        <m:sup>
+                          <m:r>
+                            <a:rPr lang="en-US" sz="2800" i="1">
+                              <a:latin typeface="Cambria Math"/>
+                              <a:ea typeface="Cambria Math"/>
+                            </a:rPr>
+                            <m:t>2</m:t>
+                          </m:r>
+                        </m:sup>
+                      </m:sSup>
+                    </m:oMath>
+                  </m:oMathPara>
+                </a14:m>
+                <a:endParaRPr lang="en-US" sz="2800" dirty="0" smtClean="0">
+                  <a:ea typeface="Cambria Math"/>
+                </a:endParaRPr>
+              </a:p>
+              <a:p>
+                <a:pPr/>
+                <a:r>
+                  <a:rPr lang="en-US" sz="2800" dirty="0" smtClean="0">
+                    <a:ea typeface="Cambria Math"/>
+                  </a:rPr>
+                  <a:t>Where we used: </a:t>
+                </a:r>
+              </a:p>
+              <a:p>
+                <a:pPr lvl="1"/>
+                <a14:m>
+                  <m:oMath xmlns:m="http://schemas.openxmlformats.org/officeDocument/2006/math">
+                    <m:sSup>
+                      <m:sSupPr>
+                        <m:ctrlPr>
+                          <a:rPr lang="en-US" sz="2400" b="1" i="1">
+                            <a:latin typeface="Cambria Math"/>
+                            <a:ea typeface="Cambria Math"/>
+                          </a:rPr>
+                        </m:ctrlPr>
+                      </m:sSupPr>
+                      <m:e>
+                        <m:sSub>
+                          <m:sSubPr>
+                            <m:ctrlPr>
+                              <a:rPr lang="en-US" sz="2400" b="1" i="1">
+                                <a:latin typeface="Cambria Math"/>
+                                <a:ea typeface="Cambria Math"/>
+                              </a:rPr>
+                            </m:ctrlPr>
+                          </m:sSubPr>
+                          <m:e>
+                            <m:r>
+                              <a:rPr lang="en-US" sz="2400" b="1" i="1">
+                                <a:latin typeface="Cambria Math"/>
+                                <a:ea typeface="Cambria Math"/>
+                              </a:rPr>
+                              <m:t>𝔼</m:t>
+                            </m:r>
+                          </m:e>
+                          <m:sub>
+                            <m:r>
+                              <a:rPr lang="en-US" sz="2400" b="1" i="1">
+                                <a:latin typeface="Cambria Math"/>
+                                <a:ea typeface="Cambria Math"/>
+                              </a:rPr>
+                              <m:t>𝒙</m:t>
+                            </m:r>
+                            <m:r>
+                              <a:rPr lang="en-US" sz="2400" b="1" i="1">
+                                <a:latin typeface="Cambria Math"/>
+                                <a:ea typeface="Cambria Math"/>
+                              </a:rPr>
+                              <m:t>∼</m:t>
+                            </m:r>
+                            <m:r>
+                              <a:rPr lang="en-US" sz="2400" i="1">
+                                <a:latin typeface="Cambria Math"/>
+                                <a:ea typeface="Cambria Math"/>
+                              </a:rPr>
+                              <m:t>𝑝</m:t>
+                            </m:r>
+                          </m:sub>
+                        </m:sSub>
+                        <m:r>
+                          <a:rPr lang="en-US" sz="2400" b="1" i="1">
+                            <a:latin typeface="Cambria Math"/>
+                            <a:ea typeface="Cambria Math"/>
+                          </a:rPr>
+                          <m:t>[</m:t>
+                        </m:r>
+                        <m:r>
+                          <a:rPr lang="en-US" sz="2400" b="1" i="1">
+                            <a:latin typeface="Cambria Math"/>
+                            <a:ea typeface="Cambria Math"/>
+                          </a:rPr>
+                          <m:t>𝒗</m:t>
+                        </m:r>
+                      </m:e>
+                      <m:sup>
+                        <m:r>
+                          <a:rPr lang="en-US" sz="2400" b="1" i="1">
+                            <a:latin typeface="Cambria Math"/>
+                            <a:ea typeface="Cambria Math"/>
+                          </a:rPr>
+                          <m:t>𝑻</m:t>
+                        </m:r>
+                      </m:sup>
+                    </m:sSup>
+                    <m:d>
+                      <m:dPr>
+                        <m:ctrlPr>
+                          <a:rPr lang="en-US" sz="2400" b="1" i="1">
+                            <a:latin typeface="Cambria Math"/>
+                            <a:ea typeface="Cambria Math"/>
+                          </a:rPr>
+                        </m:ctrlPr>
+                      </m:dPr>
+                      <m:e>
+                        <m:r>
+                          <a:rPr lang="en-US" sz="2400" b="1" i="1">
+                            <a:latin typeface="Cambria Math"/>
+                            <a:ea typeface="Cambria Math"/>
+                          </a:rPr>
+                          <m:t>𝒙</m:t>
+                        </m:r>
+                        <m:r>
+                          <a:rPr lang="en-US" sz="2400" b="1" i="1">
+                            <a:latin typeface="Cambria Math"/>
+                            <a:ea typeface="Cambria Math"/>
+                          </a:rPr>
+                          <m:t>−</m:t>
+                        </m:r>
+                        <m:r>
+                          <a:rPr lang="en-US" sz="2400" b="1" i="1">
+                            <a:latin typeface="Cambria Math"/>
+                            <a:ea typeface="Cambria Math"/>
+                          </a:rPr>
+                          <m:t>𝝁</m:t>
+                        </m:r>
+                      </m:e>
+                    </m:d>
+                    <m:r>
+                      <a:rPr lang="en-US" sz="2400" b="1" i="1">
+                        <a:latin typeface="Cambria Math"/>
+                        <a:ea typeface="Cambria Math"/>
+                      </a:rPr>
+                      <m:t>]</m:t>
+                    </m:r>
+                    <m:r>
+                      <a:rPr lang="en-US" sz="2400" b="1" i="1" smtClean="0">
+                        <a:latin typeface="Cambria Math"/>
+                        <a:ea typeface="Cambria Math"/>
+                      </a:rPr>
+                      <m:t>=</m:t>
+                    </m:r>
+                    <m:r>
+                      <a:rPr lang="en-US" sz="2400" b="1" i="1" smtClean="0">
+                        <a:latin typeface="Cambria Math"/>
+                        <a:ea typeface="Cambria Math"/>
+                      </a:rPr>
+                      <m:t>𝟎</m:t>
+                    </m:r>
+                  </m:oMath>
+                </a14:m>
+                <a:endParaRPr lang="en-US" sz="2400" b="1" dirty="0" smtClean="0">
+                  <a:ea typeface="Cambria Math"/>
+                </a:endParaRPr>
+              </a:p>
+              <a:p>
+                <a:pPr lvl="1"/>
+                <a14:m>
+                  <m:oMath xmlns:m="http://schemas.openxmlformats.org/officeDocument/2006/math">
+                    <m:sSub>
+                      <m:sSubPr>
+                        <m:ctrlPr>
+                          <a:rPr lang="en-US" sz="2400" b="1" i="1">
+                            <a:latin typeface="Cambria Math"/>
+                            <a:ea typeface="Cambria Math"/>
+                          </a:rPr>
+                        </m:ctrlPr>
+                      </m:sSubPr>
+                      <m:e>
+                        <m:r>
+                          <a:rPr lang="en-US" sz="2400" b="1" i="1">
+                            <a:latin typeface="Cambria Math"/>
+                            <a:ea typeface="Cambria Math"/>
+                          </a:rPr>
+                          <m:t>𝔼</m:t>
+                        </m:r>
+                      </m:e>
+                      <m:sub>
+                        <m:r>
+                          <a:rPr lang="en-US" sz="2400" b="1" i="1">
+                            <a:latin typeface="Cambria Math"/>
+                            <a:ea typeface="Cambria Math"/>
+                          </a:rPr>
+                          <m:t>𝒙</m:t>
+                        </m:r>
+                        <m:r>
+                          <a:rPr lang="en-US" sz="2400" b="1" i="1">
+                            <a:latin typeface="Cambria Math"/>
+                            <a:ea typeface="Cambria Math"/>
+                          </a:rPr>
+                          <m:t>∼</m:t>
+                        </m:r>
+                        <m:r>
+                          <a:rPr lang="en-US" sz="2400" i="1">
+                            <a:latin typeface="Cambria Math"/>
+                            <a:ea typeface="Cambria Math"/>
+                          </a:rPr>
+                          <m:t>𝑝</m:t>
+                        </m:r>
+                      </m:sub>
+                    </m:sSub>
+                    <m:sSup>
+                      <m:sSupPr>
+                        <m:ctrlPr>
+                          <a:rPr lang="en-US" sz="2400" b="1" i="1">
+                            <a:latin typeface="Cambria Math"/>
+                            <a:ea typeface="Cambria Math"/>
+                          </a:rPr>
+                        </m:ctrlPr>
+                      </m:sSupPr>
+                      <m:e>
+                        <m:r>
+                          <a:rPr lang="en-US" sz="2400" b="1" i="1">
+                            <a:latin typeface="Cambria Math"/>
+                            <a:ea typeface="Cambria Math"/>
+                          </a:rPr>
+                          <m:t>[</m:t>
+                        </m:r>
+                        <m:r>
+                          <a:rPr lang="en-US" sz="2400" b="1" i="1">
+                            <a:latin typeface="Cambria Math"/>
+                            <a:ea typeface="Cambria Math"/>
+                          </a:rPr>
+                          <m:t>𝒗</m:t>
+                        </m:r>
+                      </m:e>
+                      <m:sup>
+                        <m:r>
+                          <a:rPr lang="en-US" sz="2400" b="1" i="1">
+                            <a:latin typeface="Cambria Math"/>
+                            <a:ea typeface="Cambria Math"/>
+                          </a:rPr>
+                          <m:t>𝑻</m:t>
+                        </m:r>
+                      </m:sup>
+                    </m:sSup>
+                    <m:sSup>
+                      <m:sSupPr>
+                        <m:ctrlPr>
+                          <a:rPr lang="en-US" sz="2400" b="1" i="1">
+                            <a:latin typeface="Cambria Math"/>
+                            <a:ea typeface="Cambria Math"/>
+                          </a:rPr>
+                        </m:ctrlPr>
+                      </m:sSupPr>
+                      <m:e>
+                        <m:d>
+                          <m:dPr>
+                            <m:ctrlPr>
+                              <a:rPr lang="en-US" sz="2400" b="1" i="1">
+                                <a:latin typeface="Cambria Math"/>
+                                <a:ea typeface="Cambria Math"/>
+                              </a:rPr>
+                            </m:ctrlPr>
+                          </m:dPr>
+                          <m:e>
+                            <m:r>
+                              <a:rPr lang="en-US" sz="2400" b="1" i="1">
+                                <a:latin typeface="Cambria Math"/>
+                                <a:ea typeface="Cambria Math"/>
+                              </a:rPr>
+                              <m:t>𝒙</m:t>
+                            </m:r>
+                            <m:r>
+                              <a:rPr lang="en-US" sz="2400" b="1" i="1">
+                                <a:latin typeface="Cambria Math"/>
+                                <a:ea typeface="Cambria Math"/>
+                              </a:rPr>
+                              <m:t>−</m:t>
+                            </m:r>
+                            <m:r>
+                              <a:rPr lang="en-US" sz="2400" b="1" i="1">
+                                <a:latin typeface="Cambria Math"/>
+                                <a:ea typeface="Cambria Math"/>
+                              </a:rPr>
+                              <m:t>𝝁</m:t>
+                            </m:r>
+                          </m:e>
+                        </m:d>
+                      </m:e>
+                      <m:sup>
+                        <m:r>
+                          <a:rPr lang="en-US" sz="2400" b="1" i="1">
+                            <a:latin typeface="Cambria Math"/>
+                            <a:ea typeface="Cambria Math"/>
+                          </a:rPr>
+                          <m:t>𝟐</m:t>
+                        </m:r>
+                      </m:sup>
+                    </m:sSup>
+                    <m:r>
+                      <a:rPr lang="en-US" sz="2400" b="1" i="1">
+                        <a:latin typeface="Cambria Math"/>
+                        <a:ea typeface="Cambria Math"/>
+                      </a:rPr>
+                      <m:t>]</m:t>
+                    </m:r>
+                    <m:r>
+                      <a:rPr lang="en-US" sz="2400" b="1" i="1" smtClean="0">
+                        <a:latin typeface="Cambria Math"/>
+                        <a:ea typeface="Cambria Math"/>
+                      </a:rPr>
+                      <m:t>=</m:t>
+                    </m:r>
+                    <m:sSup>
+                      <m:sSupPr>
+                        <m:ctrlPr>
+                          <a:rPr lang="en-US" sz="2400" i="1" smtClean="0">
+                            <a:latin typeface="Cambria Math"/>
+                            <a:ea typeface="Cambria Math"/>
+                          </a:rPr>
+                        </m:ctrlPr>
+                      </m:sSupPr>
+                      <m:e>
+                        <m:r>
+                          <a:rPr lang="en-US" sz="2400" b="0" i="1" smtClean="0">
+                            <a:latin typeface="Cambria Math"/>
+                            <a:ea typeface="Cambria Math"/>
+                          </a:rPr>
+                          <m:t>𝜎</m:t>
+                        </m:r>
+                      </m:e>
+                      <m:sup>
+                        <m:r>
+                          <a:rPr lang="en-US" sz="2400" b="0" i="1" smtClean="0">
+                            <a:latin typeface="Cambria Math"/>
+                            <a:ea typeface="Cambria Math"/>
+                          </a:rPr>
+                          <m:t>2</m:t>
+                        </m:r>
+                      </m:sup>
+                    </m:sSup>
+                  </m:oMath>
+                </a14:m>
+                <a:endParaRPr lang="en-US" sz="2400" dirty="0" smtClean="0">
+                  <a:ea typeface="Cambria Math"/>
+                </a:endParaRPr>
+              </a:p>
+              <a:p>
+                <a:pPr/>
+                <a:r>
+                  <a:rPr lang="en-US" dirty="0" smtClean="0">
+                    <a:ea typeface="Cambria Math"/>
+                  </a:rPr>
+                  <a:t>Best fit line maximizes </a:t>
+                </a:r>
+                <a14:m>
+                  <m:oMath xmlns:m="http://schemas.openxmlformats.org/officeDocument/2006/math">
+                    <m:sSup>
+                      <m:sSupPr>
+                        <m:ctrlPr>
+                          <a:rPr lang="en-US" i="1">
+                            <a:latin typeface="Cambria Math"/>
+                            <a:ea typeface="Cambria Math"/>
+                          </a:rPr>
+                        </m:ctrlPr>
+                      </m:sSupPr>
+                      <m:e>
+                        <m:sSup>
+                          <m:sSupPr>
+                            <m:ctrlPr>
+                              <a:rPr lang="en-US" b="1" i="1">
+                                <a:latin typeface="Cambria Math"/>
+                                <a:ea typeface="Cambria Math"/>
+                              </a:rPr>
+                            </m:ctrlPr>
+                          </m:sSupPr>
+                          <m:e>
+                            <m:r>
+                              <a:rPr lang="en-US" b="1" i="1" smtClean="0">
+                                <a:latin typeface="Cambria Math"/>
+                                <a:ea typeface="Cambria Math"/>
+                              </a:rPr>
+                              <m:t> </m:t>
+                            </m:r>
+                            <m:r>
+                              <a:rPr lang="en-US" b="1" i="1">
+                                <a:latin typeface="Cambria Math"/>
+                                <a:ea typeface="Cambria Math"/>
+                              </a:rPr>
+                              <m:t>(</m:t>
+                            </m:r>
+                            <m:r>
+                              <a:rPr lang="en-US" b="1" i="1">
+                                <a:latin typeface="Cambria Math"/>
+                                <a:ea typeface="Cambria Math"/>
+                              </a:rPr>
+                              <m:t>𝒗</m:t>
+                            </m:r>
+                          </m:e>
+                          <m:sup>
+                            <m:r>
+                              <a:rPr lang="en-US" b="1" i="1">
+                                <a:latin typeface="Cambria Math"/>
+                                <a:ea typeface="Cambria Math"/>
+                              </a:rPr>
+                              <m:t>𝑻</m:t>
+                            </m:r>
+                          </m:sup>
+                        </m:sSup>
+                        <m:r>
+                          <a:rPr lang="en-US" b="1" i="1">
+                            <a:latin typeface="Cambria Math"/>
+                            <a:ea typeface="Cambria Math"/>
+                          </a:rPr>
+                          <m:t>𝝁</m:t>
+                        </m:r>
+                        <m:r>
+                          <a:rPr lang="en-US" i="1">
+                            <a:latin typeface="Cambria Math"/>
+                            <a:ea typeface="Cambria Math"/>
+                          </a:rPr>
+                          <m:t>)</m:t>
+                        </m:r>
+                      </m:e>
+                      <m:sup>
+                        <m:r>
+                          <a:rPr lang="en-US" i="1">
+                            <a:latin typeface="Cambria Math"/>
+                            <a:ea typeface="Cambria Math"/>
+                          </a:rPr>
+                          <m:t>2</m:t>
+                        </m:r>
+                      </m:sup>
+                    </m:sSup>
+                  </m:oMath>
+                </a14:m>
+                <a:endParaRPr lang="en-US" dirty="0" smtClean="0">
+                  <a:ea typeface="Cambria Math"/>
+                </a:endParaRPr>
+              </a:p>
+              <a:p>
+                <a:pPr lvl="1"/>
+                <a:endParaRPr lang="en-US" sz="2400" dirty="0" smtClean="0">
+                  <a:ea typeface="Cambria Math"/>
+                </a:endParaRPr>
+              </a:p>
+              <a:p>
+                <a:pPr marL="0" indent="0">
+                  <a:buNone/>
+                </a:pPr>
+                <a:endParaRPr lang="en-US" sz="2800" dirty="0" smtClean="0">
+                  <a:ea typeface="Cambria Math"/>
+                </a:endParaRPr>
+              </a:p>
+              <a:p>
+                <a:pPr marL="0" indent="0">
+                  <a:buNone/>
+                </a:pPr>
+                <a:endParaRPr lang="en-US" sz="2800" dirty="0"/>
+              </a:p>
+            </p:txBody>
+          </p:sp>
+        </mc:Choice>
+        <mc:Fallback>
+          <p:sp>
+            <p:nvSpPr>
+              <p:cNvPr id="3" name="Content Placeholder 2"/>
+              <p:cNvSpPr>
+                <a:spLocks noGrp="1" noRot="1" noChangeAspect="1" noMove="1" noResize="1" noEditPoints="1" noAdjustHandles="1" noChangeArrowheads="1" noChangeShapeType="1" noTextEdit="1"/>
+              </p:cNvSpPr>
+              <p:nvPr>
+                <p:ph idx="1"/>
+              </p:nvPr>
+            </p:nvSpPr>
+            <p:spPr>
+              <a:xfrm>
+                <a:off x="228600" y="1219200"/>
+                <a:ext cx="9144000" cy="5638800"/>
+              </a:xfrm>
+              <a:blipFill rotWithShape="1">
+                <a:blip r:embed="rId2"/>
+                <a:stretch>
+                  <a:fillRect l="-1533" t="-2162" b="-1297"/>
+                </a:stretch>
+              </a:blipFill>
+            </p:spPr>
+            <p:txBody>
+              <a:bodyPr/>
+              <a:lstStyle/>
+              <a:p>
+                <a:r>
+                  <a:rPr lang="en-US">
+                    <a:noFill/>
+                  </a:rPr>
+                  <a:t> </a:t>
+                </a:r>
+              </a:p>
+            </p:txBody>
+          </p:sp>
+        </mc:Fallback>
+      </mc:AlternateContent>
+    </p:spTree>
+    <p:extLst>
+      <p:ext uri="{BB962C8B-B14F-4D97-AF65-F5344CB8AC3E}">
+        <p14:creationId xmlns:p14="http://schemas.microsoft.com/office/powerpoint/2010/main" val="2778982356"/>
+      </p:ext>
+    </p:extLst>
+  </p:cSld>
+  <p:clrMapOvr>
+    <a:masterClrMapping/>
+  </p:clrMapOvr>
+  <p:timing>
+    <p:tnLst>
+      <p:par>
+        <p:cTn id="1" dur="indefinite" restart="never" nodeType="tmRoot">
+          <p:childTnLst>
+            <p:seq concurrent="1" nextAc="seek">
+              <p:cTn id="2" dur="indefinite" nodeType="mainSeq">
+                <p:childTnLst>
+                  <p:par>
+                    <p:cTn id="3" fill="hold">
+                      <p:stCondLst>
+                        <p:cond delay="indefinite"/>
+                      </p:stCondLst>
+                      <p:childTnLst>
+                        <p:par>
+                          <p:cTn id="4" fill="hold">
+                            <p:stCondLst>
+                              <p:cond delay="0"/>
+                            </p:stCondLst>
+                            <p:childTnLst>
+                              <p:par>
+                                <p:cTn id="5" presetID="1" presetClass="entr" presetSubtype="0" fill="hold" nodeType="clickEffect">
+                                  <p:stCondLst>
+                                    <p:cond delay="0"/>
+                                  </p:stCondLst>
+                                  <p:childTnLst>
+                                    <p:set>
+                                      <p:cBhvr>
+                                        <p:cTn id="6" dur="1" fill="hold">
+                                          <p:stCondLst>
+                                            <p:cond delay="0"/>
+                                          </p:stCondLst>
+                                        </p:cTn>
+                                        <p:tgtEl>
+                                          <p:spTgt spid="3">
+                                            <p:txEl>
+                                              <p:pRg st="0" end="0"/>
+                                            </p:txEl>
+                                          </p:spTgt>
+                                        </p:tgtEl>
+                                        <p:attrNameLst>
+                                          <p:attrName>style.visibility</p:attrName>
+                                        </p:attrNameLst>
+                                      </p:cBhvr>
+                                      <p:to>
+                                        <p:strVal val="visible"/>
+                                      </p:to>
+                                    </p:set>
+                                  </p:childTnLst>
+                                </p:cTn>
+                              </p:par>
+                            </p:childTnLst>
+                          </p:cTn>
+                        </p:par>
+                      </p:childTnLst>
+                    </p:cTn>
+                  </p:par>
+                  <p:par>
+                    <p:cTn id="7" fill="hold">
+                      <p:stCondLst>
+                        <p:cond delay="indefinite"/>
+                      </p:stCondLst>
+                      <p:childTnLst>
+                        <p:par>
+                          <p:cTn id="8" fill="hold">
+                            <p:stCondLst>
+                              <p:cond delay="0"/>
+                            </p:stCondLst>
+                            <p:childTnLst>
+                              <p:par>
+                                <p:cTn id="9" presetID="1" presetClass="entr" presetSubtype="0" fill="hold" nodeType="clickEffect">
+                                  <p:stCondLst>
+                                    <p:cond delay="0"/>
+                                  </p:stCondLst>
+                                  <p:childTnLst>
+                                    <p:set>
+                                      <p:cBhvr>
+                                        <p:cTn id="10" dur="1" fill="hold">
+                                          <p:stCondLst>
+                                            <p:cond delay="0"/>
+                                          </p:stCondLst>
+                                        </p:cTn>
+                                        <p:tgtEl>
+                                          <p:spTgt spid="3">
+                                            <p:txEl>
+                                              <p:pRg st="1" end="1"/>
+                                            </p:txEl>
+                                          </p:spTgt>
+                                        </p:tgtEl>
+                                        <p:attrNameLst>
+                                          <p:attrName>style.visibility</p:attrName>
+                                        </p:attrNameLst>
+                                      </p:cBhvr>
+                                      <p:to>
+                                        <p:strVal val="visible"/>
+                                      </p:to>
+                                    </p:set>
+                                  </p:childTnLst>
+                                </p:cTn>
+                              </p:par>
+                            </p:childTnLst>
+                          </p:cTn>
+                        </p:par>
+                      </p:childTnLst>
+                    </p:cTn>
+                  </p:par>
+                  <p:par>
+                    <p:cTn id="11" fill="hold">
+                      <p:stCondLst>
+                        <p:cond delay="indefinite"/>
+                      </p:stCondLst>
+                      <p:childTnLst>
+                        <p:par>
+                          <p:cTn id="12" fill="hold">
+                            <p:stCondLst>
+                              <p:cond delay="0"/>
+                            </p:stCondLst>
+                            <p:childTnLst>
+                              <p:par>
+                                <p:cTn id="13" presetID="1" presetClass="entr" presetSubtype="0" fill="hold" nodeType="clickEffect">
+                                  <p:stCondLst>
+                                    <p:cond delay="0"/>
+                                  </p:stCondLst>
+                                  <p:childTnLst>
+                                    <p:set>
+                                      <p:cBhvr>
+                                        <p:cTn id="14" dur="1" fill="hold">
+                                          <p:stCondLst>
+                                            <p:cond delay="0"/>
+                                          </p:stCondLst>
+                                        </p:cTn>
+                                        <p:tgtEl>
+                                          <p:spTgt spid="3">
+                                            <p:txEl>
+                                              <p:pRg st="2" end="2"/>
+                                            </p:txEl>
+                                          </p:spTgt>
+                                        </p:tgtEl>
+                                        <p:attrNameLst>
+                                          <p:attrName>style.visibility</p:attrName>
+                                        </p:attrNameLst>
+                                      </p:cBhvr>
+                                      <p:to>
+                                        <p:strVal val="visible"/>
+                                      </p:to>
+                                    </p:set>
+                                  </p:childTnLst>
+                                </p:cTn>
+                              </p:par>
+                            </p:childTnLst>
+                          </p:cTn>
+                        </p:par>
+                      </p:childTnLst>
+                    </p:cTn>
+                  </p:par>
+                  <p:par>
+                    <p:cTn id="15" fill="hold">
+                      <p:stCondLst>
+                        <p:cond delay="indefinite"/>
+                      </p:stCondLst>
+                      <p:childTnLst>
+                        <p:par>
+                          <p:cTn id="16" fill="hold">
+                            <p:stCondLst>
+                              <p:cond delay="0"/>
+                            </p:stCondLst>
+                            <p:childTnLst>
+                              <p:par>
+                                <p:cTn id="17" presetID="1" presetClass="entr" presetSubtype="0" fill="hold" nodeType="clickEffect">
+                                  <p:stCondLst>
+                                    <p:cond delay="0"/>
+                                  </p:stCondLst>
+                                  <p:childTnLst>
+                                    <p:set>
+                                      <p:cBhvr>
+                                        <p:cTn id="18" dur="1" fill="hold">
+                                          <p:stCondLst>
+                                            <p:cond delay="0"/>
+                                          </p:stCondLst>
+                                        </p:cTn>
+                                        <p:tgtEl>
+                                          <p:spTgt spid="3">
+                                            <p:txEl>
+                                              <p:pRg st="3" end="3"/>
+                                            </p:txEl>
+                                          </p:spTgt>
+                                        </p:tgtEl>
+                                        <p:attrNameLst>
+                                          <p:attrName>style.visibility</p:attrName>
+                                        </p:attrNameLst>
+                                      </p:cBhvr>
+                                      <p:to>
+                                        <p:strVal val="visible"/>
+                                      </p:to>
+                                    </p:set>
+                                  </p:childTnLst>
+                                </p:cTn>
+                              </p:par>
+                            </p:childTnLst>
+                          </p:cTn>
+                        </p:par>
+                      </p:childTnLst>
+                    </p:cTn>
+                  </p:par>
+                  <p:par>
+                    <p:cTn id="19" fill="hold">
+                      <p:stCondLst>
+                        <p:cond delay="indefinite"/>
+                      </p:stCondLst>
+                      <p:childTnLst>
+                        <p:par>
+                          <p:cTn id="20" fill="hold">
+                            <p:stCondLst>
+                              <p:cond delay="0"/>
+                            </p:stCondLst>
+                            <p:childTnLst>
+                              <p:par>
+                                <p:cTn id="21" presetID="1" presetClass="entr" presetSubtype="0" fill="hold" nodeType="clickEffect">
+                                  <p:stCondLst>
+                                    <p:cond delay="0"/>
+                                  </p:stCondLst>
+                                  <p:childTnLst>
+                                    <p:set>
+                                      <p:cBhvr>
+                                        <p:cTn id="22" dur="1" fill="hold">
+                                          <p:stCondLst>
+                                            <p:cond delay="0"/>
+                                          </p:stCondLst>
+                                        </p:cTn>
+                                        <p:tgtEl>
+                                          <p:spTgt spid="3">
+                                            <p:txEl>
+                                              <p:pRg st="4" end="4"/>
+                                            </p:txEl>
+                                          </p:spTgt>
+                                        </p:tgtEl>
+                                        <p:attrNameLst>
+                                          <p:attrName>style.visibility</p:attrName>
+                                        </p:attrNameLst>
+                                      </p:cBhvr>
+                                      <p:to>
+                                        <p:strVal val="visible"/>
+                                      </p:to>
+                                    </p:set>
+                                  </p:childTnLst>
+                                </p:cTn>
+                              </p:par>
+                            </p:childTnLst>
+                          </p:cTn>
+                        </p:par>
+                      </p:childTnLst>
+                    </p:cTn>
+                  </p:par>
+                  <p:par>
+                    <p:cTn id="23" fill="hold">
+                      <p:stCondLst>
+                        <p:cond delay="indefinite"/>
+                      </p:stCondLst>
+                      <p:childTnLst>
+                        <p:par>
+                          <p:cTn id="24" fill="hold">
+                            <p:stCondLst>
+                              <p:cond delay="0"/>
+                            </p:stCondLst>
+                            <p:childTnLst>
+                              <p:par>
+                                <p:cTn id="25" presetID="1" presetClass="entr" presetSubtype="0" fill="hold" nodeType="clickEffect">
+                                  <p:stCondLst>
+                                    <p:cond delay="0"/>
+                                  </p:stCondLst>
+                                  <p:childTnLst>
+                                    <p:set>
+                                      <p:cBhvr>
+                                        <p:cTn id="26" dur="1" fill="hold">
+                                          <p:stCondLst>
+                                            <p:cond delay="0"/>
+                                          </p:stCondLst>
+                                        </p:cTn>
+                                        <p:tgtEl>
+                                          <p:spTgt spid="3">
+                                            <p:txEl>
+                                              <p:pRg st="5" end="5"/>
+                                            </p:txEl>
+                                          </p:spTgt>
+                                        </p:tgtEl>
+                                        <p:attrNameLst>
+                                          <p:attrName>style.visibility</p:attrName>
+                                        </p:attrNameLst>
+                                      </p:cBhvr>
+                                      <p:to>
+                                        <p:strVal val="visible"/>
+                                      </p:to>
+                                    </p:set>
+                                  </p:childTnLst>
+                                </p:cTn>
+                              </p:par>
+                            </p:childTnLst>
+                          </p:cTn>
+                        </p:par>
+                      </p:childTnLst>
+                    </p:cTn>
+                  </p:par>
+                  <p:par>
+                    <p:cTn id="27" fill="hold">
+                      <p:stCondLst>
+                        <p:cond delay="indefinite"/>
+                      </p:stCondLst>
+                      <p:childTnLst>
+                        <p:par>
+                          <p:cTn id="28" fill="hold">
+                            <p:stCondLst>
+                              <p:cond delay="0"/>
+                            </p:stCondLst>
+                            <p:childTnLst>
+                              <p:par>
+                                <p:cTn id="29" presetID="1" presetClass="entr" presetSubtype="0" fill="hold" nodeType="clickEffect">
+                                  <p:stCondLst>
+                                    <p:cond delay="0"/>
+                                  </p:stCondLst>
+                                  <p:childTnLst>
+                                    <p:set>
+                                      <p:cBhvr>
+                                        <p:cTn id="30" dur="1" fill="hold">
+                                          <p:stCondLst>
+                                            <p:cond delay="0"/>
+                                          </p:stCondLst>
+                                        </p:cTn>
+                                        <p:tgtEl>
+                                          <p:spTgt spid="3">
+                                            <p:txEl>
+                                              <p:pRg st="6" end="6"/>
+                                            </p:txEl>
+                                          </p:spTgt>
+                                        </p:tgtEl>
+                                        <p:attrNameLst>
+                                          <p:attrName>style.visibility</p:attrName>
+                                        </p:attrNameLst>
+                                      </p:cBhvr>
+                                      <p:to>
+                                        <p:strVal val="visible"/>
+                                      </p:to>
+                                    </p:set>
+                                  </p:childTnLst>
+                                </p:cTn>
+                              </p:par>
+                            </p:childTnLst>
+                          </p:cTn>
+                        </p:par>
+                      </p:childTnLst>
+                    </p:cTn>
+                  </p:par>
+                  <p:par>
+                    <p:cTn id="31" fill="hold">
+                      <p:stCondLst>
+                        <p:cond delay="indefinite"/>
+                      </p:stCondLst>
+                      <p:childTnLst>
+                        <p:par>
+                          <p:cTn id="32" fill="hold">
+                            <p:stCondLst>
+                              <p:cond delay="0"/>
+                            </p:stCondLst>
+                            <p:childTnLst>
+                              <p:par>
+                                <p:cTn id="33" presetID="1" presetClass="entr" presetSubtype="0" fill="hold" nodeType="clickEffect">
+                                  <p:stCondLst>
+                                    <p:cond delay="0"/>
+                                  </p:stCondLst>
+                                  <p:childTnLst>
+                                    <p:set>
+                                      <p:cBhvr>
+                                        <p:cTn id="34" dur="1" fill="hold">
+                                          <p:stCondLst>
+                                            <p:cond delay="0"/>
+                                          </p:stCondLst>
+                                        </p:cTn>
+                                        <p:tgtEl>
+                                          <p:spTgt spid="3">
+                                            <p:txEl>
+                                              <p:pRg st="7" end="7"/>
+                                            </p:txEl>
+                                          </p:spTgt>
+                                        </p:tgtEl>
+                                        <p:attrNameLst>
+                                          <p:attrName>style.visibility</p:attrName>
+                                        </p:attrNameLst>
+                                      </p:cBhvr>
+                                      <p:to>
+                                        <p:strVal val="visible"/>
+                                      </p:to>
+                                    </p:set>
+                                  </p:childTnLst>
+                                </p:cTn>
+                              </p:par>
+                            </p:childTnLst>
+                          </p:cTn>
+                        </p:par>
+                      </p:childTnLst>
+                    </p:cTn>
+                  </p:par>
+                  <p:par>
+                    <p:cTn id="35" fill="hold">
+                      <p:stCondLst>
+                        <p:cond delay="indefinite"/>
+                      </p:stCondLst>
+                      <p:childTnLst>
+                        <p:par>
+                          <p:cTn id="36" fill="hold">
+                            <p:stCondLst>
+                              <p:cond delay="0"/>
+                            </p:stCondLst>
+                            <p:childTnLst>
+                              <p:par>
+                                <p:cTn id="37" presetID="1" presetClass="entr" presetSubtype="0" fill="hold" nodeType="clickEffect">
+                                  <p:stCondLst>
+                                    <p:cond delay="0"/>
+                                  </p:stCondLst>
+                                  <p:childTnLst>
+                                    <p:set>
+                                      <p:cBhvr>
+                                        <p:cTn id="38" dur="1" fill="hold">
+                                          <p:stCondLst>
+                                            <p:cond delay="0"/>
+                                          </p:stCondLst>
+                                        </p:cTn>
+                                        <p:tgtEl>
+                                          <p:spTgt spid="3">
+                                            <p:txEl>
+                                              <p:pRg st="8" end="8"/>
+                                            </p:txEl>
+                                          </p:spTgt>
+                                        </p:tgtEl>
+                                        <p:attrNameLst>
+                                          <p:attrName>style.visibility</p:attrName>
+                                        </p:attrNameLst>
+                                      </p:cBhvr>
+                                      <p:to>
+                                        <p:strVal val="visible"/>
+                                      </p:to>
+                                    </p:set>
+                                  </p:childTnLst>
+                                </p:cTn>
+                              </p:par>
+                            </p:childTnLst>
+                          </p:cTn>
+                        </p:par>
+                      </p:childTnLst>
+                    </p:cTn>
+                  </p:par>
+                  <p:par>
+                    <p:cTn id="39" fill="hold">
+                      <p:stCondLst>
+                        <p:cond delay="indefinite"/>
+                      </p:stCondLst>
+                      <p:childTnLst>
+                        <p:par>
+                          <p:cTn id="40" fill="hold">
+                            <p:stCondLst>
+                              <p:cond delay="0"/>
+                            </p:stCondLst>
+                            <p:childTnLst>
+                              <p:par>
+                                <p:cTn id="41" presetID="1" presetClass="entr" presetSubtype="0" fill="hold" nodeType="clickEffect">
+                                  <p:stCondLst>
+                                    <p:cond delay="0"/>
+                                  </p:stCondLst>
+                                  <p:childTnLst>
+                                    <p:set>
+                                      <p:cBhvr>
+                                        <p:cTn id="42" dur="1" fill="hold">
+                                          <p:stCondLst>
+                                            <p:cond delay="0"/>
+                                          </p:stCondLst>
+                                        </p:cTn>
+                                        <p:tgtEl>
+                                          <p:spTgt spid="3">
+                                            <p:txEl>
+                                              <p:pRg st="9" end="9"/>
+                                            </p:txEl>
+                                          </p:spTgt>
+                                        </p:tgtEl>
+                                        <p:attrNameLst>
+                                          <p:attrName>style.visibility</p:attrName>
+                                        </p:attrNameLst>
+                                      </p:cBhvr>
+                                      <p:to>
+                                        <p:strVal val="visible"/>
+                                      </p:to>
+                                    </p:set>
+                                  </p:childTnLst>
+                                </p:cTn>
+                              </p:par>
+                            </p:childTnLst>
+                          </p:cTn>
+                        </p:par>
+                      </p:childTnLst>
+                    </p:cTn>
+                  </p:par>
+                </p:childTnLst>
+              </p:cTn>
+              <p:prevCondLst>
+                <p:cond evt="onPrev" delay="0">
+                  <p:tgtEl>
+                    <p:sldTgt/>
+                  </p:tgtEl>
+                </p:cond>
+              </p:prevCondLst>
+              <p:nextCondLst>
+                <p:cond evt="onNext" delay="0">
+                  <p:tgtEl>
+                    <p:sldTgt/>
+                  </p:tgtEl>
+                </p:cond>
+              </p:nextCondLst>
+            </p:seq>
+          </p:childTnLst>
+        </p:cTn>
+      </p:par>
+    </p:tnLst>
+  </p:timing>
+</p:sld>
+</file>
+
+<file path=ppt/slides/slide28.xml><?xml version="1.0" encoding="utf-8"?>
+<p:sld xmlns:a="http://schemas.openxmlformats.org/drawingml/2006/main" xmlns:r="http://schemas.openxmlformats.org/officeDocument/2006/relationships" xmlns:p="http://schemas.openxmlformats.org/presentationml/2006/main">
+  <p:cSld>
+    <p:spTree>
+      <p:nvGrpSpPr>
+        <p:cNvPr id="1" name=""/>
+        <p:cNvGrpSpPr/>
+        <p:nvPr/>
+      </p:nvGrpSpPr>
+      <p:grpSpPr>
+        <a:xfrm>
+          <a:off x="0" y="0"/>
+          <a:ext cx="0" cy="0"/>
+          <a:chOff x="0" y="0"/>
+          <a:chExt cx="0" cy="0"/>
+        </a:xfrm>
+      </p:grpSpPr>
+      <p:sp>
+        <p:nvSpPr>
+          <p:cNvPr id="2" name="Title 1"/>
+          <p:cNvSpPr>
+            <a:spLocks noGrp="1"/>
+          </p:cNvSpPr>
+          <p:nvPr>
+            <p:ph type="title"/>
+          </p:nvPr>
+        </p:nvSpPr>
+        <p:spPr/>
+        <p:txBody>
+          <a:bodyPr/>
+          <a:lstStyle/>
+          <a:p>
+            <a:endParaRPr lang="en-US" dirty="0"/>
+          </a:p>
+        </p:txBody>
+      </p:sp>
+      <p:sp>
+        <p:nvSpPr>
+          <p:cNvPr id="3" name="Content Placeholder 2"/>
+          <p:cNvSpPr>
+            <a:spLocks noGrp="1"/>
+          </p:cNvSpPr>
+          <p:nvPr>
+            <p:ph idx="1"/>
+          </p:nvPr>
+        </p:nvSpPr>
+        <p:spPr/>
+        <p:txBody>
+          <a:bodyPr/>
+          <a:lstStyle/>
+          <a:p>
+            <a:endParaRPr lang="en-US"/>
+          </a:p>
+        </p:txBody>
+      </p:sp>
+    </p:spTree>
+    <p:extLst>
+      <p:ext uri="{BB962C8B-B14F-4D97-AF65-F5344CB8AC3E}">
+        <p14:creationId xmlns:p14="http://schemas.microsoft.com/office/powerpoint/2010/main" val="2647286649"/>
+      </p:ext>
+    </p:extLst>
+  </p:cSld>
+  <p:clrMapOvr>
+    <a:masterClrMapping/>
+  </p:clrMapOvr>
+  <p:timing>
+    <p:tnLst>
+      <p:par>
+        <p:cTn id="1" dur="indefinite" restart="never" nodeType="tmRoot"/>
+      </p:par>
+    </p:tnLst>
+  </p:timing>
+</p:sld>
+</file>
+
 <file path=ppt/slides/slide3.xml><?xml version="1.0" encoding="utf-8"?>
 <p:sld xmlns:a="http://schemas.openxmlformats.org/drawingml/2006/main" xmlns:r="http://schemas.openxmlformats.org/officeDocument/2006/relationships" xmlns:p="http://schemas.openxmlformats.org/presentationml/2006/main">
   <p:cSld>
